--- a/Vorabgabe.pptx
+++ b/Vorabgabe.pptx
@@ -234,7 +234,7 @@
           <a:p>
             <a:fld id="{CF93AEB5-C303-4762-90A0-AF697EB357C4}" type="datetimeFigureOut">
               <a:rPr lang="de-DE" smtClean="0"/>
-              <a:t>25.10.2022</a:t>
+              <a:t>26.10.22</a:t>
             </a:fld>
             <a:endParaRPr lang="de-DE"/>
           </a:p>
@@ -392,7 +392,7 @@
           <a:p>
             <a:fld id="{590C587F-9620-41AA-8442-404D6D597627}" type="slidenum">
               <a:rPr lang="de-DE" smtClean="0"/>
-              <a:t>‹#›</a:t>
+              <a:t>‹Nr.›</a:t>
             </a:fld>
             <a:endParaRPr lang="de-DE"/>
           </a:p>
@@ -794,7 +794,7 @@
             <a:fld id="{E6B5151A-17C4-4431-8407-112C0160A8B6}" type="slidenum">
               <a:rPr lang="en-US" smtClean="0"/>
               <a:pPr/>
-              <a:t>‹#›</a:t>
+              <a:t>‹Nr.›</a:t>
             </a:fld>
             <a:endParaRPr lang="en-US"/>
           </a:p>
@@ -2474,7 +2474,7 @@
             <a:fld id="{E6B5151A-17C4-4431-8407-112C0160A8B6}" type="slidenum">
               <a:rPr lang="en-US" smtClean="0"/>
               <a:pPr/>
-              <a:t>‹#›</a:t>
+              <a:t>‹Nr.›</a:t>
             </a:fld>
             <a:endParaRPr lang="en-US"/>
           </a:p>
@@ -3026,7 +3026,7 @@
             <a:fld id="{E6B5151A-17C4-4431-8407-112C0160A8B6}" type="slidenum">
               <a:rPr lang="en-US" smtClean="0"/>
               <a:pPr/>
-              <a:t>‹#›</a:t>
+              <a:t>‹Nr.›</a:t>
             </a:fld>
             <a:endParaRPr lang="en-US"/>
           </a:p>
@@ -3546,7 +3546,7 @@
             <a:fld id="{E6B5151A-17C4-4431-8407-112C0160A8B6}" type="slidenum">
               <a:rPr lang="en-US" smtClean="0"/>
               <a:pPr/>
-              <a:t>‹#›</a:t>
+              <a:t>‹Nr.›</a:t>
             </a:fld>
             <a:endParaRPr lang="en-US"/>
           </a:p>
@@ -3694,7 +3694,7 @@
             <a:fld id="{E6B5151A-17C4-4431-8407-112C0160A8B6}" type="slidenum">
               <a:rPr lang="en-US" smtClean="0"/>
               <a:pPr/>
-              <a:t>‹#›</a:t>
+              <a:t>‹Nr.›</a:t>
             </a:fld>
             <a:endParaRPr lang="en-US"/>
           </a:p>
@@ -4333,7 +4333,7 @@
             <a:fld id="{E6B5151A-17C4-4431-8407-112C0160A8B6}" type="slidenum">
               <a:rPr lang="en-US" smtClean="0"/>
               <a:pPr/>
-              <a:t>‹#›</a:t>
+              <a:t>‹Nr.›</a:t>
             </a:fld>
             <a:endParaRPr lang="en-US"/>
           </a:p>
@@ -4833,7 +4833,7 @@
             <a:fld id="{E6B5151A-17C4-4431-8407-112C0160A8B6}" type="slidenum">
               <a:rPr lang="en-US" smtClean="0"/>
               <a:pPr/>
-              <a:t>‹#›</a:t>
+              <a:t>‹Nr.›</a:t>
             </a:fld>
             <a:endParaRPr lang="en-US"/>
           </a:p>
@@ -6774,7 +6774,7 @@
             <a:fld id="{E6B5151A-17C4-4431-8407-112C0160A8B6}" type="slidenum">
               <a:rPr lang="en-US" smtClean="0"/>
               <a:pPr/>
-              <a:t>‹#›</a:t>
+              <a:t>‹Nr.›</a:t>
             </a:fld>
             <a:endParaRPr lang="en-US"/>
           </a:p>
@@ -7893,7 +7893,7 @@
             <a:fld id="{E6B5151A-17C4-4431-8407-112C0160A8B6}" type="slidenum">
               <a:rPr lang="en-US" smtClean="0"/>
               <a:pPr/>
-              <a:t>‹#›</a:t>
+              <a:t>‹Nr.›</a:t>
             </a:fld>
             <a:endParaRPr lang="en-US"/>
           </a:p>
@@ -9099,7 +9099,7 @@
             <a:fld id="{E6B5151A-17C4-4431-8407-112C0160A8B6}" type="slidenum">
               <a:rPr lang="en-US" smtClean="0"/>
               <a:pPr/>
-              <a:t>‹#›</a:t>
+              <a:t>‹Nr.›</a:t>
             </a:fld>
             <a:endParaRPr lang="en-US"/>
           </a:p>
@@ -10448,7 +10448,7 @@
             <a:fld id="{E6B5151A-17C4-4431-8407-112C0160A8B6}" type="slidenum">
               <a:rPr lang="en-US" smtClean="0"/>
               <a:pPr/>
-              <a:t>‹#›</a:t>
+              <a:t>‹Nr.›</a:t>
             </a:fld>
             <a:endParaRPr lang="en-US"/>
           </a:p>
@@ -10719,7 +10719,7 @@
             <a:fld id="{E6B5151A-17C4-4431-8407-112C0160A8B6}" type="slidenum">
               <a:rPr lang="en-US" smtClean="0"/>
               <a:pPr/>
-              <a:t>‹#›</a:t>
+              <a:t>‹Nr.›</a:t>
             </a:fld>
             <a:endParaRPr lang="en-US"/>
           </a:p>
@@ -11152,7 +11152,7 @@
             <a:fld id="{E6B5151A-17C4-4431-8407-112C0160A8B6}" type="slidenum">
               <a:rPr lang="en-US" smtClean="0"/>
               <a:pPr/>
-              <a:t>‹#›</a:t>
+              <a:t>‹Nr.›</a:t>
             </a:fld>
             <a:endParaRPr lang="en-US"/>
           </a:p>
@@ -11857,7 +11857,7 @@
             <a:fld id="{E6B5151A-17C4-4431-8407-112C0160A8B6}" type="slidenum">
               <a:rPr lang="en-US" smtClean="0"/>
               <a:pPr/>
-              <a:t>‹#›</a:t>
+              <a:t>‹Nr.›</a:t>
             </a:fld>
             <a:endParaRPr lang="en-US"/>
           </a:p>
@@ -15480,7 +15480,7 @@
             <a:fld id="{E6B5151A-17C4-4431-8407-112C0160A8B6}" type="slidenum">
               <a:rPr lang="en-US" smtClean="0"/>
               <a:pPr/>
-              <a:t>‹#›</a:t>
+              <a:t>‹Nr.›</a:t>
             </a:fld>
             <a:endParaRPr lang="en-US"/>
           </a:p>
@@ -17807,7 +17807,7 @@
             <a:fld id="{E6B5151A-17C4-4431-8407-112C0160A8B6}" type="slidenum">
               <a:rPr lang="en-US" smtClean="0"/>
               <a:pPr/>
-              <a:t>‹#›</a:t>
+              <a:t>‹Nr.›</a:t>
             </a:fld>
             <a:endParaRPr lang="en-US"/>
           </a:p>
@@ -18388,10 +18388,10 @@
       </p:sp>
       <p:sp>
         <p:nvSpPr>
-          <p:cNvPr id="5" name="Picture Placeholder 4">
+          <p:cNvPr id="2" name="Bildplatzhalter 1">
             <a:extLst>
               <a:ext uri="{FF2B5EF4-FFF2-40B4-BE49-F238E27FC236}">
-                <a16:creationId xmlns:a16="http://schemas.microsoft.com/office/drawing/2014/main" id="{9191FF57-965F-D755-D9E7-FAB95A12D5A7}"/>
+                <a16:creationId xmlns:a16="http://schemas.microsoft.com/office/drawing/2014/main" id="{A721DABC-D47C-7CE6-CBF6-96CA0A9AB574}"/>
               </a:ext>
             </a:extLst>
           </p:cNvPr>
@@ -19068,8 +19068,8 @@
           </a:p>
         </p:txBody>
       </p:sp>
-      <mc:AlternateContent xmlns:mc="http://schemas.openxmlformats.org/markup-compatibility/2006">
-        <mc:Choice xmlns:a14="http://schemas.microsoft.com/office/drawing/2010/main" Requires="a14">
+      <mc:AlternateContent xmlns:mc="http://schemas.openxmlformats.org/markup-compatibility/2006" xmlns:a14="http://schemas.microsoft.com/office/drawing/2010/main">
+        <mc:Choice Requires="a14">
           <p:graphicFrame>
             <p:nvGraphicFramePr>
               <p:cNvPr id="3" name="Table 2">
@@ -19287,8 +19287,9 @@
                                 <m:sSub>
                                   <m:sSubPr>
                                     <m:ctrlPr>
-                                      <a:rPr lang="en-US" sz="1600">
+                                      <a:rPr lang="en-US" sz="1600" i="1">
                                         <a:effectLst/>
+                                        <a:latin typeface="Cambria Math" panose="02040503050406030204" pitchFamily="18" charset="0"/>
                                       </a:rPr>
                                     </m:ctrlPr>
                                   </m:sSubPr>
@@ -19296,6 +19297,7 @@
                                     <m:r>
                                       <a:rPr lang="de-DE" sz="1600">
                                         <a:effectLst/>
+                                        <a:latin typeface="Cambria Math" panose="02040503050406030204" pitchFamily="18" charset="0"/>
                                       </a:rPr>
                                       <m:t>𝑢</m:t>
                                     </m:r>
@@ -19304,6 +19306,7 @@
                                     <m:r>
                                       <a:rPr lang="de-DE" sz="1600" baseline="-25000">
                                         <a:effectLst/>
+                                        <a:latin typeface="Cambria Math" panose="02040503050406030204" pitchFamily="18" charset="0"/>
                                       </a:rPr>
                                       <m:t>1</m:t>
                                     </m:r>
@@ -19312,6 +19315,7 @@
                                 <m:r>
                                   <a:rPr lang="de-DE" sz="1600">
                                     <a:effectLst/>
+                                    <a:latin typeface="Cambria Math" panose="02040503050406030204" pitchFamily="18" charset="0"/>
                                   </a:rPr>
                                   <m:t> </m:t>
                                 </m:r>
@@ -19373,12 +19377,14 @@
                                 <m:r>
                                   <a:rPr lang="de-DE" sz="1600">
                                     <a:effectLst/>
+                                    <a:latin typeface="Cambria Math" panose="02040503050406030204" pitchFamily="18" charset="0"/>
                                   </a:rPr>
                                   <m:t>𝑁𝑚</m:t>
                                 </m:r>
                                 <m:r>
                                   <a:rPr lang="de-DE" sz="1600">
                                     <a:effectLst/>
+                                    <a:latin typeface="Cambria Math" panose="02040503050406030204" pitchFamily="18" charset="0"/>
                                   </a:rPr>
                                   <m:t> </m:t>
                                 </m:r>
@@ -19443,8 +19449,9 @@
                               <m:sSub>
                                 <m:sSubPr>
                                   <m:ctrlPr>
-                                    <a:rPr lang="en-US" sz="1600">
+                                    <a:rPr lang="en-US" sz="1600" i="1">
                                       <a:effectLst/>
+                                      <a:latin typeface="Cambria Math" panose="02040503050406030204" pitchFamily="18" charset="0"/>
                                     </a:rPr>
                                   </m:ctrlPr>
                                 </m:sSubPr>
@@ -19452,6 +19459,7 @@
                                   <m:r>
                                     <a:rPr lang="de-DE" sz="1600">
                                       <a:effectLst/>
+                                      <a:latin typeface="Cambria Math" panose="02040503050406030204" pitchFamily="18" charset="0"/>
                                     </a:rPr>
                                     <m:t>𝑢</m:t>
                                   </m:r>
@@ -19460,6 +19468,7 @@
                                   <m:r>
                                     <a:rPr lang="de-DE" sz="1600" baseline="-25000">
                                       <a:effectLst/>
+                                      <a:latin typeface="Cambria Math" panose="02040503050406030204" pitchFamily="18" charset="0"/>
                                     </a:rPr>
                                     <m:t>2</m:t>
                                   </m:r>
@@ -19524,6 +19533,7 @@
                               <m:r>
                                 <a:rPr lang="de-DE" sz="1600">
                                   <a:effectLst/>
+                                  <a:latin typeface="Cambria Math" panose="02040503050406030204" pitchFamily="18" charset="0"/>
                                 </a:rPr>
                                 <m:t>𝑁𝑚</m:t>
                               </m:r>
@@ -19556,7 +19566,7 @@
             </a:graphic>
           </p:graphicFrame>
         </mc:Choice>
-        <mc:Fallback>
+        <mc:Fallback xmlns="">
           <p:graphicFrame>
             <p:nvGraphicFramePr>
               <p:cNvPr id="3" name="Table 2">
@@ -19920,8 +19930,8 @@
           </p:graphicFrame>
         </mc:Fallback>
       </mc:AlternateContent>
-      <mc:AlternateContent xmlns:mc="http://schemas.openxmlformats.org/markup-compatibility/2006">
-        <mc:Choice xmlns:a14="http://schemas.microsoft.com/office/drawing/2010/main" Requires="a14">
+      <mc:AlternateContent xmlns:mc="http://schemas.openxmlformats.org/markup-compatibility/2006" xmlns:a14="http://schemas.microsoft.com/office/drawing/2010/main">
+        <mc:Choice Requires="a14">
           <p:graphicFrame>
             <p:nvGraphicFramePr>
               <p:cNvPr id="4" name="Table 3">
@@ -20166,8 +20176,9 @@
                                 <m:sSub>
                                   <m:sSubPr>
                                     <m:ctrlPr>
-                                      <a:rPr lang="en-US" sz="1600">
+                                      <a:rPr lang="en-US" sz="1600" i="1">
                                         <a:effectLst/>
+                                        <a:latin typeface="Cambria Math" panose="02040503050406030204" pitchFamily="18" charset="0"/>
                                       </a:rPr>
                                     </m:ctrlPr>
                                   </m:sSubPr>
@@ -20175,6 +20186,7 @@
                                     <m:r>
                                       <a:rPr lang="de-DE" sz="1600">
                                         <a:effectLst/>
+                                        <a:latin typeface="Cambria Math" panose="02040503050406030204" pitchFamily="18" charset="0"/>
                                       </a:rPr>
                                       <m:t>𝑥</m:t>
                                     </m:r>
@@ -20183,6 +20195,7 @@
                                     <m:r>
                                       <a:rPr lang="de-DE" sz="1600" baseline="-25000">
                                         <a:effectLst/>
+                                        <a:latin typeface="Cambria Math" panose="02040503050406030204" pitchFamily="18" charset="0"/>
                                       </a:rPr>
                                       <m:t>1</m:t>
                                     </m:r>
@@ -20191,20 +20204,23 @@
                                 <m:r>
                                   <a:rPr lang="de-DE" sz="1600" baseline="-25000">
                                     <a:effectLst/>
+                                    <a:latin typeface="Cambria Math" panose="02040503050406030204" pitchFamily="18" charset="0"/>
                                   </a:rPr>
                                   <m:t> </m:t>
                                 </m:r>
                                 <m:r>
                                   <a:rPr lang="de-DE" sz="1600">
                                     <a:effectLst/>
+                                    <a:latin typeface="Cambria Math" panose="02040503050406030204" pitchFamily="18" charset="0"/>
                                   </a:rPr>
                                   <m:t>= </m:t>
                                 </m:r>
                                 <m:sSub>
                                   <m:sSubPr>
                                     <m:ctrlPr>
-                                      <a:rPr lang="en-US" sz="1600">
+                                      <a:rPr lang="en-US" sz="1600" i="1">
                                         <a:effectLst/>
+                                        <a:latin typeface="Cambria Math" panose="02040503050406030204" pitchFamily="18" charset="0"/>
                                       </a:rPr>
                                     </m:ctrlPr>
                                   </m:sSubPr>
@@ -20212,6 +20228,7 @@
                                     <m:r>
                                       <a:rPr lang="de-DE" sz="1600">
                                         <a:effectLst/>
+                                        <a:latin typeface="Cambria Math" panose="02040503050406030204" pitchFamily="18" charset="0"/>
                                       </a:rPr>
                                       <m:t>𝜑</m:t>
                                     </m:r>
@@ -20220,6 +20237,7 @@
                                     <m:r>
                                       <a:rPr lang="de-DE" sz="1600" baseline="-25000">
                                         <a:effectLst/>
+                                        <a:latin typeface="Cambria Math" panose="02040503050406030204" pitchFamily="18" charset="0"/>
                                       </a:rPr>
                                       <m:t>1</m:t>
                                     </m:r>
@@ -20283,6 +20301,7 @@
                                 <m:r>
                                   <a:rPr lang="de-DE" sz="1600">
                                     <a:effectLst/>
+                                    <a:latin typeface="Cambria Math" panose="02040503050406030204" pitchFamily="18" charset="0"/>
                                   </a:rPr>
                                   <m:t>𝑟𝑎𝑑</m:t>
                                 </m:r>
@@ -20318,6 +20337,7 @@
                                 <m:r>
                                   <a:rPr lang="de-DE" sz="1600">
                                     <a:effectLst/>
+                                    <a:latin typeface="Cambria Math" panose="02040503050406030204" pitchFamily="18" charset="0"/>
                                   </a:rPr>
                                   <m:t>𝜋</m:t>
                                 </m:r>
@@ -20386,8 +20406,9 @@
                                 <m:sSub>
                                   <m:sSubPr>
                                     <m:ctrlPr>
-                                      <a:rPr lang="en-US" sz="1600">
+                                      <a:rPr lang="en-US" sz="1600" i="1">
                                         <a:effectLst/>
+                                        <a:latin typeface="Cambria Math" panose="02040503050406030204" pitchFamily="18" charset="0"/>
                                       </a:rPr>
                                     </m:ctrlPr>
                                   </m:sSubPr>
@@ -20395,6 +20416,7 @@
                                     <m:r>
                                       <a:rPr lang="de-DE" sz="1600">
                                         <a:effectLst/>
+                                        <a:latin typeface="Cambria Math" panose="02040503050406030204" pitchFamily="18" charset="0"/>
                                       </a:rPr>
                                       <m:t>𝑥</m:t>
                                     </m:r>
@@ -20403,6 +20425,7 @@
                                     <m:r>
                                       <a:rPr lang="de-DE" sz="1600" baseline="-25000">
                                         <a:effectLst/>
+                                        <a:latin typeface="Cambria Math" panose="02040503050406030204" pitchFamily="18" charset="0"/>
                                       </a:rPr>
                                       <m:t>2</m:t>
                                     </m:r>
@@ -20411,20 +20434,23 @@
                                 <m:r>
                                   <a:rPr lang="de-DE" sz="1600" baseline="-25000">
                                     <a:effectLst/>
+                                    <a:latin typeface="Cambria Math" panose="02040503050406030204" pitchFamily="18" charset="0"/>
                                   </a:rPr>
                                   <m:t> </m:t>
                                 </m:r>
                                 <m:r>
                                   <a:rPr lang="de-DE" sz="1600">
                                     <a:effectLst/>
+                                    <a:latin typeface="Cambria Math" panose="02040503050406030204" pitchFamily="18" charset="0"/>
                                   </a:rPr>
                                   <m:t>= </m:t>
                                 </m:r>
                                 <m:sSub>
                                   <m:sSubPr>
                                     <m:ctrlPr>
-                                      <a:rPr lang="en-US" sz="1600">
+                                      <a:rPr lang="en-US" sz="1600" i="1">
                                         <a:effectLst/>
+                                        <a:latin typeface="Cambria Math" panose="02040503050406030204" pitchFamily="18" charset="0"/>
                                       </a:rPr>
                                     </m:ctrlPr>
                                   </m:sSubPr>
@@ -20432,6 +20458,7 @@
                                     <m:r>
                                       <a:rPr lang="de-DE" sz="1600">
                                         <a:effectLst/>
+                                        <a:latin typeface="Cambria Math" panose="02040503050406030204" pitchFamily="18" charset="0"/>
                                       </a:rPr>
                                       <m:t>𝜑</m:t>
                                     </m:r>
@@ -20440,6 +20467,7 @@
                                     <m:r>
                                       <a:rPr lang="de-DE" sz="1600" baseline="-25000">
                                         <a:effectLst/>
+                                        <a:latin typeface="Cambria Math" panose="02040503050406030204" pitchFamily="18" charset="0"/>
                                       </a:rPr>
                                       <m:t>2</m:t>
                                     </m:r>
@@ -20503,6 +20531,7 @@
                                 <m:r>
                                   <a:rPr lang="de-DE" sz="1600">
                                     <a:effectLst/>
+                                    <a:latin typeface="Cambria Math" panose="02040503050406030204" pitchFamily="18" charset="0"/>
                                   </a:rPr>
                                   <m:t>𝑟𝑎𝑑</m:t>
                                 </m:r>
@@ -20538,8 +20567,9 @@
                                 <m:f>
                                   <m:fPr>
                                     <m:ctrlPr>
-                                      <a:rPr lang="en-US" sz="1600">
+                                      <a:rPr lang="en-US" sz="1600" i="1">
                                         <a:effectLst/>
+                                        <a:latin typeface="Cambria Math" panose="02040503050406030204" pitchFamily="18" charset="0"/>
                                       </a:rPr>
                                     </m:ctrlPr>
                                   </m:fPr>
@@ -20547,6 +20577,7 @@
                                     <m:r>
                                       <a:rPr lang="de-DE" sz="1600">
                                         <a:effectLst/>
+                                        <a:latin typeface="Cambria Math" panose="02040503050406030204" pitchFamily="18" charset="0"/>
                                       </a:rPr>
                                       <m:t>𝜋</m:t>
                                     </m:r>
@@ -20555,6 +20586,7 @@
                                     <m:r>
                                       <a:rPr lang="de-DE" sz="1600">
                                         <a:effectLst/>
+                                        <a:latin typeface="Cambria Math" panose="02040503050406030204" pitchFamily="18" charset="0"/>
                                       </a:rPr>
                                       <m:t>2</m:t>
                                     </m:r>
@@ -20625,8 +20657,9 @@
                                 <m:sSub>
                                   <m:sSubPr>
                                     <m:ctrlPr>
-                                      <a:rPr lang="en-US" sz="1600">
+                                      <a:rPr lang="en-US" sz="1600" i="1">
                                         <a:effectLst/>
+                                        <a:latin typeface="Cambria Math" panose="02040503050406030204" pitchFamily="18" charset="0"/>
                                       </a:rPr>
                                     </m:ctrlPr>
                                   </m:sSubPr>
@@ -20634,6 +20667,7 @@
                                     <m:r>
                                       <a:rPr lang="de-DE" sz="1600">
                                         <a:effectLst/>
+                                        <a:latin typeface="Cambria Math" panose="02040503050406030204" pitchFamily="18" charset="0"/>
                                       </a:rPr>
                                       <m:t>𝑥</m:t>
                                     </m:r>
@@ -20642,6 +20676,7 @@
                                     <m:r>
                                       <a:rPr lang="de-DE" sz="1600" baseline="-25000">
                                         <a:effectLst/>
+                                        <a:latin typeface="Cambria Math" panose="02040503050406030204" pitchFamily="18" charset="0"/>
                                       </a:rPr>
                                       <m:t>3</m:t>
                                     </m:r>
@@ -20650,20 +20685,23 @@
                                 <m:r>
                                   <a:rPr lang="de-DE" sz="1600" baseline="-25000">
                                     <a:effectLst/>
+                                    <a:latin typeface="Cambria Math" panose="02040503050406030204" pitchFamily="18" charset="0"/>
                                   </a:rPr>
                                   <m:t> </m:t>
                                 </m:r>
                                 <m:r>
                                   <a:rPr lang="de-DE" sz="1600">
                                     <a:effectLst/>
+                                    <a:latin typeface="Cambria Math" panose="02040503050406030204" pitchFamily="18" charset="0"/>
                                   </a:rPr>
                                   <m:t>= </m:t>
                                 </m:r>
                                 <m:sSub>
                                   <m:sSubPr>
                                     <m:ctrlPr>
-                                      <a:rPr lang="en-US" sz="1600">
+                                      <a:rPr lang="en-US" sz="1600" i="1">
                                         <a:effectLst/>
+                                        <a:latin typeface="Cambria Math" panose="02040503050406030204" pitchFamily="18" charset="0"/>
                                       </a:rPr>
                                     </m:ctrlPr>
                                   </m:sSubPr>
@@ -20672,8 +20710,9 @@
                                       <m:accPr>
                                         <m:chr m:val="̇"/>
                                         <m:ctrlPr>
-                                          <a:rPr lang="en-US" sz="1600">
+                                          <a:rPr lang="en-US" sz="1600" i="1">
                                             <a:effectLst/>
+                                            <a:latin typeface="Cambria Math" panose="02040503050406030204" pitchFamily="18" charset="0"/>
                                           </a:rPr>
                                         </m:ctrlPr>
                                       </m:accPr>
@@ -20681,6 +20720,7 @@
                                         <m:r>
                                           <a:rPr lang="de-DE" sz="1600">
                                             <a:effectLst/>
+                                            <a:latin typeface="Cambria Math" panose="02040503050406030204" pitchFamily="18" charset="0"/>
                                           </a:rPr>
                                           <m:t>𝜑</m:t>
                                         </m:r>
@@ -20691,6 +20731,7 @@
                                     <m:r>
                                       <a:rPr lang="de-DE" sz="1600" baseline="-25000">
                                         <a:effectLst/>
+                                        <a:latin typeface="Cambria Math" panose="02040503050406030204" pitchFamily="18" charset="0"/>
                                       </a:rPr>
                                       <m:t>1</m:t>
                                     </m:r>
@@ -20754,8 +20795,9 @@
                                 <m:f>
                                   <m:fPr>
                                     <m:ctrlPr>
-                                      <a:rPr lang="en-US" sz="1600">
+                                      <a:rPr lang="en-US" sz="1600" i="1">
                                         <a:effectLst/>
+                                        <a:latin typeface="Cambria Math" panose="02040503050406030204" pitchFamily="18" charset="0"/>
                                       </a:rPr>
                                     </m:ctrlPr>
                                   </m:fPr>
@@ -20763,6 +20805,7 @@
                                     <m:r>
                                       <a:rPr lang="de-DE" sz="1600">
                                         <a:effectLst/>
+                                        <a:latin typeface="Cambria Math" panose="02040503050406030204" pitchFamily="18" charset="0"/>
                                       </a:rPr>
                                       <m:t>𝑟𝑎𝑑</m:t>
                                     </m:r>
@@ -20771,6 +20814,7 @@
                                     <m:r>
                                       <a:rPr lang="de-DE" sz="1600">
                                         <a:effectLst/>
+                                        <a:latin typeface="Cambria Math" panose="02040503050406030204" pitchFamily="18" charset="0"/>
                                       </a:rPr>
                                       <m:t>𝑠</m:t>
                                     </m:r>
@@ -20808,14 +20852,16 @@
                                 <m:r>
                                   <a:rPr lang="de-DE" sz="1600">
                                     <a:effectLst/>
+                                    <a:latin typeface="Cambria Math" panose="02040503050406030204" pitchFamily="18" charset="0"/>
                                   </a:rPr>
                                   <m:t>0</m:t>
                                 </m:r>
                                 <m:f>
                                   <m:fPr>
                                     <m:ctrlPr>
-                                      <a:rPr lang="en-US" sz="1600">
+                                      <a:rPr lang="en-US" sz="1600" i="1">
                                         <a:effectLst/>
+                                        <a:latin typeface="Cambria Math" panose="02040503050406030204" pitchFamily="18" charset="0"/>
                                       </a:rPr>
                                     </m:ctrlPr>
                                   </m:fPr>
@@ -20823,6 +20869,7 @@
                                     <m:r>
                                       <a:rPr lang="de-DE" sz="1600">
                                         <a:effectLst/>
+                                        <a:latin typeface="Cambria Math" panose="02040503050406030204" pitchFamily="18" charset="0"/>
                                       </a:rPr>
                                       <m:t>𝑟𝑎𝑑</m:t>
                                     </m:r>
@@ -20831,6 +20878,7 @@
                                     <m:r>
                                       <a:rPr lang="de-DE" sz="1600">
                                         <a:effectLst/>
+                                        <a:latin typeface="Cambria Math" panose="02040503050406030204" pitchFamily="18" charset="0"/>
                                       </a:rPr>
                                       <m:t>𝑠</m:t>
                                     </m:r>
@@ -20901,8 +20949,9 @@
                                 <m:sSub>
                                   <m:sSubPr>
                                     <m:ctrlPr>
-                                      <a:rPr lang="en-US" sz="1600">
+                                      <a:rPr lang="en-US" sz="1600" i="1">
                                         <a:effectLst/>
+                                        <a:latin typeface="Cambria Math" panose="02040503050406030204" pitchFamily="18" charset="0"/>
                                       </a:rPr>
                                     </m:ctrlPr>
                                   </m:sSubPr>
@@ -20910,6 +20959,7 @@
                                     <m:r>
                                       <a:rPr lang="de-DE" sz="1600">
                                         <a:effectLst/>
+                                        <a:latin typeface="Cambria Math" panose="02040503050406030204" pitchFamily="18" charset="0"/>
                                       </a:rPr>
                                       <m:t>𝑥</m:t>
                                     </m:r>
@@ -20918,6 +20968,7 @@
                                     <m:r>
                                       <a:rPr lang="de-DE" sz="1600" baseline="-25000">
                                         <a:effectLst/>
+                                        <a:latin typeface="Cambria Math" panose="02040503050406030204" pitchFamily="18" charset="0"/>
                                       </a:rPr>
                                       <m:t>4</m:t>
                                     </m:r>
@@ -20926,20 +20977,23 @@
                                 <m:r>
                                   <a:rPr lang="de-DE" sz="1600" baseline="-25000">
                                     <a:effectLst/>
+                                    <a:latin typeface="Cambria Math" panose="02040503050406030204" pitchFamily="18" charset="0"/>
                                   </a:rPr>
                                   <m:t> </m:t>
                                 </m:r>
                                 <m:r>
                                   <a:rPr lang="de-DE" sz="1600">
                                     <a:effectLst/>
+                                    <a:latin typeface="Cambria Math" panose="02040503050406030204" pitchFamily="18" charset="0"/>
                                   </a:rPr>
                                   <m:t>= </m:t>
                                 </m:r>
                                 <m:sSub>
                                   <m:sSubPr>
                                     <m:ctrlPr>
-                                      <a:rPr lang="en-US" sz="1600">
+                                      <a:rPr lang="en-US" sz="1600" i="1">
                                         <a:effectLst/>
+                                        <a:latin typeface="Cambria Math" panose="02040503050406030204" pitchFamily="18" charset="0"/>
                                       </a:rPr>
                                     </m:ctrlPr>
                                   </m:sSubPr>
@@ -20948,8 +21002,9 @@
                                       <m:accPr>
                                         <m:chr m:val="̇"/>
                                         <m:ctrlPr>
-                                          <a:rPr lang="en-US" sz="1600">
+                                          <a:rPr lang="en-US" sz="1600" i="1">
                                             <a:effectLst/>
+                                            <a:latin typeface="Cambria Math" panose="02040503050406030204" pitchFamily="18" charset="0"/>
                                           </a:rPr>
                                         </m:ctrlPr>
                                       </m:accPr>
@@ -20957,6 +21012,7 @@
                                         <m:r>
                                           <a:rPr lang="de-DE" sz="1600">
                                             <a:effectLst/>
+                                            <a:latin typeface="Cambria Math" panose="02040503050406030204" pitchFamily="18" charset="0"/>
                                           </a:rPr>
                                           <m:t>𝜑</m:t>
                                         </m:r>
@@ -20967,6 +21023,7 @@
                                     <m:r>
                                       <a:rPr lang="de-DE" sz="1600" baseline="-25000">
                                         <a:effectLst/>
+                                        <a:latin typeface="Cambria Math" panose="02040503050406030204" pitchFamily="18" charset="0"/>
                                       </a:rPr>
                                       <m:t>2</m:t>
                                     </m:r>
@@ -21030,8 +21087,9 @@
                                 <m:f>
                                   <m:fPr>
                                     <m:ctrlPr>
-                                      <a:rPr lang="en-US" sz="1600">
+                                      <a:rPr lang="en-US" sz="1600" i="1">
                                         <a:effectLst/>
+                                        <a:latin typeface="Cambria Math" panose="02040503050406030204" pitchFamily="18" charset="0"/>
                                       </a:rPr>
                                     </m:ctrlPr>
                                   </m:fPr>
@@ -21039,6 +21097,7 @@
                                     <m:r>
                                       <a:rPr lang="de-DE" sz="1600">
                                         <a:effectLst/>
+                                        <a:latin typeface="Cambria Math" panose="02040503050406030204" pitchFamily="18" charset="0"/>
                                       </a:rPr>
                                       <m:t>𝑟𝑎𝑑</m:t>
                                     </m:r>
@@ -21047,6 +21106,7 @@
                                     <m:r>
                                       <a:rPr lang="de-DE" sz="1600">
                                         <a:effectLst/>
+                                        <a:latin typeface="Cambria Math" panose="02040503050406030204" pitchFamily="18" charset="0"/>
                                       </a:rPr>
                                       <m:t>𝑠</m:t>
                                     </m:r>
@@ -21084,14 +21144,16 @@
                                 <m:r>
                                   <a:rPr lang="de-DE" sz="1600">
                                     <a:effectLst/>
+                                    <a:latin typeface="Cambria Math" panose="02040503050406030204" pitchFamily="18" charset="0"/>
                                   </a:rPr>
                                   <m:t>0</m:t>
                                 </m:r>
                                 <m:f>
                                   <m:fPr>
                                     <m:ctrlPr>
-                                      <a:rPr lang="en-US" sz="1600">
+                                      <a:rPr lang="en-US" sz="1600" i="1">
                                         <a:effectLst/>
+                                        <a:latin typeface="Cambria Math" panose="02040503050406030204" pitchFamily="18" charset="0"/>
                                       </a:rPr>
                                     </m:ctrlPr>
                                   </m:fPr>
@@ -21099,6 +21161,7 @@
                                     <m:r>
                                       <a:rPr lang="de-DE" sz="1600">
                                         <a:effectLst/>
+                                        <a:latin typeface="Cambria Math" panose="02040503050406030204" pitchFamily="18" charset="0"/>
                                       </a:rPr>
                                       <m:t>𝑟𝑎𝑑</m:t>
                                     </m:r>
@@ -21107,6 +21170,7 @@
                                     <m:r>
                                       <a:rPr lang="de-DE" sz="1600">
                                         <a:effectLst/>
+                                        <a:latin typeface="Cambria Math" panose="02040503050406030204" pitchFamily="18" charset="0"/>
                                       </a:rPr>
                                       <m:t>𝑠</m:t>
                                     </m:r>
@@ -21136,7 +21200,7 @@
             </a:graphic>
           </p:graphicFrame>
         </mc:Choice>
-        <mc:Fallback>
+        <mc:Fallback xmlns="">
           <p:graphicFrame>
             <p:nvGraphicFramePr>
               <p:cNvPr id="4" name="Table 3">
@@ -22057,10 +22121,10 @@
           <a:lstStyle/>
           <a:p>
             <a:r>
-              <a:rPr lang="de-DE"/>
+              <a:rPr lang="de-DE" dirty="0"/>
               <a:t>Campus Sontheim</a:t>
             </a:r>
-            <a:endParaRPr lang="en-US"/>
+            <a:endParaRPr lang="en-US" dirty="0"/>
           </a:p>
         </p:txBody>
       </p:sp>
@@ -22171,8 +22235,12 @@
           <a:lstStyle/>
           <a:p>
             <a:r>
+              <a:rPr lang="en-US" dirty="0" err="1"/>
+              <a:t>Rückfragen</a:t>
+            </a:r>
+            <a:r>
               <a:rPr lang="en-US" dirty="0"/>
-              <a:t>Please refer any questions to:</a:t>
+              <a:t> bitte an:</a:t>
             </a:r>
           </a:p>
           <a:p>
@@ -22187,20 +22255,37 @@
             </a:r>
             <a:r>
               <a:rPr lang="en-US" dirty="0"/>
-              <a:t>					Jakob Kurz</a:t>
+              <a:t>					 Marc Grosse</a:t>
             </a:r>
           </a:p>
           <a:p>
             <a:r>
+              <a:rPr lang="en-US" dirty="0" err="1"/>
+              <a:t>Fakultät</a:t>
+            </a:r>
+            <a:r>
               <a:rPr lang="en-US" dirty="0"/>
-              <a:t>Faculty T1 | ASE				Faculty T1 | ASE</a:t>
+              <a:t> T1 | ASE				</a:t>
+            </a:r>
+            <a:r>
+              <a:rPr lang="en-US" dirty="0" err="1"/>
+              <a:t>Fakultät</a:t>
+            </a:r>
+            <a:r>
+              <a:rPr lang="en-US" dirty="0"/>
+              <a:t> T1 | ASE</a:t>
             </a:r>
           </a:p>
           <a:p>
             <a:r>
               <a:rPr lang="en-US" dirty="0"/>
-              <a:t>mhoehnel@stud.hs-heilbronn.de		jkurz1@stud.hs-heilbronn.de</a:t>
-            </a:r>
+              <a:t>mhoehnel@stud.hs-heilbronn.de		</a:t>
+            </a:r>
+            <a:r>
+              <a:rPr lang="en-US" dirty="0" err="1"/>
+              <a:t>mgrosse@stud.hs-heilbronn.de</a:t>
+            </a:r>
+            <a:endParaRPr lang="en-US" dirty="0"/>
           </a:p>
           <a:p>
             <a:endParaRPr lang="en-US" dirty="0"/>
@@ -22311,18 +22396,17 @@
           </p:cNvPicPr>
           <p:nvPr/>
         </p:nvPicPr>
-        <p:blipFill>
+        <p:blipFill rotWithShape="1">
           <a:blip r:embed="rId5"/>
-          <a:stretch>
-            <a:fillRect/>
-          </a:stretch>
+          <a:srcRect t="12500" b="12500"/>
+          <a:stretch/>
         </p:blipFill>
         <p:spPr>
           <a:xfrm>
-            <a:off x="6225706" y="3441433"/>
-            <a:ext cx="1079999" cy="1079999"/>
+            <a:off x="6306093" y="3424857"/>
+            <a:ext cx="1080000" cy="1080000"/>
           </a:xfrm>
-          <a:prstGeom prst="rect">
+          <a:prstGeom prst="ellipse">
             <a:avLst/>
           </a:prstGeom>
         </p:spPr>
@@ -22356,7 +22440,7 @@
           <a:lstStyle/>
           <a:p>
             <a:r>
-              <a:rPr lang="de-DE" sz="2000" b="1">
+              <a:rPr lang="de-DE" sz="2000" b="1" dirty="0">
                 <a:solidFill>
                   <a:schemeClr val="bg1"/>
                 </a:solidFill>
@@ -22366,26 +22450,31 @@
           </a:p>
           <a:p>
             <a:r>
-              <a:rPr lang="de-DE" sz="2000">
+              <a:rPr lang="de-DE" sz="2000" dirty="0">
                 <a:solidFill>
                   <a:schemeClr val="bg1"/>
                 </a:solidFill>
               </a:rPr>
-              <a:t>Faculty T1 | ASE</a:t>
+              <a:t>Fakultät T1 | ASE</a:t>
             </a:r>
           </a:p>
           <a:p>
             <a:r>
-              <a:rPr lang="de-DE" sz="2000">
+              <a:rPr lang="de-DE" sz="2000" dirty="0" err="1">
                 <a:solidFill>
                   <a:schemeClr val="bg1"/>
                 </a:solidFill>
               </a:rPr>
               <a:t>mritter@stud.hs-heilbronn.de</a:t>
             </a:r>
+            <a:endParaRPr lang="de-DE" sz="2000" dirty="0">
+              <a:solidFill>
+                <a:schemeClr val="bg1"/>
+              </a:solidFill>
+            </a:endParaRPr>
           </a:p>
           <a:p>
-            <a:endParaRPr lang="de-DE"/>
+            <a:endParaRPr lang="de-DE" dirty="0"/>
           </a:p>
         </p:txBody>
       </p:sp>
@@ -23372,6 +23461,17 @@
 </file>
 
 <file path=customXml/item1.xml><?xml version="1.0" encoding="utf-8"?>
+<p:properties xmlns:p="http://schemas.microsoft.com/office/2006/metadata/properties" xmlns:xsi="http://www.w3.org/2001/XMLSchema-instance" xmlns:pc="http://schemas.microsoft.com/office/infopath/2007/PartnerControls">
+  <documentManagement>
+    <lcf76f155ced4ddcb4097134ff3c332f xmlns="e1a4e9d1-002c-44d1-a7df-d1d440f2d89c">
+      <Terms xmlns="http://schemas.microsoft.com/office/infopath/2007/PartnerControls"/>
+    </lcf76f155ced4ddcb4097134ff3c332f>
+    <TaxCatchAll xmlns="396d3ce1-f135-45f1-a004-8da1c81eaf02" xsi:nil="true"/>
+  </documentManagement>
+</p:properties>
+</file>
+
+<file path=customXml/item2.xml><?xml version="1.0" encoding="utf-8"?>
 <ct:contentTypeSchema xmlns:ct="http://schemas.microsoft.com/office/2006/metadata/contentType" xmlns:ma="http://schemas.microsoft.com/office/2006/metadata/properties/metaAttributes" ct:_="" ma:_="" ma:contentTypeName="Document" ma:contentTypeID="0x01010071315C8266D65147BEEF21714B380DFC" ma:contentTypeVersion="12" ma:contentTypeDescription="Create a new document." ma:contentTypeScope="" ma:versionID="ae14c92c52cedeef1460d511b82b4719">
   <xsd:schema xmlns:xsd="http://www.w3.org/2001/XMLSchema" xmlns:xs="http://www.w3.org/2001/XMLSchema" xmlns:p="http://schemas.microsoft.com/office/2006/metadata/properties" xmlns:ns2="e1a4e9d1-002c-44d1-a7df-d1d440f2d89c" xmlns:ns3="396d3ce1-f135-45f1-a004-8da1c81eaf02" targetNamespace="http://schemas.microsoft.com/office/2006/metadata/properties" ma:root="true" ma:fieldsID="30ae492b1ebb9fd38c43b4ed6abfe70d" ns2:_="" ns3:_="">
     <xsd:import namespace="e1a4e9d1-002c-44d1-a7df-d1d440f2d89c"/>
@@ -23590,17 +23690,6 @@
 </ct:contentTypeSchema>
 </file>
 
-<file path=customXml/item2.xml><?xml version="1.0" encoding="utf-8"?>
-<p:properties xmlns:p="http://schemas.microsoft.com/office/2006/metadata/properties" xmlns:xsi="http://www.w3.org/2001/XMLSchema-instance" xmlns:pc="http://schemas.microsoft.com/office/infopath/2007/PartnerControls">
-  <documentManagement>
-    <lcf76f155ced4ddcb4097134ff3c332f xmlns="e1a4e9d1-002c-44d1-a7df-d1d440f2d89c">
-      <Terms xmlns="http://schemas.microsoft.com/office/infopath/2007/PartnerControls"/>
-    </lcf76f155ced4ddcb4097134ff3c332f>
-    <TaxCatchAll xmlns="396d3ce1-f135-45f1-a004-8da1c81eaf02" xsi:nil="true"/>
-  </documentManagement>
-</p:properties>
-</file>
-
 <file path=customXml/item3.xml><?xml version="1.0" encoding="utf-8"?>
 <?mso-contentType ?>
 <FormTemplates xmlns="http://schemas.microsoft.com/sharepoint/v3/contenttype/forms">
@@ -23611,6 +23700,19 @@
 </file>
 
 <file path=customXml/itemProps1.xml><?xml version="1.0" encoding="utf-8"?>
+<ds:datastoreItem xmlns:ds="http://schemas.openxmlformats.org/officeDocument/2006/customXml" ds:itemID="{41303304-D675-4AEC-B056-9DF2E7E157C6}">
+  <ds:schemaRefs>
+    <ds:schemaRef ds:uri="396d3ce1-f135-45f1-a004-8da1c81eaf02"/>
+    <ds:schemaRef ds:uri="e1a4e9d1-002c-44d1-a7df-d1d440f2d89c"/>
+    <ds:schemaRef ds:uri="http://schemas.microsoft.com/office/2006/metadata/properties"/>
+    <ds:schemaRef ds:uri="http://schemas.microsoft.com/office/infopath/2007/PartnerControls"/>
+    <ds:schemaRef ds:uri="http://www.w3.org/2000/xmlns/"/>
+    <ds:schemaRef ds:uri="http://www.w3.org/2001/XMLSchema-instance"/>
+  </ds:schemaRefs>
+</ds:datastoreItem>
+</file>
+
+<file path=customXml/itemProps2.xml><?xml version="1.0" encoding="utf-8"?>
 <ds:datastoreItem xmlns:ds="http://schemas.openxmlformats.org/officeDocument/2006/customXml" ds:itemID="{33061106-0B7E-4C54-909B-385CA0897467}">
   <ds:schemaRefs>
     <ds:schemaRef ds:uri="http://schemas.microsoft.com/office/2006/metadata/contentType"/>
@@ -23629,19 +23731,6 @@
 </ds:datastoreItem>
 </file>
 
-<file path=customXml/itemProps2.xml><?xml version="1.0" encoding="utf-8"?>
-<ds:datastoreItem xmlns:ds="http://schemas.openxmlformats.org/officeDocument/2006/customXml" ds:itemID="{41303304-D675-4AEC-B056-9DF2E7E157C6}">
-  <ds:schemaRefs>
-    <ds:schemaRef ds:uri="396d3ce1-f135-45f1-a004-8da1c81eaf02"/>
-    <ds:schemaRef ds:uri="e1a4e9d1-002c-44d1-a7df-d1d440f2d89c"/>
-    <ds:schemaRef ds:uri="http://schemas.microsoft.com/office/2006/metadata/properties"/>
-    <ds:schemaRef ds:uri="http://schemas.microsoft.com/office/infopath/2007/PartnerControls"/>
-    <ds:schemaRef ds:uri="http://www.w3.org/2000/xmlns/"/>
-    <ds:schemaRef ds:uri="http://www.w3.org/2001/XMLSchema-instance"/>
-  </ds:schemaRefs>
-</ds:datastoreItem>
-</file>
-
 <file path=customXml/itemProps3.xml><?xml version="1.0" encoding="utf-8"?>
 <ds:datastoreItem xmlns:ds="http://schemas.openxmlformats.org/officeDocument/2006/customXml" ds:itemID="{E554B1BE-D081-4D49-A9A8-02DBC419D9B4}">
   <ds:schemaRefs>

--- a/Vorabgabe.pptx
+++ b/Vorabgabe.pptx
@@ -6,15 +6,17 @@
     <p:sldMasterId id="2147483671" r:id="rId5"/>
   </p:sldMasterIdLst>
   <p:notesMasterIdLst>
-    <p:notesMasterId r:id="rId12"/>
+    <p:notesMasterId r:id="rId14"/>
   </p:notesMasterIdLst>
   <p:sldIdLst>
     <p:sldId id="276" r:id="rId6"/>
     <p:sldId id="278" r:id="rId7"/>
     <p:sldId id="281" r:id="rId8"/>
     <p:sldId id="280" r:id="rId9"/>
-    <p:sldId id="279" r:id="rId10"/>
-    <p:sldId id="269" r:id="rId11"/>
+    <p:sldId id="282" r:id="rId10"/>
+    <p:sldId id="283" r:id="rId11"/>
+    <p:sldId id="279" r:id="rId12"/>
+    <p:sldId id="269" r:id="rId13"/>
   </p:sldIdLst>
   <p:sldSz cx="12192000" cy="6858000"/>
   <p:notesSz cx="6858000" cy="9144000"/>
@@ -234,7 +236,7 @@
           <a:p>
             <a:fld id="{CF93AEB5-C303-4762-90A0-AF697EB357C4}" type="datetimeFigureOut">
               <a:rPr lang="de-DE" smtClean="0"/>
-              <a:t>26.10.22</a:t>
+              <a:t>26.10.2022</a:t>
             </a:fld>
             <a:endParaRPr lang="de-DE"/>
           </a:p>
@@ -392,7 +394,7 @@
           <a:p>
             <a:fld id="{590C587F-9620-41AA-8442-404D6D597627}" type="slidenum">
               <a:rPr lang="de-DE" smtClean="0"/>
-              <a:t>‹Nr.›</a:t>
+              <a:t>‹#›</a:t>
             </a:fld>
             <a:endParaRPr lang="de-DE"/>
           </a:p>
@@ -566,7 +568,7 @@
           <a:p>
             <a:fld id="{590C587F-9620-41AA-8442-404D6D597627}" type="slidenum">
               <a:rPr lang="de-DE" smtClean="0"/>
-              <a:t>6</a:t>
+              <a:t>8</a:t>
             </a:fld>
             <a:endParaRPr lang="de-DE"/>
           </a:p>
@@ -794,7 +796,7 @@
             <a:fld id="{E6B5151A-17C4-4431-8407-112C0160A8B6}" type="slidenum">
               <a:rPr lang="en-US" smtClean="0"/>
               <a:pPr/>
-              <a:t>‹Nr.›</a:t>
+              <a:t>‹#›</a:t>
             </a:fld>
             <a:endParaRPr lang="en-US"/>
           </a:p>
@@ -2474,7 +2476,7 @@
             <a:fld id="{E6B5151A-17C4-4431-8407-112C0160A8B6}" type="slidenum">
               <a:rPr lang="en-US" smtClean="0"/>
               <a:pPr/>
-              <a:t>‹Nr.›</a:t>
+              <a:t>‹#›</a:t>
             </a:fld>
             <a:endParaRPr lang="en-US"/>
           </a:p>
@@ -3026,7 +3028,7 @@
             <a:fld id="{E6B5151A-17C4-4431-8407-112C0160A8B6}" type="slidenum">
               <a:rPr lang="en-US" smtClean="0"/>
               <a:pPr/>
-              <a:t>‹Nr.›</a:t>
+              <a:t>‹#›</a:t>
             </a:fld>
             <a:endParaRPr lang="en-US"/>
           </a:p>
@@ -3546,7 +3548,7 @@
             <a:fld id="{E6B5151A-17C4-4431-8407-112C0160A8B6}" type="slidenum">
               <a:rPr lang="en-US" smtClean="0"/>
               <a:pPr/>
-              <a:t>‹Nr.›</a:t>
+              <a:t>‹#›</a:t>
             </a:fld>
             <a:endParaRPr lang="en-US"/>
           </a:p>
@@ -3694,7 +3696,7 @@
             <a:fld id="{E6B5151A-17C4-4431-8407-112C0160A8B6}" type="slidenum">
               <a:rPr lang="en-US" smtClean="0"/>
               <a:pPr/>
-              <a:t>‹Nr.›</a:t>
+              <a:t>‹#›</a:t>
             </a:fld>
             <a:endParaRPr lang="en-US"/>
           </a:p>
@@ -4333,7 +4335,7 @@
             <a:fld id="{E6B5151A-17C4-4431-8407-112C0160A8B6}" type="slidenum">
               <a:rPr lang="en-US" smtClean="0"/>
               <a:pPr/>
-              <a:t>‹Nr.›</a:t>
+              <a:t>‹#›</a:t>
             </a:fld>
             <a:endParaRPr lang="en-US"/>
           </a:p>
@@ -4833,7 +4835,7 @@
             <a:fld id="{E6B5151A-17C4-4431-8407-112C0160A8B6}" type="slidenum">
               <a:rPr lang="en-US" smtClean="0"/>
               <a:pPr/>
-              <a:t>‹Nr.›</a:t>
+              <a:t>‹#›</a:t>
             </a:fld>
             <a:endParaRPr lang="en-US"/>
           </a:p>
@@ -6774,7 +6776,7 @@
             <a:fld id="{E6B5151A-17C4-4431-8407-112C0160A8B6}" type="slidenum">
               <a:rPr lang="en-US" smtClean="0"/>
               <a:pPr/>
-              <a:t>‹Nr.›</a:t>
+              <a:t>‹#›</a:t>
             </a:fld>
             <a:endParaRPr lang="en-US"/>
           </a:p>
@@ -7893,7 +7895,7 @@
             <a:fld id="{E6B5151A-17C4-4431-8407-112C0160A8B6}" type="slidenum">
               <a:rPr lang="en-US" smtClean="0"/>
               <a:pPr/>
-              <a:t>‹Nr.›</a:t>
+              <a:t>‹#›</a:t>
             </a:fld>
             <a:endParaRPr lang="en-US"/>
           </a:p>
@@ -9099,7 +9101,7 @@
             <a:fld id="{E6B5151A-17C4-4431-8407-112C0160A8B6}" type="slidenum">
               <a:rPr lang="en-US" smtClean="0"/>
               <a:pPr/>
-              <a:t>‹Nr.›</a:t>
+              <a:t>‹#›</a:t>
             </a:fld>
             <a:endParaRPr lang="en-US"/>
           </a:p>
@@ -10448,7 +10450,7 @@
             <a:fld id="{E6B5151A-17C4-4431-8407-112C0160A8B6}" type="slidenum">
               <a:rPr lang="en-US" smtClean="0"/>
               <a:pPr/>
-              <a:t>‹Nr.›</a:t>
+              <a:t>‹#›</a:t>
             </a:fld>
             <a:endParaRPr lang="en-US"/>
           </a:p>
@@ -10719,7 +10721,7 @@
             <a:fld id="{E6B5151A-17C4-4431-8407-112C0160A8B6}" type="slidenum">
               <a:rPr lang="en-US" smtClean="0"/>
               <a:pPr/>
-              <a:t>‹Nr.›</a:t>
+              <a:t>‹#›</a:t>
             </a:fld>
             <a:endParaRPr lang="en-US"/>
           </a:p>
@@ -11152,7 +11154,7 @@
             <a:fld id="{E6B5151A-17C4-4431-8407-112C0160A8B6}" type="slidenum">
               <a:rPr lang="en-US" smtClean="0"/>
               <a:pPr/>
-              <a:t>‹Nr.›</a:t>
+              <a:t>‹#›</a:t>
             </a:fld>
             <a:endParaRPr lang="en-US"/>
           </a:p>
@@ -11857,7 +11859,7 @@
             <a:fld id="{E6B5151A-17C4-4431-8407-112C0160A8B6}" type="slidenum">
               <a:rPr lang="en-US" smtClean="0"/>
               <a:pPr/>
-              <a:t>‹Nr.›</a:t>
+              <a:t>‹#›</a:t>
             </a:fld>
             <a:endParaRPr lang="en-US"/>
           </a:p>
@@ -15480,7 +15482,7 @@
             <a:fld id="{E6B5151A-17C4-4431-8407-112C0160A8B6}" type="slidenum">
               <a:rPr lang="en-US" smtClean="0"/>
               <a:pPr/>
-              <a:t>‹Nr.›</a:t>
+              <a:t>‹#›</a:t>
             </a:fld>
             <a:endParaRPr lang="en-US"/>
           </a:p>
@@ -17807,7 +17809,7 @@
             <a:fld id="{E6B5151A-17C4-4431-8407-112C0160A8B6}" type="slidenum">
               <a:rPr lang="en-US" smtClean="0"/>
               <a:pPr/>
-              <a:t>‹Nr.›</a:t>
+              <a:t>‹#›</a:t>
             </a:fld>
             <a:endParaRPr lang="en-US"/>
           </a:p>
@@ -18436,6 +18438,124 @@
       </p:grpSpPr>
       <p:sp>
         <p:nvSpPr>
+          <p:cNvPr id="12" name="Datumsplatzhalter 11">
+            <a:extLst>
+              <a:ext uri="{FF2B5EF4-FFF2-40B4-BE49-F238E27FC236}">
+                <a16:creationId xmlns:a16="http://schemas.microsoft.com/office/drawing/2014/main" id="{80DD9277-7B03-46BA-A1AA-E0A86CA0FCF8}"/>
+              </a:ext>
+            </a:extLst>
+          </p:cNvPr>
+          <p:cNvSpPr>
+            <a:spLocks noGrp="1"/>
+          </p:cNvSpPr>
+          <p:nvPr>
+            <p:ph type="dt" sz="half" idx="10"/>
+          </p:nvPr>
+        </p:nvSpPr>
+        <p:spPr/>
+        <p:txBody>
+          <a:bodyPr/>
+          <a:lstStyle/>
+          <a:p>
+            <a:r>
+              <a:rPr lang="de-DE"/>
+              <a:t>Campus Sontheim</a:t>
+            </a:r>
+            <a:endParaRPr lang="en-US"/>
+          </a:p>
+        </p:txBody>
+      </p:sp>
+      <p:sp>
+        <p:nvSpPr>
+          <p:cNvPr id="13" name="Fußzeilenplatzhalter 12">
+            <a:extLst>
+              <a:ext uri="{FF2B5EF4-FFF2-40B4-BE49-F238E27FC236}">
+                <a16:creationId xmlns:a16="http://schemas.microsoft.com/office/drawing/2014/main" id="{D5DEE2ED-DBC3-4D9A-AFA9-3BDED5578C13}"/>
+              </a:ext>
+            </a:extLst>
+          </p:cNvPr>
+          <p:cNvSpPr>
+            <a:spLocks noGrp="1"/>
+          </p:cNvSpPr>
+          <p:nvPr>
+            <p:ph type="ftr" sz="quarter" idx="11"/>
+          </p:nvPr>
+        </p:nvSpPr>
+        <p:spPr/>
+        <p:txBody>
+          <a:bodyPr/>
+          <a:lstStyle/>
+          <a:p>
+            <a:r>
+              <a:rPr lang="en-US" dirty="0"/>
+              <a:t>Zwei-</a:t>
+            </a:r>
+            <a:r>
+              <a:rPr lang="en-US" dirty="0" err="1"/>
+              <a:t>Gelenk</a:t>
+            </a:r>
+            <a:r>
+              <a:rPr lang="en-US" dirty="0"/>
+              <a:t>-</a:t>
+            </a:r>
+            <a:r>
+              <a:rPr lang="en-US" dirty="0" err="1"/>
+              <a:t>Roboter</a:t>
+            </a:r>
+            <a:r>
+              <a:rPr lang="en-US" dirty="0"/>
+              <a:t> | Marc Grosse, Moritz </a:t>
+            </a:r>
+            <a:r>
+              <a:rPr lang="en-US" dirty="0" err="1"/>
+              <a:t>Höhnel</a:t>
+            </a:r>
+            <a:r>
+              <a:rPr lang="en-US" dirty="0"/>
+              <a:t> und Mattis Ritter / T1 / ASE | WS22/23</a:t>
+            </a:r>
+          </a:p>
+          <a:p>
+            <a:endParaRPr lang="en-US" dirty="0"/>
+          </a:p>
+        </p:txBody>
+      </p:sp>
+      <p:sp>
+        <p:nvSpPr>
+          <p:cNvPr id="14" name="Foliennummernplatzhalter 13">
+            <a:extLst>
+              <a:ext uri="{FF2B5EF4-FFF2-40B4-BE49-F238E27FC236}">
+                <a16:creationId xmlns:a16="http://schemas.microsoft.com/office/drawing/2014/main" id="{48BBC2E6-60FE-4027-B3AE-1C7F349E9526}"/>
+              </a:ext>
+            </a:extLst>
+          </p:cNvPr>
+          <p:cNvSpPr>
+            <a:spLocks noGrp="1"/>
+          </p:cNvSpPr>
+          <p:nvPr>
+            <p:ph type="sldNum" sz="quarter" idx="12"/>
+          </p:nvPr>
+        </p:nvSpPr>
+        <p:spPr/>
+        <p:txBody>
+          <a:bodyPr/>
+          <a:lstStyle/>
+          <a:p>
+            <a:r>
+              <a:rPr lang="en-US"/>
+              <a:t>|  </a:t>
+            </a:r>
+            <a:fld id="{E6B5151A-17C4-4431-8407-112C0160A8B6}" type="slidenum">
+              <a:rPr lang="en-US" smtClean="0"/>
+              <a:pPr/>
+              <a:t>2</a:t>
+            </a:fld>
+            <a:endParaRPr lang="en-US"/>
+          </a:p>
+        </p:txBody>
+      </p:sp>
+      <p:sp>
+        <p:nvSpPr>
           <p:cNvPr id="5" name="Titel 4"/>
           <p:cNvSpPr>
             <a:spLocks noGrp="1"/>
@@ -18461,6 +18581,547 @@
             <a:r>
               <a:rPr lang="en-US" b="0" dirty="0" err="1"/>
               <a:t>Projektziele</a:t>
+            </a:r>
+            <a:br>
+              <a:rPr lang="en-US" dirty="0"/>
+            </a:br>
+            <a:endParaRPr lang="en-US" dirty="0"/>
+          </a:p>
+        </p:txBody>
+      </p:sp>
+      <p:sp>
+        <p:nvSpPr>
+          <p:cNvPr id="6" name="Inhaltsplatzhalter 5"/>
+          <p:cNvSpPr>
+            <a:spLocks noGrp="1"/>
+          </p:cNvSpPr>
+          <p:nvPr>
+            <p:ph idx="13"/>
+          </p:nvPr>
+        </p:nvSpPr>
+        <p:spPr/>
+        <p:txBody>
+          <a:bodyPr/>
+          <a:lstStyle/>
+          <a:p>
+            <a:pPr marL="287655" lvl="1" indent="-287655"/>
+            <a:r>
+              <a:rPr lang="en-US" dirty="0" err="1"/>
+              <a:t>Modellbildung</a:t>
+            </a:r>
+            <a:r>
+              <a:rPr lang="en-US" dirty="0"/>
+              <a:t> und Simulation </a:t>
+            </a:r>
+            <a:r>
+              <a:rPr lang="en-US" dirty="0" err="1"/>
+              <a:t>eines</a:t>
+            </a:r>
+            <a:r>
+              <a:rPr lang="en-US" dirty="0"/>
+              <a:t> Zwei-</a:t>
+            </a:r>
+            <a:r>
+              <a:rPr lang="en-US" dirty="0" err="1"/>
+              <a:t>Gelenk</a:t>
+            </a:r>
+            <a:r>
+              <a:rPr lang="en-US" dirty="0"/>
+              <a:t>-</a:t>
+            </a:r>
+            <a:r>
+              <a:rPr lang="en-US" dirty="0" err="1"/>
+              <a:t>Roboters</a:t>
+            </a:r>
+            <a:endParaRPr lang="en-US" dirty="0"/>
+          </a:p>
+          <a:p>
+            <a:pPr marL="287655" lvl="1" indent="-287655"/>
+            <a:endParaRPr lang="en-US" dirty="0"/>
+          </a:p>
+          <a:p>
+            <a:pPr marL="287655" lvl="1" indent="-287655"/>
+            <a:endParaRPr lang="en-US" dirty="0">
+              <a:solidFill>
+                <a:srgbClr val="DC3769"/>
+              </a:solidFill>
+            </a:endParaRPr>
+          </a:p>
+        </p:txBody>
+      </p:sp>
+    </p:spTree>
+    <p:extLst>
+      <p:ext uri="{BB962C8B-B14F-4D97-AF65-F5344CB8AC3E}">
+        <p14:creationId xmlns:p14="http://schemas.microsoft.com/office/powerpoint/2010/main" val="1773225824"/>
+      </p:ext>
+    </p:extLst>
+  </p:cSld>
+  <p:clrMapOvr>
+    <a:masterClrMapping/>
+  </p:clrMapOvr>
+</p:sld>
+</file>
+
+<file path=ppt/slides/slide3.xml><?xml version="1.0" encoding="utf-8"?>
+<p:sld xmlns:a="http://schemas.openxmlformats.org/drawingml/2006/main" xmlns:r="http://schemas.openxmlformats.org/officeDocument/2006/relationships" xmlns:p="http://schemas.openxmlformats.org/presentationml/2006/main">
+  <p:cSld>
+    <p:spTree>
+      <p:nvGrpSpPr>
+        <p:cNvPr id="1" name=""/>
+        <p:cNvGrpSpPr/>
+        <p:nvPr/>
+      </p:nvGrpSpPr>
+      <p:grpSpPr>
+        <a:xfrm>
+          <a:off x="0" y="0"/>
+          <a:ext cx="0" cy="0"/>
+          <a:chOff x="0" y="0"/>
+          <a:chExt cx="0" cy="0"/>
+        </a:xfrm>
+      </p:grpSpPr>
+      <p:sp>
+        <p:nvSpPr>
+          <p:cNvPr id="5" name="Titel 4"/>
+          <p:cNvSpPr>
+            <a:spLocks noGrp="1"/>
+          </p:cNvSpPr>
+          <p:nvPr>
+            <p:ph type="title"/>
+          </p:nvPr>
+        </p:nvSpPr>
+        <p:spPr/>
+        <p:txBody>
+          <a:bodyPr/>
+          <a:lstStyle/>
+          <a:p>
+            <a:pPr lvl="0"/>
+            <a:r>
+              <a:rPr lang="en-US" b="0" dirty="0" err="1"/>
+              <a:t>Modellannahmen</a:t>
+            </a:r>
+            <a:br>
+              <a:rPr lang="en-US" dirty="0"/>
+            </a:br>
+            <a:endParaRPr lang="en-US" dirty="0"/>
+          </a:p>
+        </p:txBody>
+      </p:sp>
+      <p:sp>
+        <p:nvSpPr>
+          <p:cNvPr id="6" name="Inhaltsplatzhalter 5"/>
+          <p:cNvSpPr>
+            <a:spLocks noGrp="1"/>
+          </p:cNvSpPr>
+          <p:nvPr>
+            <p:ph idx="13"/>
+          </p:nvPr>
+        </p:nvSpPr>
+        <p:spPr>
+          <a:xfrm>
+            <a:off x="114300" y="2160589"/>
+            <a:ext cx="11762851" cy="4083052"/>
+          </a:xfrm>
+        </p:spPr>
+        <p:txBody>
+          <a:bodyPr/>
+          <a:lstStyle/>
+          <a:p>
+            <a:pPr marL="287655" lvl="1" indent="-287655"/>
+            <a:r>
+              <a:rPr lang="de-DE" sz="1800" u="none" strike="noStrike" dirty="0">
+                <a:effectLst/>
+                <a:uFill>
+                  <a:solidFill>
+                    <a:srgbClr val="000000"/>
+                  </a:solidFill>
+                </a:uFill>
+                <a:latin typeface="Arial" panose="020B0604020202020204" pitchFamily="34" charset="0"/>
+                <a:ea typeface="Arial" panose="020B0604020202020204" pitchFamily="34" charset="0"/>
+                <a:cs typeface="Arial" panose="020B0604020202020204" pitchFamily="34" charset="0"/>
+              </a:rPr>
+              <a:t>Die Roboterarme sind masselos. </a:t>
+            </a:r>
+            <a:endParaRPr lang="en-US" sz="1800" u="none" strike="noStrike" dirty="0">
+              <a:effectLst/>
+              <a:uFill>
+                <a:solidFill>
+                  <a:srgbClr val="000000"/>
+                </a:solidFill>
+              </a:uFill>
+              <a:latin typeface="Arial" panose="020B0604020202020204" pitchFamily="34" charset="0"/>
+              <a:ea typeface="Arial" panose="020B0604020202020204" pitchFamily="34" charset="0"/>
+              <a:cs typeface="Arial" panose="020B0604020202020204" pitchFamily="34" charset="0"/>
+            </a:endParaRPr>
+          </a:p>
+          <a:p>
+            <a:pPr marL="287655" lvl="1" indent="-287655"/>
+            <a:r>
+              <a:rPr lang="de-DE" sz="1800" u="none" strike="noStrike" dirty="0">
+                <a:effectLst/>
+                <a:uFill>
+                  <a:solidFill>
+                    <a:srgbClr val="000000"/>
+                  </a:solidFill>
+                </a:uFill>
+                <a:latin typeface="Arial" panose="020B0604020202020204" pitchFamily="34" charset="0"/>
+                <a:ea typeface="Arial" panose="020B0604020202020204" pitchFamily="34" charset="0"/>
+                <a:cs typeface="Arial" panose="020B0604020202020204" pitchFamily="34" charset="0"/>
+              </a:rPr>
+              <a:t>Die Massen konzentrieren sich in den Antriebsmotoren und am Greifer. </a:t>
+            </a:r>
+            <a:endParaRPr lang="en-US" sz="1800" u="none" strike="noStrike" dirty="0">
+              <a:effectLst/>
+              <a:uFill>
+                <a:solidFill>
+                  <a:srgbClr val="000000"/>
+                </a:solidFill>
+              </a:uFill>
+              <a:latin typeface="Arial" panose="020B0604020202020204" pitchFamily="34" charset="0"/>
+              <a:ea typeface="Arial" panose="020B0604020202020204" pitchFamily="34" charset="0"/>
+              <a:cs typeface="Arial" panose="020B0604020202020204" pitchFamily="34" charset="0"/>
+            </a:endParaRPr>
+          </a:p>
+          <a:p>
+            <a:pPr marL="287655" lvl="1" indent="-287655"/>
+            <a:r>
+              <a:rPr lang="de-DE" sz="1800" u="none" strike="noStrike" dirty="0">
+                <a:effectLst/>
+                <a:uFill>
+                  <a:solidFill>
+                    <a:srgbClr val="000000"/>
+                  </a:solidFill>
+                </a:uFill>
+                <a:latin typeface="Arial" panose="020B0604020202020204" pitchFamily="34" charset="0"/>
+                <a:ea typeface="Arial" panose="020B0604020202020204" pitchFamily="34" charset="0"/>
+                <a:cs typeface="Arial" panose="020B0604020202020204" pitchFamily="34" charset="0"/>
+              </a:rPr>
+              <a:t>Die Robotergelenke sind reibungslos. </a:t>
+            </a:r>
+            <a:endParaRPr lang="en-US" sz="1800" u="none" strike="noStrike" dirty="0">
+              <a:effectLst/>
+              <a:uFill>
+                <a:solidFill>
+                  <a:srgbClr val="000000"/>
+                </a:solidFill>
+              </a:uFill>
+              <a:latin typeface="Arial" panose="020B0604020202020204" pitchFamily="34" charset="0"/>
+              <a:ea typeface="Arial" panose="020B0604020202020204" pitchFamily="34" charset="0"/>
+              <a:cs typeface="Arial" panose="020B0604020202020204" pitchFamily="34" charset="0"/>
+            </a:endParaRPr>
+          </a:p>
+          <a:p>
+            <a:pPr marL="287655" lvl="1" indent="-287655"/>
+            <a:r>
+              <a:rPr lang="de-DE" sz="1800" u="none" strike="noStrike" dirty="0">
+                <a:effectLst/>
+                <a:uFill>
+                  <a:solidFill>
+                    <a:srgbClr val="000000"/>
+                  </a:solidFill>
+                </a:uFill>
+                <a:latin typeface="Arial" panose="020B0604020202020204" pitchFamily="34" charset="0"/>
+                <a:ea typeface="Arial" panose="020B0604020202020204" pitchFamily="34" charset="0"/>
+                <a:cs typeface="Arial" panose="020B0604020202020204" pitchFamily="34" charset="0"/>
+              </a:rPr>
+              <a:t>Der Roboter wird angetrieben durch zwei Elektromotoren jeweils in der Schulter und im Ellenbogen, die die Drehmomente </a:t>
+            </a:r>
+            <a:r>
+              <a:rPr lang="de-DE" sz="1800" u="none" strike="noStrike" dirty="0">
+                <a:effectLst/>
+                <a:uFill>
+                  <a:solidFill>
+                    <a:srgbClr val="000000"/>
+                  </a:solidFill>
+                </a:uFill>
+                <a:latin typeface="Cambria Math" panose="02040503050406030204" pitchFamily="18" charset="0"/>
+                <a:ea typeface="Cambria Math" panose="02040503050406030204" pitchFamily="18" charset="0"/>
+                <a:cs typeface="Cambria Math" panose="02040503050406030204" pitchFamily="18" charset="0"/>
+              </a:rPr>
+              <a:t>𝑢</a:t>
+            </a:r>
+            <a:r>
+              <a:rPr lang="de-DE" sz="1800" u="none" strike="noStrike" baseline="-25000" dirty="0">
+                <a:effectLst/>
+                <a:uFill>
+                  <a:solidFill>
+                    <a:srgbClr val="000000"/>
+                  </a:solidFill>
+                </a:uFill>
+                <a:latin typeface="Cambria Math" panose="02040503050406030204" pitchFamily="18" charset="0"/>
+                <a:ea typeface="Cambria Math" panose="02040503050406030204" pitchFamily="18" charset="0"/>
+                <a:cs typeface="Cambria Math" panose="02040503050406030204" pitchFamily="18" charset="0"/>
+              </a:rPr>
+              <a:t>1</a:t>
+            </a:r>
+            <a:r>
+              <a:rPr lang="de-DE" sz="1800" u="none" strike="noStrike" dirty="0">
+                <a:effectLst/>
+                <a:uFill>
+                  <a:solidFill>
+                    <a:srgbClr val="000000"/>
+                  </a:solidFill>
+                </a:uFill>
+                <a:latin typeface="Arial" panose="020B0604020202020204" pitchFamily="34" charset="0"/>
+                <a:ea typeface="Arial" panose="020B0604020202020204" pitchFamily="34" charset="0"/>
+                <a:cs typeface="Arial" panose="020B0604020202020204" pitchFamily="34" charset="0"/>
+              </a:rPr>
+              <a:t> und </a:t>
+            </a:r>
+            <a:r>
+              <a:rPr lang="de-DE" sz="1800" u="none" strike="noStrike" dirty="0">
+                <a:effectLst/>
+                <a:uFill>
+                  <a:solidFill>
+                    <a:srgbClr val="000000"/>
+                  </a:solidFill>
+                </a:uFill>
+                <a:latin typeface="Cambria Math" panose="02040503050406030204" pitchFamily="18" charset="0"/>
+                <a:ea typeface="Cambria Math" panose="02040503050406030204" pitchFamily="18" charset="0"/>
+                <a:cs typeface="Cambria Math" panose="02040503050406030204" pitchFamily="18" charset="0"/>
+              </a:rPr>
+              <a:t>𝑢</a:t>
+            </a:r>
+            <a:r>
+              <a:rPr lang="de-DE" sz="1800" u="none" strike="noStrike" baseline="-25000" dirty="0">
+                <a:effectLst/>
+                <a:uFill>
+                  <a:solidFill>
+                    <a:srgbClr val="000000"/>
+                  </a:solidFill>
+                </a:uFill>
+                <a:latin typeface="Cambria Math" panose="02040503050406030204" pitchFamily="18" charset="0"/>
+                <a:ea typeface="Cambria Math" panose="02040503050406030204" pitchFamily="18" charset="0"/>
+                <a:cs typeface="Cambria Math" panose="02040503050406030204" pitchFamily="18" charset="0"/>
+              </a:rPr>
+              <a:t>2</a:t>
+            </a:r>
+            <a:r>
+              <a:rPr lang="de-DE" sz="1800" u="none" strike="noStrike" dirty="0">
+                <a:effectLst/>
+                <a:uFill>
+                  <a:solidFill>
+                    <a:srgbClr val="000000"/>
+                  </a:solidFill>
+                </a:uFill>
+                <a:latin typeface="Arial" panose="020B0604020202020204" pitchFamily="34" charset="0"/>
+                <a:ea typeface="Arial" panose="020B0604020202020204" pitchFamily="34" charset="0"/>
+                <a:cs typeface="Arial" panose="020B0604020202020204" pitchFamily="34" charset="0"/>
+              </a:rPr>
+              <a:t> erzeugen. </a:t>
+            </a:r>
+            <a:endParaRPr lang="en-US" sz="1800" u="none" strike="noStrike" dirty="0">
+              <a:effectLst/>
+              <a:uFill>
+                <a:solidFill>
+                  <a:srgbClr val="000000"/>
+                </a:solidFill>
+              </a:uFill>
+              <a:latin typeface="Arial" panose="020B0604020202020204" pitchFamily="34" charset="0"/>
+              <a:ea typeface="Arial" panose="020B0604020202020204" pitchFamily="34" charset="0"/>
+              <a:cs typeface="Arial" panose="020B0604020202020204" pitchFamily="34" charset="0"/>
+            </a:endParaRPr>
+          </a:p>
+          <a:p>
+            <a:pPr marL="287655" lvl="1" indent="-287655"/>
+            <a:endParaRPr lang="en-US" dirty="0"/>
+          </a:p>
+          <a:p>
+            <a:pPr marL="287655" lvl="1" indent="-287655"/>
+            <a:endParaRPr lang="en-US" dirty="0">
+              <a:solidFill>
+                <a:srgbClr val="DC3769"/>
+              </a:solidFill>
+            </a:endParaRPr>
+          </a:p>
+        </p:txBody>
+      </p:sp>
+      <p:sp>
+        <p:nvSpPr>
+          <p:cNvPr id="12" name="Datumsplatzhalter 11">
+            <a:extLst>
+              <a:ext uri="{FF2B5EF4-FFF2-40B4-BE49-F238E27FC236}">
+                <a16:creationId xmlns:a16="http://schemas.microsoft.com/office/drawing/2014/main" id="{80DD9277-7B03-46BA-A1AA-E0A86CA0FCF8}"/>
+              </a:ext>
+            </a:extLst>
+          </p:cNvPr>
+          <p:cNvSpPr>
+            <a:spLocks noGrp="1"/>
+          </p:cNvSpPr>
+          <p:nvPr>
+            <p:ph type="dt" sz="half" idx="10"/>
+          </p:nvPr>
+        </p:nvSpPr>
+        <p:spPr/>
+        <p:txBody>
+          <a:bodyPr/>
+          <a:lstStyle/>
+          <a:p>
+            <a:r>
+              <a:rPr lang="de-DE"/>
+              <a:t>Campus Sontheim</a:t>
+            </a:r>
+            <a:endParaRPr lang="en-US"/>
+          </a:p>
+        </p:txBody>
+      </p:sp>
+      <p:sp>
+        <p:nvSpPr>
+          <p:cNvPr id="13" name="Fußzeilenplatzhalter 12">
+            <a:extLst>
+              <a:ext uri="{FF2B5EF4-FFF2-40B4-BE49-F238E27FC236}">
+                <a16:creationId xmlns:a16="http://schemas.microsoft.com/office/drawing/2014/main" id="{D5DEE2ED-DBC3-4D9A-AFA9-3BDED5578C13}"/>
+              </a:ext>
+            </a:extLst>
+          </p:cNvPr>
+          <p:cNvSpPr>
+            <a:spLocks noGrp="1"/>
+          </p:cNvSpPr>
+          <p:nvPr>
+            <p:ph type="ftr" sz="quarter" idx="11"/>
+          </p:nvPr>
+        </p:nvSpPr>
+        <p:spPr/>
+        <p:txBody>
+          <a:bodyPr/>
+          <a:lstStyle/>
+          <a:p>
+            <a:r>
+              <a:rPr lang="en-US" dirty="0"/>
+              <a:t>Zwei-</a:t>
+            </a:r>
+            <a:r>
+              <a:rPr lang="en-US" dirty="0" err="1"/>
+              <a:t>Gelenk</a:t>
+            </a:r>
+            <a:r>
+              <a:rPr lang="en-US" dirty="0"/>
+              <a:t>-</a:t>
+            </a:r>
+            <a:r>
+              <a:rPr lang="en-US" dirty="0" err="1"/>
+              <a:t>Roboter</a:t>
+            </a:r>
+            <a:r>
+              <a:rPr lang="en-US" dirty="0"/>
+              <a:t> | Marc Grosse, Moritz </a:t>
+            </a:r>
+            <a:r>
+              <a:rPr lang="en-US" dirty="0" err="1"/>
+              <a:t>Höhnel</a:t>
+            </a:r>
+            <a:r>
+              <a:rPr lang="en-US" dirty="0"/>
+              <a:t> und Mattis Ritter / T1 / ASE | WS22/23</a:t>
+            </a:r>
+          </a:p>
+          <a:p>
+            <a:endParaRPr lang="en-US" dirty="0"/>
+          </a:p>
+        </p:txBody>
+      </p:sp>
+      <p:sp>
+        <p:nvSpPr>
+          <p:cNvPr id="14" name="Foliennummernplatzhalter 13">
+            <a:extLst>
+              <a:ext uri="{FF2B5EF4-FFF2-40B4-BE49-F238E27FC236}">
+                <a16:creationId xmlns:a16="http://schemas.microsoft.com/office/drawing/2014/main" id="{48BBC2E6-60FE-4027-B3AE-1C7F349E9526}"/>
+              </a:ext>
+            </a:extLst>
+          </p:cNvPr>
+          <p:cNvSpPr>
+            <a:spLocks noGrp="1"/>
+          </p:cNvSpPr>
+          <p:nvPr>
+            <p:ph type="sldNum" sz="quarter" idx="12"/>
+          </p:nvPr>
+        </p:nvSpPr>
+        <p:spPr/>
+        <p:txBody>
+          <a:bodyPr/>
+          <a:lstStyle/>
+          <a:p>
+            <a:r>
+              <a:rPr lang="en-US"/>
+              <a:t>|  </a:t>
+            </a:r>
+            <a:fld id="{E6B5151A-17C4-4431-8407-112C0160A8B6}" type="slidenum">
+              <a:rPr lang="en-US" smtClean="0"/>
+              <a:pPr/>
+              <a:t>3</a:t>
+            </a:fld>
+            <a:endParaRPr lang="en-US"/>
+          </a:p>
+        </p:txBody>
+      </p:sp>
+    </p:spTree>
+    <p:extLst>
+      <p:ext uri="{BB962C8B-B14F-4D97-AF65-F5344CB8AC3E}">
+        <p14:creationId xmlns:p14="http://schemas.microsoft.com/office/powerpoint/2010/main" val="3201425904"/>
+      </p:ext>
+    </p:extLst>
+  </p:cSld>
+  <p:clrMapOvr>
+    <a:masterClrMapping/>
+  </p:clrMapOvr>
+</p:sld>
+</file>
+
+<file path=ppt/slides/slide4.xml><?xml version="1.0" encoding="utf-8"?>
+<p:sld xmlns:a="http://schemas.openxmlformats.org/drawingml/2006/main" xmlns:r="http://schemas.openxmlformats.org/officeDocument/2006/relationships" xmlns:p="http://schemas.openxmlformats.org/presentationml/2006/main">
+  <p:cSld>
+    <p:spTree>
+      <p:nvGrpSpPr>
+        <p:cNvPr id="1" name=""/>
+        <p:cNvGrpSpPr/>
+        <p:nvPr/>
+      </p:nvGrpSpPr>
+      <p:grpSpPr>
+        <a:xfrm>
+          <a:off x="0" y="0"/>
+          <a:ext cx="0" cy="0"/>
+          <a:chOff x="0" y="0"/>
+          <a:chExt cx="0" cy="0"/>
+        </a:xfrm>
+      </p:grpSpPr>
+      <p:sp>
+        <p:nvSpPr>
+          <p:cNvPr id="5" name="Titel 4"/>
+          <p:cNvSpPr>
+            <a:spLocks noGrp="1"/>
+          </p:cNvSpPr>
+          <p:nvPr>
+            <p:ph type="title"/>
+          </p:nvPr>
+        </p:nvSpPr>
+        <p:spPr/>
+        <p:txBody>
+          <a:bodyPr/>
+          <a:lstStyle/>
+          <a:p>
+            <a:pPr lvl="0"/>
+            <a:r>
+              <a:rPr lang="en-US" b="0" dirty="0"/>
+              <a:t>EINGANGS-, </a:t>
+            </a:r>
+            <a:r>
+              <a:rPr lang="en-US" b="0" dirty="0" err="1"/>
+              <a:t>Zustands</a:t>
+            </a:r>
+            <a:r>
+              <a:rPr lang="en-US" b="0" dirty="0"/>
+              <a:t>-, </a:t>
+            </a:r>
+            <a:r>
+              <a:rPr lang="en-US" b="0" dirty="0" err="1"/>
+              <a:t>Ausgangssignale</a:t>
+            </a:r>
+            <a:r>
+              <a:rPr lang="en-US" b="0" dirty="0"/>
+              <a:t>, Parameter und </a:t>
+            </a:r>
+            <a:r>
+              <a:rPr lang="en-US" b="0" dirty="0" err="1"/>
+              <a:t>Anfangsbedingungen</a:t>
             </a:r>
             <a:br>
               <a:rPr lang="en-US" dirty="0"/>
@@ -18612,451 +19273,7 @@
           <a:lstStyle/>
           <a:p>
             <a:r>
-              <a:rPr lang="en-US"/>
-              <a:t>|  </a:t>
-            </a:r>
-            <a:fld id="{E6B5151A-17C4-4431-8407-112C0160A8B6}" type="slidenum">
-              <a:rPr lang="en-US" smtClean="0"/>
-              <a:pPr/>
-              <a:t>2</a:t>
-            </a:fld>
-            <a:endParaRPr lang="en-US"/>
-          </a:p>
-        </p:txBody>
-      </p:sp>
-    </p:spTree>
-    <p:extLst>
-      <p:ext uri="{BB962C8B-B14F-4D97-AF65-F5344CB8AC3E}">
-        <p14:creationId xmlns:p14="http://schemas.microsoft.com/office/powerpoint/2010/main" val="1773225824"/>
-      </p:ext>
-    </p:extLst>
-  </p:cSld>
-  <p:clrMapOvr>
-    <a:masterClrMapping/>
-  </p:clrMapOvr>
-</p:sld>
-</file>
-
-<file path=ppt/slides/slide3.xml><?xml version="1.0" encoding="utf-8"?>
-<p:sld xmlns:a="http://schemas.openxmlformats.org/drawingml/2006/main" xmlns:r="http://schemas.openxmlformats.org/officeDocument/2006/relationships" xmlns:p="http://schemas.openxmlformats.org/presentationml/2006/main">
-  <p:cSld>
-    <p:spTree>
-      <p:nvGrpSpPr>
-        <p:cNvPr id="1" name=""/>
-        <p:cNvGrpSpPr/>
-        <p:nvPr/>
-      </p:nvGrpSpPr>
-      <p:grpSpPr>
-        <a:xfrm>
-          <a:off x="0" y="0"/>
-          <a:ext cx="0" cy="0"/>
-          <a:chOff x="0" y="0"/>
-          <a:chExt cx="0" cy="0"/>
-        </a:xfrm>
-      </p:grpSpPr>
-      <p:sp>
-        <p:nvSpPr>
-          <p:cNvPr id="5" name="Titel 4"/>
-          <p:cNvSpPr>
-            <a:spLocks noGrp="1"/>
-          </p:cNvSpPr>
-          <p:nvPr>
-            <p:ph type="title"/>
-          </p:nvPr>
-        </p:nvSpPr>
-        <p:spPr/>
-        <p:txBody>
-          <a:bodyPr/>
-          <a:lstStyle/>
-          <a:p>
-            <a:pPr lvl="0"/>
-            <a:r>
-              <a:rPr lang="en-US" b="0" dirty="0" err="1"/>
-              <a:t>Modellannahmen</a:t>
-            </a:r>
-            <a:br>
               <a:rPr lang="en-US" dirty="0"/>
-            </a:br>
-            <a:endParaRPr lang="en-US" dirty="0"/>
-          </a:p>
-        </p:txBody>
-      </p:sp>
-      <p:sp>
-        <p:nvSpPr>
-          <p:cNvPr id="6" name="Inhaltsplatzhalter 5"/>
-          <p:cNvSpPr>
-            <a:spLocks noGrp="1"/>
-          </p:cNvSpPr>
-          <p:nvPr>
-            <p:ph idx="13"/>
-          </p:nvPr>
-        </p:nvSpPr>
-        <p:spPr>
-          <a:xfrm>
-            <a:off x="114300" y="2160589"/>
-            <a:ext cx="11887199" cy="4083052"/>
-          </a:xfrm>
-        </p:spPr>
-        <p:txBody>
-          <a:bodyPr/>
-          <a:lstStyle/>
-          <a:p>
-            <a:pPr marL="287655" lvl="1" indent="-287655"/>
-            <a:endParaRPr lang="en-US" dirty="0">
-              <a:solidFill>
-                <a:srgbClr val="DC3769"/>
-              </a:solidFill>
-            </a:endParaRPr>
-          </a:p>
-          <a:p>
-            <a:pPr marL="287655" lvl="1" indent="-287655"/>
-            <a:endParaRPr lang="en-US" dirty="0">
-              <a:solidFill>
-                <a:srgbClr val="DC3769"/>
-              </a:solidFill>
-            </a:endParaRPr>
-          </a:p>
-        </p:txBody>
-      </p:sp>
-      <p:sp>
-        <p:nvSpPr>
-          <p:cNvPr id="12" name="Datumsplatzhalter 11">
-            <a:extLst>
-              <a:ext uri="{FF2B5EF4-FFF2-40B4-BE49-F238E27FC236}">
-                <a16:creationId xmlns:a16="http://schemas.microsoft.com/office/drawing/2014/main" id="{80DD9277-7B03-46BA-A1AA-E0A86CA0FCF8}"/>
-              </a:ext>
-            </a:extLst>
-          </p:cNvPr>
-          <p:cNvSpPr>
-            <a:spLocks noGrp="1"/>
-          </p:cNvSpPr>
-          <p:nvPr>
-            <p:ph type="dt" sz="half" idx="10"/>
-          </p:nvPr>
-        </p:nvSpPr>
-        <p:spPr/>
-        <p:txBody>
-          <a:bodyPr/>
-          <a:lstStyle/>
-          <a:p>
-            <a:r>
-              <a:rPr lang="de-DE"/>
-              <a:t>Campus Sontheim</a:t>
-            </a:r>
-            <a:endParaRPr lang="en-US"/>
-          </a:p>
-        </p:txBody>
-      </p:sp>
-      <p:sp>
-        <p:nvSpPr>
-          <p:cNvPr id="13" name="Fußzeilenplatzhalter 12">
-            <a:extLst>
-              <a:ext uri="{FF2B5EF4-FFF2-40B4-BE49-F238E27FC236}">
-                <a16:creationId xmlns:a16="http://schemas.microsoft.com/office/drawing/2014/main" id="{D5DEE2ED-DBC3-4D9A-AFA9-3BDED5578C13}"/>
-              </a:ext>
-            </a:extLst>
-          </p:cNvPr>
-          <p:cNvSpPr>
-            <a:spLocks noGrp="1"/>
-          </p:cNvSpPr>
-          <p:nvPr>
-            <p:ph type="ftr" sz="quarter" idx="11"/>
-          </p:nvPr>
-        </p:nvSpPr>
-        <p:spPr/>
-        <p:txBody>
-          <a:bodyPr/>
-          <a:lstStyle/>
-          <a:p>
-            <a:r>
-              <a:rPr lang="en-US" dirty="0"/>
-              <a:t>Zwei-</a:t>
-            </a:r>
-            <a:r>
-              <a:rPr lang="en-US" dirty="0" err="1"/>
-              <a:t>Gelenk</a:t>
-            </a:r>
-            <a:r>
-              <a:rPr lang="en-US" dirty="0"/>
-              <a:t>-</a:t>
-            </a:r>
-            <a:r>
-              <a:rPr lang="en-US" dirty="0" err="1"/>
-              <a:t>Roboter</a:t>
-            </a:r>
-            <a:r>
-              <a:rPr lang="en-US" dirty="0"/>
-              <a:t> | Marc Grosse, Moritz </a:t>
-            </a:r>
-            <a:r>
-              <a:rPr lang="en-US" dirty="0" err="1"/>
-              <a:t>Höhnel</a:t>
-            </a:r>
-            <a:r>
-              <a:rPr lang="en-US" dirty="0"/>
-              <a:t> und Mattis Ritter / T1 / ASE | WS22/23</a:t>
-            </a:r>
-          </a:p>
-          <a:p>
-            <a:endParaRPr lang="en-US" dirty="0"/>
-          </a:p>
-        </p:txBody>
-      </p:sp>
-      <p:sp>
-        <p:nvSpPr>
-          <p:cNvPr id="14" name="Foliennummernplatzhalter 13">
-            <a:extLst>
-              <a:ext uri="{FF2B5EF4-FFF2-40B4-BE49-F238E27FC236}">
-                <a16:creationId xmlns:a16="http://schemas.microsoft.com/office/drawing/2014/main" id="{48BBC2E6-60FE-4027-B3AE-1C7F349E9526}"/>
-              </a:ext>
-            </a:extLst>
-          </p:cNvPr>
-          <p:cNvSpPr>
-            <a:spLocks noGrp="1"/>
-          </p:cNvSpPr>
-          <p:nvPr>
-            <p:ph type="sldNum" sz="quarter" idx="12"/>
-          </p:nvPr>
-        </p:nvSpPr>
-        <p:spPr/>
-        <p:txBody>
-          <a:bodyPr/>
-          <a:lstStyle/>
-          <a:p>
-            <a:r>
-              <a:rPr lang="en-US"/>
-              <a:t>|  </a:t>
-            </a:r>
-            <a:fld id="{E6B5151A-17C4-4431-8407-112C0160A8B6}" type="slidenum">
-              <a:rPr lang="en-US" smtClean="0"/>
-              <a:pPr/>
-              <a:t>3</a:t>
-            </a:fld>
-            <a:endParaRPr lang="en-US"/>
-          </a:p>
-        </p:txBody>
-      </p:sp>
-    </p:spTree>
-    <p:extLst>
-      <p:ext uri="{BB962C8B-B14F-4D97-AF65-F5344CB8AC3E}">
-        <p14:creationId xmlns:p14="http://schemas.microsoft.com/office/powerpoint/2010/main" val="3201425904"/>
-      </p:ext>
-    </p:extLst>
-  </p:cSld>
-  <p:clrMapOvr>
-    <a:masterClrMapping/>
-  </p:clrMapOvr>
-</p:sld>
-</file>
-
-<file path=ppt/slides/slide4.xml><?xml version="1.0" encoding="utf-8"?>
-<p:sld xmlns:a="http://schemas.openxmlformats.org/drawingml/2006/main" xmlns:r="http://schemas.openxmlformats.org/officeDocument/2006/relationships" xmlns:p="http://schemas.openxmlformats.org/presentationml/2006/main">
-  <p:cSld>
-    <p:spTree>
-      <p:nvGrpSpPr>
-        <p:cNvPr id="1" name=""/>
-        <p:cNvGrpSpPr/>
-        <p:nvPr/>
-      </p:nvGrpSpPr>
-      <p:grpSpPr>
-        <a:xfrm>
-          <a:off x="0" y="0"/>
-          <a:ext cx="0" cy="0"/>
-          <a:chOff x="0" y="0"/>
-          <a:chExt cx="0" cy="0"/>
-        </a:xfrm>
-      </p:grpSpPr>
-      <p:sp>
-        <p:nvSpPr>
-          <p:cNvPr id="5" name="Titel 4"/>
-          <p:cNvSpPr>
-            <a:spLocks noGrp="1"/>
-          </p:cNvSpPr>
-          <p:nvPr>
-            <p:ph type="title"/>
-          </p:nvPr>
-        </p:nvSpPr>
-        <p:spPr/>
-        <p:txBody>
-          <a:bodyPr/>
-          <a:lstStyle/>
-          <a:p>
-            <a:pPr lvl="0"/>
-            <a:r>
-              <a:rPr lang="en-US" b="0" dirty="0"/>
-              <a:t>EINGANGS-, </a:t>
-            </a:r>
-            <a:r>
-              <a:rPr lang="en-US" b="0" dirty="0" err="1"/>
-              <a:t>Zustands</a:t>
-            </a:r>
-            <a:r>
-              <a:rPr lang="en-US" b="0" dirty="0"/>
-              <a:t>-, </a:t>
-            </a:r>
-            <a:r>
-              <a:rPr lang="en-US" b="0" dirty="0" err="1"/>
-              <a:t>Ausgangssignale</a:t>
-            </a:r>
-            <a:r>
-              <a:rPr lang="en-US" b="0" dirty="0"/>
-              <a:t>, Parameter und </a:t>
-            </a:r>
-            <a:r>
-              <a:rPr lang="en-US" b="0" dirty="0" err="1"/>
-              <a:t>Anfangsbedingungen</a:t>
-            </a:r>
-            <a:br>
-              <a:rPr lang="en-US" dirty="0"/>
-            </a:br>
-            <a:endParaRPr lang="en-US" dirty="0"/>
-          </a:p>
-        </p:txBody>
-      </p:sp>
-      <p:sp>
-        <p:nvSpPr>
-          <p:cNvPr id="6" name="Inhaltsplatzhalter 5"/>
-          <p:cNvSpPr>
-            <a:spLocks noGrp="1"/>
-          </p:cNvSpPr>
-          <p:nvPr>
-            <p:ph idx="13"/>
-          </p:nvPr>
-        </p:nvSpPr>
-        <p:spPr>
-          <a:xfrm>
-            <a:off x="114300" y="2160589"/>
-            <a:ext cx="11887199" cy="4083052"/>
-          </a:xfrm>
-        </p:spPr>
-        <p:txBody>
-          <a:bodyPr/>
-          <a:lstStyle/>
-          <a:p>
-            <a:pPr marL="287655" lvl="1" indent="-287655"/>
-            <a:endParaRPr lang="en-US" dirty="0">
-              <a:solidFill>
-                <a:srgbClr val="DC3769"/>
-              </a:solidFill>
-            </a:endParaRPr>
-          </a:p>
-          <a:p>
-            <a:pPr marL="287655" lvl="1" indent="-287655"/>
-            <a:endParaRPr lang="en-US" dirty="0">
-              <a:solidFill>
-                <a:srgbClr val="DC3769"/>
-              </a:solidFill>
-            </a:endParaRPr>
-          </a:p>
-        </p:txBody>
-      </p:sp>
-      <p:sp>
-        <p:nvSpPr>
-          <p:cNvPr id="12" name="Datumsplatzhalter 11">
-            <a:extLst>
-              <a:ext uri="{FF2B5EF4-FFF2-40B4-BE49-F238E27FC236}">
-                <a16:creationId xmlns:a16="http://schemas.microsoft.com/office/drawing/2014/main" id="{80DD9277-7B03-46BA-A1AA-E0A86CA0FCF8}"/>
-              </a:ext>
-            </a:extLst>
-          </p:cNvPr>
-          <p:cNvSpPr>
-            <a:spLocks noGrp="1"/>
-          </p:cNvSpPr>
-          <p:nvPr>
-            <p:ph type="dt" sz="half" idx="10"/>
-          </p:nvPr>
-        </p:nvSpPr>
-        <p:spPr/>
-        <p:txBody>
-          <a:bodyPr/>
-          <a:lstStyle/>
-          <a:p>
-            <a:r>
-              <a:rPr lang="de-DE"/>
-              <a:t>Campus Sontheim</a:t>
-            </a:r>
-            <a:endParaRPr lang="en-US"/>
-          </a:p>
-        </p:txBody>
-      </p:sp>
-      <p:sp>
-        <p:nvSpPr>
-          <p:cNvPr id="13" name="Fußzeilenplatzhalter 12">
-            <a:extLst>
-              <a:ext uri="{FF2B5EF4-FFF2-40B4-BE49-F238E27FC236}">
-                <a16:creationId xmlns:a16="http://schemas.microsoft.com/office/drawing/2014/main" id="{D5DEE2ED-DBC3-4D9A-AFA9-3BDED5578C13}"/>
-              </a:ext>
-            </a:extLst>
-          </p:cNvPr>
-          <p:cNvSpPr>
-            <a:spLocks noGrp="1"/>
-          </p:cNvSpPr>
-          <p:nvPr>
-            <p:ph type="ftr" sz="quarter" idx="11"/>
-          </p:nvPr>
-        </p:nvSpPr>
-        <p:spPr/>
-        <p:txBody>
-          <a:bodyPr/>
-          <a:lstStyle/>
-          <a:p>
-            <a:r>
-              <a:rPr lang="en-US" dirty="0"/>
-              <a:t>Zwei-</a:t>
-            </a:r>
-            <a:r>
-              <a:rPr lang="en-US" dirty="0" err="1"/>
-              <a:t>Gelenk</a:t>
-            </a:r>
-            <a:r>
-              <a:rPr lang="en-US" dirty="0"/>
-              <a:t>-</a:t>
-            </a:r>
-            <a:r>
-              <a:rPr lang="en-US" dirty="0" err="1"/>
-              <a:t>Roboter</a:t>
-            </a:r>
-            <a:r>
-              <a:rPr lang="en-US" dirty="0"/>
-              <a:t> | Marc Grosse, Moritz </a:t>
-            </a:r>
-            <a:r>
-              <a:rPr lang="en-US" dirty="0" err="1"/>
-              <a:t>Höhnel</a:t>
-            </a:r>
-            <a:r>
-              <a:rPr lang="en-US" dirty="0"/>
-              <a:t> und Mattis Ritter / T1 / ASE | WS22/23</a:t>
-            </a:r>
-          </a:p>
-          <a:p>
-            <a:endParaRPr lang="en-US" dirty="0"/>
-          </a:p>
-        </p:txBody>
-      </p:sp>
-      <p:sp>
-        <p:nvSpPr>
-          <p:cNvPr id="14" name="Foliennummernplatzhalter 13">
-            <a:extLst>
-              <a:ext uri="{FF2B5EF4-FFF2-40B4-BE49-F238E27FC236}">
-                <a16:creationId xmlns:a16="http://schemas.microsoft.com/office/drawing/2014/main" id="{48BBC2E6-60FE-4027-B3AE-1C7F349E9526}"/>
-              </a:ext>
-            </a:extLst>
-          </p:cNvPr>
-          <p:cNvSpPr>
-            <a:spLocks noGrp="1"/>
-          </p:cNvSpPr>
-          <p:nvPr>
-            <p:ph type="sldNum" sz="quarter" idx="12"/>
-          </p:nvPr>
-        </p:nvSpPr>
-        <p:spPr/>
-        <p:txBody>
-          <a:bodyPr/>
-          <a:lstStyle/>
-          <a:p>
-            <a:r>
-              <a:rPr lang="en-US"/>
               <a:t>|  </a:t>
             </a:r>
             <a:fld id="{E6B5151A-17C4-4431-8407-112C0160A8B6}" type="slidenum">
@@ -19064,12 +19281,12 @@
               <a:pPr/>
               <a:t>4</a:t>
             </a:fld>
-            <a:endParaRPr lang="en-US"/>
+            <a:endParaRPr lang="en-US" dirty="0"/>
           </a:p>
         </p:txBody>
       </p:sp>
-      <mc:AlternateContent xmlns:mc="http://schemas.openxmlformats.org/markup-compatibility/2006" xmlns:a14="http://schemas.microsoft.com/office/drawing/2010/main">
-        <mc:Choice Requires="a14">
+      <mc:AlternateContent xmlns:mc="http://schemas.openxmlformats.org/markup-compatibility/2006">
+        <mc:Choice xmlns:a14="http://schemas.microsoft.com/office/drawing/2010/main" Requires="a14">
           <p:graphicFrame>
             <p:nvGraphicFramePr>
               <p:cNvPr id="3" name="Table 2">
@@ -19085,14 +19302,14 @@
               <p:nvPr>
                 <p:extLst>
                   <p:ext uri="{D42A27DB-BD31-4B8C-83A1-F6EECF244321}">
-                    <p14:modId xmlns:p14="http://schemas.microsoft.com/office/powerpoint/2010/main" val="1755085589"/>
+                    <p14:modId xmlns:p14="http://schemas.microsoft.com/office/powerpoint/2010/main" val="2515261855"/>
                   </p:ext>
                 </p:extLst>
               </p:nvPr>
             </p:nvGraphicFramePr>
             <p:xfrm>
               <a:off x="780360" y="2204273"/>
-              <a:ext cx="6132905" cy="1473422"/>
+              <a:ext cx="6665469" cy="1473422"/>
             </p:xfrm>
             <a:graphic>
               <a:graphicData uri="http://schemas.openxmlformats.org/drawingml/2006/table">
@@ -19101,28 +19318,28 @@
                     <a:tableStyleId>{5C22544A-7EE6-4342-B048-85BDC9FD1C3A}</a:tableStyleId>
                   </a:tblPr>
                   <a:tblGrid>
-                    <a:gridCol w="2465258">
+                    <a:gridCol w="2696370">
                       <a:extLst>
                         <a:ext uri="{9D8B030D-6E8A-4147-A177-3AD203B41FA5}">
                           <a16:colId xmlns:a16="http://schemas.microsoft.com/office/drawing/2014/main" val="181049694"/>
                         </a:ext>
                       </a:extLst>
                     </a:gridCol>
-                    <a:gridCol w="1115367">
+                    <a:gridCol w="1386672">
                       <a:extLst>
                         <a:ext uri="{9D8B030D-6E8A-4147-A177-3AD203B41FA5}">
                           <a16:colId xmlns:a16="http://schemas.microsoft.com/office/drawing/2014/main" val="2034299179"/>
                         </a:ext>
                       </a:extLst>
                     </a:gridCol>
-                    <a:gridCol w="1296237">
+                    <a:gridCol w="1235947">
                       <a:extLst>
                         <a:ext uri="{9D8B030D-6E8A-4147-A177-3AD203B41FA5}">
                           <a16:colId xmlns:a16="http://schemas.microsoft.com/office/drawing/2014/main" val="1225719164"/>
                         </a:ext>
                       </a:extLst>
                     </a:gridCol>
-                    <a:gridCol w="1256043">
+                    <a:gridCol w="1346480">
                       <a:extLst>
                         <a:ext uri="{9D8B030D-6E8A-4147-A177-3AD203B41FA5}">
                           <a16:colId xmlns:a16="http://schemas.microsoft.com/office/drawing/2014/main" val="2773996695"/>
@@ -19144,6 +19361,9 @@
                           <a:r>
                             <a:rPr lang="de-DE" sz="1600" dirty="0">
                               <a:effectLst/>
+                              <a:latin typeface="Calibri" panose="020F0502020204030204" pitchFamily="34" charset="0"/>
+                              <a:ea typeface="Calibri" panose="020F0502020204030204" pitchFamily="34" charset="0"/>
+                              <a:cs typeface="Calibri" panose="020F0502020204030204" pitchFamily="34" charset="0"/>
                             </a:rPr>
                             <a:t>Eingangssignal </a:t>
                           </a:r>
@@ -19151,7 +19371,7 @@
                             <a:effectLst/>
                             <a:latin typeface="Calibri" panose="020F0502020204030204" pitchFamily="34" charset="0"/>
                             <a:ea typeface="Calibri" panose="020F0502020204030204" pitchFamily="34" charset="0"/>
-                            <a:cs typeface="Times New Roman" panose="02020603050405020304" pitchFamily="18" charset="0"/>
+                            <a:cs typeface="Calibri" panose="020F0502020204030204" pitchFamily="34" charset="0"/>
                           </a:endParaRPr>
                         </a:p>
                       </a:txBody>
@@ -19170,6 +19390,9 @@
                           <a:r>
                             <a:rPr lang="de-DE" sz="1600" dirty="0">
                               <a:effectLst/>
+                              <a:latin typeface="Calibri" panose="020F0502020204030204" pitchFamily="34" charset="0"/>
+                              <a:ea typeface="Calibri" panose="020F0502020204030204" pitchFamily="34" charset="0"/>
+                              <a:cs typeface="Calibri" panose="020F0502020204030204" pitchFamily="34" charset="0"/>
                             </a:rPr>
                             <a:t>Symbol </a:t>
                           </a:r>
@@ -19177,7 +19400,7 @@
                             <a:effectLst/>
                             <a:latin typeface="Calibri" panose="020F0502020204030204" pitchFamily="34" charset="0"/>
                             <a:ea typeface="Calibri" panose="020F0502020204030204" pitchFamily="34" charset="0"/>
-                            <a:cs typeface="Times New Roman" panose="02020603050405020304" pitchFamily="18" charset="0"/>
+                            <a:cs typeface="Calibri" panose="020F0502020204030204" pitchFamily="34" charset="0"/>
                           </a:endParaRPr>
                         </a:p>
                       </a:txBody>
@@ -19194,16 +19417,19 @@
                             </a:lnSpc>
                           </a:pPr>
                           <a:r>
-                            <a:rPr lang="de-DE" sz="1600">
+                            <a:rPr lang="de-DE" sz="1600" dirty="0">
                               <a:effectLst/>
+                              <a:latin typeface="Calibri" panose="020F0502020204030204" pitchFamily="34" charset="0"/>
+                              <a:ea typeface="Calibri" panose="020F0502020204030204" pitchFamily="34" charset="0"/>
+                              <a:cs typeface="Calibri" panose="020F0502020204030204" pitchFamily="34" charset="0"/>
                             </a:rPr>
                             <a:t>Simulink </a:t>
                           </a:r>
-                          <a:endParaRPr lang="en-US" sz="1600">
+                          <a:endParaRPr lang="en-US" sz="1600" dirty="0">
                             <a:effectLst/>
                             <a:latin typeface="Calibri" panose="020F0502020204030204" pitchFamily="34" charset="0"/>
                             <a:ea typeface="Calibri" panose="020F0502020204030204" pitchFamily="34" charset="0"/>
-                            <a:cs typeface="Times New Roman" panose="02020603050405020304" pitchFamily="18" charset="0"/>
+                            <a:cs typeface="Calibri" panose="020F0502020204030204" pitchFamily="34" charset="0"/>
                           </a:endParaRPr>
                         </a:p>
                       </a:txBody>
@@ -19222,6 +19448,9 @@
                           <a:r>
                             <a:rPr lang="de-DE" sz="1600" dirty="0">
                               <a:effectLst/>
+                              <a:latin typeface="Calibri" panose="020F0502020204030204" pitchFamily="34" charset="0"/>
+                              <a:ea typeface="Calibri" panose="020F0502020204030204" pitchFamily="34" charset="0"/>
+                              <a:cs typeface="Calibri" panose="020F0502020204030204" pitchFamily="34" charset="0"/>
                             </a:rPr>
                             <a:t>Einheit </a:t>
                           </a:r>
@@ -19229,7 +19458,7 @@
                             <a:effectLst/>
                             <a:latin typeface="Calibri" panose="020F0502020204030204" pitchFamily="34" charset="0"/>
                             <a:ea typeface="Calibri" panose="020F0502020204030204" pitchFamily="34" charset="0"/>
-                            <a:cs typeface="Times New Roman" panose="02020603050405020304" pitchFamily="18" charset="0"/>
+                            <a:cs typeface="Calibri" panose="020F0502020204030204" pitchFamily="34" charset="0"/>
                           </a:endParaRPr>
                         </a:p>
                       </a:txBody>
@@ -19255,6 +19484,9 @@
                           <a:r>
                             <a:rPr lang="de-DE" sz="1600" dirty="0">
                               <a:effectLst/>
+                              <a:latin typeface="Calibri" panose="020F0502020204030204" pitchFamily="34" charset="0"/>
+                              <a:ea typeface="Calibri" panose="020F0502020204030204" pitchFamily="34" charset="0"/>
+                              <a:cs typeface="Calibri" panose="020F0502020204030204" pitchFamily="34" charset="0"/>
                             </a:rPr>
                             <a:t>Drehmoment durch Schulter-Antrieb </a:t>
                           </a:r>
@@ -19262,7 +19494,7 @@
                             <a:effectLst/>
                             <a:latin typeface="Calibri" panose="020F0502020204030204" pitchFamily="34" charset="0"/>
                             <a:ea typeface="Calibri" panose="020F0502020204030204" pitchFamily="34" charset="0"/>
-                            <a:cs typeface="Times New Roman" panose="02020603050405020304" pitchFamily="18" charset="0"/>
+                            <a:cs typeface="Calibri" panose="020F0502020204030204" pitchFamily="34" charset="0"/>
                           </a:endParaRPr>
                         </a:p>
                       </a:txBody>
@@ -19391,7 +19623,7 @@
                               </m:oMath>
                             </m:oMathPara>
                           </a14:m>
-                          <a:endParaRPr lang="en-US" sz="1600">
+                          <a:endParaRPr lang="en-US" sz="1600" dirty="0">
                             <a:effectLst/>
                             <a:latin typeface="Calibri" panose="020F0502020204030204" pitchFamily="34" charset="0"/>
                             <a:ea typeface="Calibri" panose="020F0502020204030204" pitchFamily="34" charset="0"/>
@@ -19421,6 +19653,9 @@
                           <a:r>
                             <a:rPr lang="de-DE" sz="1600" dirty="0">
                               <a:effectLst/>
+                              <a:latin typeface="Calibri" panose="020F0502020204030204" pitchFamily="34" charset="0"/>
+                              <a:ea typeface="Calibri" panose="020F0502020204030204" pitchFamily="34" charset="0"/>
+                              <a:cs typeface="Calibri" panose="020F0502020204030204" pitchFamily="34" charset="0"/>
                             </a:rPr>
                             <a:t>Drehmoment durch Ellbogen-Antrieb </a:t>
                           </a:r>
@@ -19428,7 +19663,7 @@
                             <a:effectLst/>
                             <a:latin typeface="Calibri" panose="020F0502020204030204" pitchFamily="34" charset="0"/>
                             <a:ea typeface="Calibri" panose="020F0502020204030204" pitchFamily="34" charset="0"/>
-                            <a:cs typeface="Times New Roman" panose="02020603050405020304" pitchFamily="18" charset="0"/>
+                            <a:cs typeface="Calibri" panose="020F0502020204030204" pitchFamily="34" charset="0"/>
                           </a:endParaRPr>
                         </a:p>
                       </a:txBody>
@@ -19566,7 +19801,7 @@
             </a:graphic>
           </p:graphicFrame>
         </mc:Choice>
-        <mc:Fallback xmlns="">
+        <mc:Fallback>
           <p:graphicFrame>
             <p:nvGraphicFramePr>
               <p:cNvPr id="3" name="Table 2">
@@ -19582,14 +19817,14 @@
               <p:nvPr>
                 <p:extLst>
                   <p:ext uri="{D42A27DB-BD31-4B8C-83A1-F6EECF244321}">
-                    <p14:modId xmlns:p14="http://schemas.microsoft.com/office/powerpoint/2010/main" val="1755085589"/>
+                    <p14:modId xmlns:p14="http://schemas.microsoft.com/office/powerpoint/2010/main" val="2515261855"/>
                   </p:ext>
                 </p:extLst>
               </p:nvPr>
             </p:nvGraphicFramePr>
             <p:xfrm>
               <a:off x="780360" y="2204273"/>
-              <a:ext cx="6132905" cy="1473422"/>
+              <a:ext cx="6665469" cy="1473422"/>
             </p:xfrm>
             <a:graphic>
               <a:graphicData uri="http://schemas.openxmlformats.org/drawingml/2006/table">
@@ -19598,28 +19833,28 @@
                     <a:tableStyleId>{5C22544A-7EE6-4342-B048-85BDC9FD1C3A}</a:tableStyleId>
                   </a:tblPr>
                   <a:tblGrid>
-                    <a:gridCol w="2465258">
+                    <a:gridCol w="2696370">
                       <a:extLst>
                         <a:ext uri="{9D8B030D-6E8A-4147-A177-3AD203B41FA5}">
                           <a16:colId xmlns:a16="http://schemas.microsoft.com/office/drawing/2014/main" val="181049694"/>
                         </a:ext>
                       </a:extLst>
                     </a:gridCol>
-                    <a:gridCol w="1115367">
+                    <a:gridCol w="1386672">
                       <a:extLst>
                         <a:ext uri="{9D8B030D-6E8A-4147-A177-3AD203B41FA5}">
                           <a16:colId xmlns:a16="http://schemas.microsoft.com/office/drawing/2014/main" val="2034299179"/>
                         </a:ext>
                       </a:extLst>
                     </a:gridCol>
-                    <a:gridCol w="1296237">
+                    <a:gridCol w="1235947">
                       <a:extLst>
                         <a:ext uri="{9D8B030D-6E8A-4147-A177-3AD203B41FA5}">
                           <a16:colId xmlns:a16="http://schemas.microsoft.com/office/drawing/2014/main" val="1225719164"/>
                         </a:ext>
                       </a:extLst>
                     </a:gridCol>
-                    <a:gridCol w="1256043">
+                    <a:gridCol w="1346480">
                       <a:extLst>
                         <a:ext uri="{9D8B030D-6E8A-4147-A177-3AD203B41FA5}">
                           <a16:colId xmlns:a16="http://schemas.microsoft.com/office/drawing/2014/main" val="2773996695"/>
@@ -19641,6 +19876,9 @@
                           <a:r>
                             <a:rPr lang="de-DE" sz="1600" dirty="0">
                               <a:effectLst/>
+                              <a:latin typeface="Calibri" panose="020F0502020204030204" pitchFamily="34" charset="0"/>
+                              <a:ea typeface="Calibri" panose="020F0502020204030204" pitchFamily="34" charset="0"/>
+                              <a:cs typeface="Calibri" panose="020F0502020204030204" pitchFamily="34" charset="0"/>
                             </a:rPr>
                             <a:t>Eingangssignal </a:t>
                           </a:r>
@@ -19648,7 +19886,7 @@
                             <a:effectLst/>
                             <a:latin typeface="Calibri" panose="020F0502020204030204" pitchFamily="34" charset="0"/>
                             <a:ea typeface="Calibri" panose="020F0502020204030204" pitchFamily="34" charset="0"/>
-                            <a:cs typeface="Times New Roman" panose="02020603050405020304" pitchFamily="18" charset="0"/>
+                            <a:cs typeface="Calibri" panose="020F0502020204030204" pitchFamily="34" charset="0"/>
                           </a:endParaRPr>
                         </a:p>
                       </a:txBody>
@@ -19667,6 +19905,9 @@
                           <a:r>
                             <a:rPr lang="de-DE" sz="1600" dirty="0">
                               <a:effectLst/>
+                              <a:latin typeface="Calibri" panose="020F0502020204030204" pitchFamily="34" charset="0"/>
+                              <a:ea typeface="Calibri" panose="020F0502020204030204" pitchFamily="34" charset="0"/>
+                              <a:cs typeface="Calibri" panose="020F0502020204030204" pitchFamily="34" charset="0"/>
                             </a:rPr>
                             <a:t>Symbol </a:t>
                           </a:r>
@@ -19674,7 +19915,7 @@
                             <a:effectLst/>
                             <a:latin typeface="Calibri" panose="020F0502020204030204" pitchFamily="34" charset="0"/>
                             <a:ea typeface="Calibri" panose="020F0502020204030204" pitchFamily="34" charset="0"/>
-                            <a:cs typeface="Times New Roman" panose="02020603050405020304" pitchFamily="18" charset="0"/>
+                            <a:cs typeface="Calibri" panose="020F0502020204030204" pitchFamily="34" charset="0"/>
                           </a:endParaRPr>
                         </a:p>
                       </a:txBody>
@@ -19691,16 +19932,19 @@
                             </a:lnSpc>
                           </a:pPr>
                           <a:r>
-                            <a:rPr lang="de-DE" sz="1600">
+                            <a:rPr lang="de-DE" sz="1600" dirty="0">
                               <a:effectLst/>
+                              <a:latin typeface="Calibri" panose="020F0502020204030204" pitchFamily="34" charset="0"/>
+                              <a:ea typeface="Calibri" panose="020F0502020204030204" pitchFamily="34" charset="0"/>
+                              <a:cs typeface="Calibri" panose="020F0502020204030204" pitchFamily="34" charset="0"/>
                             </a:rPr>
                             <a:t>Simulink </a:t>
                           </a:r>
-                          <a:endParaRPr lang="en-US" sz="1600">
+                          <a:endParaRPr lang="en-US" sz="1600" dirty="0">
                             <a:effectLst/>
                             <a:latin typeface="Calibri" panose="020F0502020204030204" pitchFamily="34" charset="0"/>
                             <a:ea typeface="Calibri" panose="020F0502020204030204" pitchFamily="34" charset="0"/>
-                            <a:cs typeface="Times New Roman" panose="02020603050405020304" pitchFamily="18" charset="0"/>
+                            <a:cs typeface="Calibri" panose="020F0502020204030204" pitchFamily="34" charset="0"/>
                           </a:endParaRPr>
                         </a:p>
                       </a:txBody>
@@ -19719,6 +19963,9 @@
                           <a:r>
                             <a:rPr lang="de-DE" sz="1600" dirty="0">
                               <a:effectLst/>
+                              <a:latin typeface="Calibri" panose="020F0502020204030204" pitchFamily="34" charset="0"/>
+                              <a:ea typeface="Calibri" panose="020F0502020204030204" pitchFamily="34" charset="0"/>
+                              <a:cs typeface="Calibri" panose="020F0502020204030204" pitchFamily="34" charset="0"/>
                             </a:rPr>
                             <a:t>Einheit </a:t>
                           </a:r>
@@ -19726,7 +19973,7 @@
                             <a:effectLst/>
                             <a:latin typeface="Calibri" panose="020F0502020204030204" pitchFamily="34" charset="0"/>
                             <a:ea typeface="Calibri" panose="020F0502020204030204" pitchFamily="34" charset="0"/>
-                            <a:cs typeface="Times New Roman" panose="02020603050405020304" pitchFamily="18" charset="0"/>
+                            <a:cs typeface="Calibri" panose="020F0502020204030204" pitchFamily="34" charset="0"/>
                           </a:endParaRPr>
                         </a:p>
                       </a:txBody>
@@ -19752,6 +19999,9 @@
                           <a:r>
                             <a:rPr lang="de-DE" sz="1600" dirty="0">
                               <a:effectLst/>
+                              <a:latin typeface="Calibri" panose="020F0502020204030204" pitchFamily="34" charset="0"/>
+                              <a:ea typeface="Calibri" panose="020F0502020204030204" pitchFamily="34" charset="0"/>
+                              <a:cs typeface="Calibri" panose="020F0502020204030204" pitchFamily="34" charset="0"/>
                             </a:rPr>
                             <a:t>Drehmoment durch Schulter-Antrieb </a:t>
                           </a:r>
@@ -19759,7 +20009,7 @@
                             <a:effectLst/>
                             <a:latin typeface="Calibri" panose="020F0502020204030204" pitchFamily="34" charset="0"/>
                             <a:ea typeface="Calibri" panose="020F0502020204030204" pitchFamily="34" charset="0"/>
-                            <a:cs typeface="Times New Roman" panose="02020603050405020304" pitchFamily="18" charset="0"/>
+                            <a:cs typeface="Calibri" panose="020F0502020204030204" pitchFamily="34" charset="0"/>
                           </a:endParaRPr>
                         </a:p>
                       </a:txBody>
@@ -19777,7 +20027,7 @@
                         <a:blipFill>
                           <a:blip r:embed="rId2"/>
                           <a:stretch>
-                            <a:fillRect l="-222404" t="-58333" r="-231148" b="-112500"/>
+                            <a:fillRect l="-196035" t="-57292" r="-188546" b="-113542"/>
                           </a:stretch>
                         </a:blipFill>
                       </a:tcPr>
@@ -19820,7 +20070,7 @@
                         <a:blipFill>
                           <a:blip r:embed="rId2"/>
                           <a:stretch>
-                            <a:fillRect l="-389806" t="-58333" r="-1942" b="-112500"/>
+                            <a:fillRect l="-395928" t="-57292" r="-1810" b="-113542"/>
                           </a:stretch>
                         </a:blipFill>
                       </a:tcPr>
@@ -19845,6 +20095,9 @@
                           <a:r>
                             <a:rPr lang="de-DE" sz="1600" dirty="0">
                               <a:effectLst/>
+                              <a:latin typeface="Calibri" panose="020F0502020204030204" pitchFamily="34" charset="0"/>
+                              <a:ea typeface="Calibri" panose="020F0502020204030204" pitchFamily="34" charset="0"/>
+                              <a:cs typeface="Calibri" panose="020F0502020204030204" pitchFamily="34" charset="0"/>
                             </a:rPr>
                             <a:t>Drehmoment durch Ellbogen-Antrieb </a:t>
                           </a:r>
@@ -19852,7 +20105,7 @@
                             <a:effectLst/>
                             <a:latin typeface="Calibri" panose="020F0502020204030204" pitchFamily="34" charset="0"/>
                             <a:ea typeface="Calibri" panose="020F0502020204030204" pitchFamily="34" charset="0"/>
-                            <a:cs typeface="Times New Roman" panose="02020603050405020304" pitchFamily="18" charset="0"/>
+                            <a:cs typeface="Calibri" panose="020F0502020204030204" pitchFamily="34" charset="0"/>
                           </a:endParaRPr>
                         </a:p>
                       </a:txBody>
@@ -19870,7 +20123,7 @@
                         <a:blipFill>
                           <a:blip r:embed="rId2"/>
                           <a:stretch>
-                            <a:fillRect l="-222404" t="-156701" r="-231148" b="-11340"/>
+                            <a:fillRect l="-196035" t="-155670" r="-188546" b="-12371"/>
                           </a:stretch>
                         </a:blipFill>
                       </a:tcPr>
@@ -19913,7 +20166,7 @@
                         <a:blipFill>
                           <a:blip r:embed="rId2"/>
                           <a:stretch>
-                            <a:fillRect l="-389806" t="-156701" r="-1942" b="-11340"/>
+                            <a:fillRect l="-395928" t="-155670" r="-1810" b="-12371"/>
                           </a:stretch>
                         </a:blipFill>
                       </a:tcPr>
@@ -19930,8 +20183,8 @@
           </p:graphicFrame>
         </mc:Fallback>
       </mc:AlternateContent>
-      <mc:AlternateContent xmlns:mc="http://schemas.openxmlformats.org/markup-compatibility/2006" xmlns:a14="http://schemas.microsoft.com/office/drawing/2010/main">
-        <mc:Choice Requires="a14">
+      <mc:AlternateContent xmlns:mc="http://schemas.openxmlformats.org/markup-compatibility/2006">
+        <mc:Choice xmlns:a14="http://schemas.microsoft.com/office/drawing/2010/main" Requires="a14">
           <p:graphicFrame>
             <p:nvGraphicFramePr>
               <p:cNvPr id="4" name="Table 3">
@@ -19947,7 +20200,7 @@
               <p:nvPr>
                 <p:extLst>
                   <p:ext uri="{D42A27DB-BD31-4B8C-83A1-F6EECF244321}">
-                    <p14:modId xmlns:p14="http://schemas.microsoft.com/office/powerpoint/2010/main" val="4033876569"/>
+                    <p14:modId xmlns:p14="http://schemas.microsoft.com/office/powerpoint/2010/main" val="1280873806"/>
                   </p:ext>
                 </p:extLst>
               </p:nvPr>
@@ -20013,6 +20266,9 @@
                           <a:r>
                             <a:rPr lang="de-DE" sz="1600" dirty="0">
                               <a:effectLst/>
+                              <a:latin typeface="Calibri" panose="020F0502020204030204" pitchFamily="34" charset="0"/>
+                              <a:ea typeface="Calibri" panose="020F0502020204030204" pitchFamily="34" charset="0"/>
+                              <a:cs typeface="Calibri" panose="020F0502020204030204" pitchFamily="34" charset="0"/>
                             </a:rPr>
                             <a:t>Zustandsvariable </a:t>
                           </a:r>
@@ -20020,7 +20276,7 @@
                             <a:effectLst/>
                             <a:latin typeface="Calibri" panose="020F0502020204030204" pitchFamily="34" charset="0"/>
                             <a:ea typeface="Calibri" panose="020F0502020204030204" pitchFamily="34" charset="0"/>
-                            <a:cs typeface="Times New Roman" panose="02020603050405020304" pitchFamily="18" charset="0"/>
+                            <a:cs typeface="Calibri" panose="020F0502020204030204" pitchFamily="34" charset="0"/>
                           </a:endParaRPr>
                         </a:p>
                       </a:txBody>
@@ -20037,16 +20293,19 @@
                             </a:lnSpc>
                           </a:pPr>
                           <a:r>
-                            <a:rPr lang="de-DE" sz="1600">
+                            <a:rPr lang="de-DE" sz="1600" dirty="0">
                               <a:effectLst/>
+                              <a:latin typeface="Calibri" panose="020F0502020204030204" pitchFamily="34" charset="0"/>
+                              <a:ea typeface="Calibri" panose="020F0502020204030204" pitchFamily="34" charset="0"/>
+                              <a:cs typeface="Calibri" panose="020F0502020204030204" pitchFamily="34" charset="0"/>
                             </a:rPr>
                             <a:t>Symbol </a:t>
                           </a:r>
-                          <a:endParaRPr lang="en-US" sz="1600">
+                          <a:endParaRPr lang="en-US" sz="1600" dirty="0">
                             <a:effectLst/>
                             <a:latin typeface="Calibri" panose="020F0502020204030204" pitchFamily="34" charset="0"/>
                             <a:ea typeface="Calibri" panose="020F0502020204030204" pitchFamily="34" charset="0"/>
-                            <a:cs typeface="Times New Roman" panose="02020603050405020304" pitchFamily="18" charset="0"/>
+                            <a:cs typeface="Calibri" panose="020F0502020204030204" pitchFamily="34" charset="0"/>
                           </a:endParaRPr>
                         </a:p>
                       </a:txBody>
@@ -20063,16 +20322,19 @@
                             </a:lnSpc>
                           </a:pPr>
                           <a:r>
-                            <a:rPr lang="de-DE" sz="1600">
+                            <a:rPr lang="de-DE" sz="1600" dirty="0">
                               <a:effectLst/>
+                              <a:latin typeface="Calibri" panose="020F0502020204030204" pitchFamily="34" charset="0"/>
+                              <a:ea typeface="Calibri" panose="020F0502020204030204" pitchFamily="34" charset="0"/>
+                              <a:cs typeface="Calibri" panose="020F0502020204030204" pitchFamily="34" charset="0"/>
                             </a:rPr>
                             <a:t>Simulink </a:t>
                           </a:r>
-                          <a:endParaRPr lang="en-US" sz="1600">
+                          <a:endParaRPr lang="en-US" sz="1600" dirty="0">
                             <a:effectLst/>
                             <a:latin typeface="Calibri" panose="020F0502020204030204" pitchFamily="34" charset="0"/>
                             <a:ea typeface="Calibri" panose="020F0502020204030204" pitchFamily="34" charset="0"/>
-                            <a:cs typeface="Times New Roman" panose="02020603050405020304" pitchFamily="18" charset="0"/>
+                            <a:cs typeface="Calibri" panose="020F0502020204030204" pitchFamily="34" charset="0"/>
                           </a:endParaRPr>
                         </a:p>
                       </a:txBody>
@@ -20091,6 +20353,9 @@
                           <a:r>
                             <a:rPr lang="de-DE" sz="1600">
                               <a:effectLst/>
+                              <a:latin typeface="Calibri" panose="020F0502020204030204" pitchFamily="34" charset="0"/>
+                              <a:ea typeface="Calibri" panose="020F0502020204030204" pitchFamily="34" charset="0"/>
+                              <a:cs typeface="Calibri" panose="020F0502020204030204" pitchFamily="34" charset="0"/>
                             </a:rPr>
                             <a:t>Einheit </a:t>
                           </a:r>
@@ -20098,7 +20363,7 @@
                             <a:effectLst/>
                             <a:latin typeface="Calibri" panose="020F0502020204030204" pitchFamily="34" charset="0"/>
                             <a:ea typeface="Calibri" panose="020F0502020204030204" pitchFamily="34" charset="0"/>
-                            <a:cs typeface="Times New Roman" panose="02020603050405020304" pitchFamily="18" charset="0"/>
+                            <a:cs typeface="Calibri" panose="020F0502020204030204" pitchFamily="34" charset="0"/>
                           </a:endParaRPr>
                         </a:p>
                       </a:txBody>
@@ -20115,16 +20380,19 @@
                             </a:lnSpc>
                           </a:pPr>
                           <a:r>
-                            <a:rPr lang="de-DE" sz="1600">
+                            <a:rPr lang="de-DE" sz="1600" dirty="0">
                               <a:effectLst/>
+                              <a:latin typeface="Calibri" panose="020F0502020204030204" pitchFamily="34" charset="0"/>
+                              <a:ea typeface="Calibri" panose="020F0502020204030204" pitchFamily="34" charset="0"/>
+                              <a:cs typeface="Calibri" panose="020F0502020204030204" pitchFamily="34" charset="0"/>
                             </a:rPr>
                             <a:t>Anfangswert </a:t>
                           </a:r>
-                          <a:endParaRPr lang="en-US" sz="1600">
+                          <a:endParaRPr lang="en-US" sz="1600" dirty="0">
                             <a:effectLst/>
                             <a:latin typeface="Calibri" panose="020F0502020204030204" pitchFamily="34" charset="0"/>
                             <a:ea typeface="Calibri" panose="020F0502020204030204" pitchFamily="34" charset="0"/>
-                            <a:cs typeface="Times New Roman" panose="02020603050405020304" pitchFamily="18" charset="0"/>
+                            <a:cs typeface="Calibri" panose="020F0502020204030204" pitchFamily="34" charset="0"/>
                           </a:endParaRPr>
                         </a:p>
                       </a:txBody>
@@ -20150,6 +20418,9 @@
                           <a:r>
                             <a:rPr lang="de-DE" sz="1600" dirty="0">
                               <a:effectLst/>
+                              <a:latin typeface="Calibri" panose="020F0502020204030204" pitchFamily="34" charset="0"/>
+                              <a:ea typeface="Calibri" panose="020F0502020204030204" pitchFamily="34" charset="0"/>
+                              <a:cs typeface="Calibri" panose="020F0502020204030204" pitchFamily="34" charset="0"/>
                             </a:rPr>
                             <a:t>Winkel des Oberarms </a:t>
                           </a:r>
@@ -20308,7 +20579,7 @@
                               </m:oMath>
                             </m:oMathPara>
                           </a14:m>
-                          <a:endParaRPr lang="en-US" sz="1600">
+                          <a:endParaRPr lang="en-US" sz="1600" dirty="0">
                             <a:effectLst/>
                             <a:latin typeface="Calibri" panose="020F0502020204030204" pitchFamily="34" charset="0"/>
                             <a:ea typeface="Calibri" panose="020F0502020204030204" pitchFamily="34" charset="0"/>
@@ -20344,7 +20615,7 @@
                               </m:oMath>
                             </m:oMathPara>
                           </a14:m>
-                          <a:endParaRPr lang="en-US" sz="1600">
+                          <a:endParaRPr lang="en-US" sz="1600" dirty="0">
                             <a:effectLst/>
                             <a:latin typeface="Calibri" panose="020F0502020204030204" pitchFamily="34" charset="0"/>
                             <a:ea typeface="Calibri" panose="020F0502020204030204" pitchFamily="34" charset="0"/>
@@ -20374,6 +20645,9 @@
                           <a:r>
                             <a:rPr lang="de-DE" sz="1600" dirty="0">
                               <a:effectLst/>
+                              <a:latin typeface="Calibri" panose="020F0502020204030204" pitchFamily="34" charset="0"/>
+                              <a:ea typeface="Calibri" panose="020F0502020204030204" pitchFamily="34" charset="0"/>
+                              <a:cs typeface="Calibri" panose="020F0502020204030204" pitchFamily="34" charset="0"/>
                             </a:rPr>
                             <a:t>Winkel des Unterarms </a:t>
                           </a:r>
@@ -20381,7 +20655,7 @@
                             <a:effectLst/>
                             <a:latin typeface="Calibri" panose="020F0502020204030204" pitchFamily="34" charset="0"/>
                             <a:ea typeface="Calibri" panose="020F0502020204030204" pitchFamily="34" charset="0"/>
-                            <a:cs typeface="Times New Roman" panose="02020603050405020304" pitchFamily="18" charset="0"/>
+                            <a:cs typeface="Calibri" panose="020F0502020204030204" pitchFamily="34" charset="0"/>
                           </a:endParaRPr>
                         </a:p>
                       </a:txBody>
@@ -20623,16 +20897,19 @@
                             </a:lnSpc>
                           </a:pPr>
                           <a:r>
-                            <a:rPr lang="de-DE" sz="1600">
+                            <a:rPr lang="de-DE" sz="1600" dirty="0">
                               <a:effectLst/>
+                              <a:latin typeface="Calibri" panose="020F0502020204030204" pitchFamily="34" charset="0"/>
+                              <a:ea typeface="Calibri" panose="020F0502020204030204" pitchFamily="34" charset="0"/>
+                              <a:cs typeface="Calibri" panose="020F0502020204030204" pitchFamily="34" charset="0"/>
                             </a:rPr>
                             <a:t>Winkelgeschwindigkeit des Oberarms </a:t>
                           </a:r>
-                          <a:endParaRPr lang="en-US" sz="1600">
+                          <a:endParaRPr lang="en-US" sz="1600" dirty="0">
                             <a:effectLst/>
                             <a:latin typeface="Calibri" panose="020F0502020204030204" pitchFamily="34" charset="0"/>
                             <a:ea typeface="Calibri" panose="020F0502020204030204" pitchFamily="34" charset="0"/>
-                            <a:cs typeface="Times New Roman" panose="02020603050405020304" pitchFamily="18" charset="0"/>
+                            <a:cs typeface="Calibri" panose="020F0502020204030204" pitchFamily="34" charset="0"/>
                           </a:endParaRPr>
                         </a:p>
                       </a:txBody>
@@ -20915,16 +21192,19 @@
                             </a:lnSpc>
                           </a:pPr>
                           <a:r>
-                            <a:rPr lang="de-DE" sz="1600">
+                            <a:rPr lang="de-DE" sz="1600" dirty="0">
                               <a:effectLst/>
+                              <a:latin typeface="Calibri" panose="020F0502020204030204" pitchFamily="34" charset="0"/>
+                              <a:ea typeface="Calibri" panose="020F0502020204030204" pitchFamily="34" charset="0"/>
+                              <a:cs typeface="Calibri" panose="020F0502020204030204" pitchFamily="34" charset="0"/>
                             </a:rPr>
                             <a:t>Winkelgeschwindigkeit des Unterarms </a:t>
                           </a:r>
-                          <a:endParaRPr lang="en-US" sz="1600">
+                          <a:endParaRPr lang="en-US" sz="1600" dirty="0">
                             <a:effectLst/>
                             <a:latin typeface="Calibri" panose="020F0502020204030204" pitchFamily="34" charset="0"/>
                             <a:ea typeface="Calibri" panose="020F0502020204030204" pitchFamily="34" charset="0"/>
-                            <a:cs typeface="Times New Roman" panose="02020603050405020304" pitchFamily="18" charset="0"/>
+                            <a:cs typeface="Calibri" panose="020F0502020204030204" pitchFamily="34" charset="0"/>
                           </a:endParaRPr>
                         </a:p>
                       </a:txBody>
@@ -21200,7 +21480,7 @@
             </a:graphic>
           </p:graphicFrame>
         </mc:Choice>
-        <mc:Fallback xmlns="">
+        <mc:Fallback>
           <p:graphicFrame>
             <p:nvGraphicFramePr>
               <p:cNvPr id="4" name="Table 3">
@@ -21216,7 +21496,7 @@
               <p:nvPr>
                 <p:extLst>
                   <p:ext uri="{D42A27DB-BD31-4B8C-83A1-F6EECF244321}">
-                    <p14:modId xmlns:p14="http://schemas.microsoft.com/office/powerpoint/2010/main" val="4033876569"/>
+                    <p14:modId xmlns:p14="http://schemas.microsoft.com/office/powerpoint/2010/main" val="1280873806"/>
                   </p:ext>
                 </p:extLst>
               </p:nvPr>
@@ -21282,6 +21562,9 @@
                           <a:r>
                             <a:rPr lang="de-DE" sz="1600" dirty="0">
                               <a:effectLst/>
+                              <a:latin typeface="Calibri" panose="020F0502020204030204" pitchFamily="34" charset="0"/>
+                              <a:ea typeface="Calibri" panose="020F0502020204030204" pitchFamily="34" charset="0"/>
+                              <a:cs typeface="Calibri" panose="020F0502020204030204" pitchFamily="34" charset="0"/>
                             </a:rPr>
                             <a:t>Zustandsvariable </a:t>
                           </a:r>
@@ -21289,7 +21572,7 @@
                             <a:effectLst/>
                             <a:latin typeface="Calibri" panose="020F0502020204030204" pitchFamily="34" charset="0"/>
                             <a:ea typeface="Calibri" panose="020F0502020204030204" pitchFamily="34" charset="0"/>
-                            <a:cs typeface="Times New Roman" panose="02020603050405020304" pitchFamily="18" charset="0"/>
+                            <a:cs typeface="Calibri" panose="020F0502020204030204" pitchFamily="34" charset="0"/>
                           </a:endParaRPr>
                         </a:p>
                       </a:txBody>
@@ -21306,16 +21589,19 @@
                             </a:lnSpc>
                           </a:pPr>
                           <a:r>
-                            <a:rPr lang="de-DE" sz="1600">
+                            <a:rPr lang="de-DE" sz="1600" dirty="0">
                               <a:effectLst/>
+                              <a:latin typeface="Calibri" panose="020F0502020204030204" pitchFamily="34" charset="0"/>
+                              <a:ea typeface="Calibri" panose="020F0502020204030204" pitchFamily="34" charset="0"/>
+                              <a:cs typeface="Calibri" panose="020F0502020204030204" pitchFamily="34" charset="0"/>
                             </a:rPr>
                             <a:t>Symbol </a:t>
                           </a:r>
-                          <a:endParaRPr lang="en-US" sz="1600">
+                          <a:endParaRPr lang="en-US" sz="1600" dirty="0">
                             <a:effectLst/>
                             <a:latin typeface="Calibri" panose="020F0502020204030204" pitchFamily="34" charset="0"/>
                             <a:ea typeface="Calibri" panose="020F0502020204030204" pitchFamily="34" charset="0"/>
-                            <a:cs typeface="Times New Roman" panose="02020603050405020304" pitchFamily="18" charset="0"/>
+                            <a:cs typeface="Calibri" panose="020F0502020204030204" pitchFamily="34" charset="0"/>
                           </a:endParaRPr>
                         </a:p>
                       </a:txBody>
@@ -21332,16 +21618,19 @@
                             </a:lnSpc>
                           </a:pPr>
                           <a:r>
-                            <a:rPr lang="de-DE" sz="1600">
+                            <a:rPr lang="de-DE" sz="1600" dirty="0">
                               <a:effectLst/>
+                              <a:latin typeface="Calibri" panose="020F0502020204030204" pitchFamily="34" charset="0"/>
+                              <a:ea typeface="Calibri" panose="020F0502020204030204" pitchFamily="34" charset="0"/>
+                              <a:cs typeface="Calibri" panose="020F0502020204030204" pitchFamily="34" charset="0"/>
                             </a:rPr>
                             <a:t>Simulink </a:t>
                           </a:r>
-                          <a:endParaRPr lang="en-US" sz="1600">
+                          <a:endParaRPr lang="en-US" sz="1600" dirty="0">
                             <a:effectLst/>
                             <a:latin typeface="Calibri" panose="020F0502020204030204" pitchFamily="34" charset="0"/>
                             <a:ea typeface="Calibri" panose="020F0502020204030204" pitchFamily="34" charset="0"/>
-                            <a:cs typeface="Times New Roman" panose="02020603050405020304" pitchFamily="18" charset="0"/>
+                            <a:cs typeface="Calibri" panose="020F0502020204030204" pitchFamily="34" charset="0"/>
                           </a:endParaRPr>
                         </a:p>
                       </a:txBody>
@@ -21360,6 +21649,9 @@
                           <a:r>
                             <a:rPr lang="de-DE" sz="1600">
                               <a:effectLst/>
+                              <a:latin typeface="Calibri" panose="020F0502020204030204" pitchFamily="34" charset="0"/>
+                              <a:ea typeface="Calibri" panose="020F0502020204030204" pitchFamily="34" charset="0"/>
+                              <a:cs typeface="Calibri" panose="020F0502020204030204" pitchFamily="34" charset="0"/>
                             </a:rPr>
                             <a:t>Einheit </a:t>
                           </a:r>
@@ -21367,7 +21659,7 @@
                             <a:effectLst/>
                             <a:latin typeface="Calibri" panose="020F0502020204030204" pitchFamily="34" charset="0"/>
                             <a:ea typeface="Calibri" panose="020F0502020204030204" pitchFamily="34" charset="0"/>
-                            <a:cs typeface="Times New Roman" panose="02020603050405020304" pitchFamily="18" charset="0"/>
+                            <a:cs typeface="Calibri" panose="020F0502020204030204" pitchFamily="34" charset="0"/>
                           </a:endParaRPr>
                         </a:p>
                       </a:txBody>
@@ -21384,16 +21676,19 @@
                             </a:lnSpc>
                           </a:pPr>
                           <a:r>
-                            <a:rPr lang="de-DE" sz="1600">
+                            <a:rPr lang="de-DE" sz="1600" dirty="0">
                               <a:effectLst/>
+                              <a:latin typeface="Calibri" panose="020F0502020204030204" pitchFamily="34" charset="0"/>
+                              <a:ea typeface="Calibri" panose="020F0502020204030204" pitchFamily="34" charset="0"/>
+                              <a:cs typeface="Calibri" panose="020F0502020204030204" pitchFamily="34" charset="0"/>
                             </a:rPr>
                             <a:t>Anfangswert </a:t>
                           </a:r>
-                          <a:endParaRPr lang="en-US" sz="1600">
+                          <a:endParaRPr lang="en-US" sz="1600" dirty="0">
                             <a:effectLst/>
                             <a:latin typeface="Calibri" panose="020F0502020204030204" pitchFamily="34" charset="0"/>
                             <a:ea typeface="Calibri" panose="020F0502020204030204" pitchFamily="34" charset="0"/>
-                            <a:cs typeface="Times New Roman" panose="02020603050405020304" pitchFamily="18" charset="0"/>
+                            <a:cs typeface="Calibri" panose="020F0502020204030204" pitchFamily="34" charset="0"/>
                           </a:endParaRPr>
                         </a:p>
                       </a:txBody>
@@ -21419,6 +21714,9 @@
                           <a:r>
                             <a:rPr lang="de-DE" sz="1600" dirty="0">
                               <a:effectLst/>
+                              <a:latin typeface="Calibri" panose="020F0502020204030204" pitchFamily="34" charset="0"/>
+                              <a:ea typeface="Calibri" panose="020F0502020204030204" pitchFamily="34" charset="0"/>
+                              <a:cs typeface="Calibri" panose="020F0502020204030204" pitchFamily="34" charset="0"/>
                             </a:rPr>
                             <a:t>Winkel des Oberarms </a:t>
                           </a:r>
@@ -21438,7 +21736,7 @@
                         <a:blipFill>
                           <a:blip r:embed="rId3"/>
                           <a:stretch>
-                            <a:fillRect l="-192609" t="-72603" r="-283043" b="-400000"/>
+                            <a:fillRect l="-192609" t="-72603" r="-283043" b="-401370"/>
                           </a:stretch>
                         </a:blipFill>
                       </a:tcPr>
@@ -21481,7 +21779,7 @@
                         <a:blipFill>
                           <a:blip r:embed="rId3"/>
                           <a:stretch>
-                            <a:fillRect l="-391928" t="-72603" r="-101794" b="-400000"/>
+                            <a:fillRect l="-391928" t="-72603" r="-101794" b="-401370"/>
                           </a:stretch>
                         </a:blipFill>
                       </a:tcPr>
@@ -21498,7 +21796,7 @@
                         <a:blipFill>
                           <a:blip r:embed="rId3"/>
                           <a:stretch>
-                            <a:fillRect l="-491928" t="-72603" r="-1794" b="-400000"/>
+                            <a:fillRect l="-491928" t="-72603" r="-1794" b="-401370"/>
                           </a:stretch>
                         </a:blipFill>
                       </a:tcPr>
@@ -21523,6 +21821,9 @@
                           <a:r>
                             <a:rPr lang="de-DE" sz="1600" dirty="0">
                               <a:effectLst/>
+                              <a:latin typeface="Calibri" panose="020F0502020204030204" pitchFamily="34" charset="0"/>
+                              <a:ea typeface="Calibri" panose="020F0502020204030204" pitchFamily="34" charset="0"/>
+                              <a:cs typeface="Calibri" panose="020F0502020204030204" pitchFamily="34" charset="0"/>
                             </a:rPr>
                             <a:t>Winkel des Unterarms </a:t>
                           </a:r>
@@ -21530,7 +21831,7 @@
                             <a:effectLst/>
                             <a:latin typeface="Calibri" panose="020F0502020204030204" pitchFamily="34" charset="0"/>
                             <a:ea typeface="Calibri" panose="020F0502020204030204" pitchFamily="34" charset="0"/>
-                            <a:cs typeface="Times New Roman" panose="02020603050405020304" pitchFamily="18" charset="0"/>
+                            <a:cs typeface="Calibri" panose="020F0502020204030204" pitchFamily="34" charset="0"/>
                           </a:endParaRPr>
                         </a:p>
                       </a:txBody>
@@ -21548,7 +21849,7 @@
                         <a:blipFill>
                           <a:blip r:embed="rId3"/>
                           <a:stretch>
-                            <a:fillRect l="-192609" t="-148235" r="-283043" b="-243529"/>
+                            <a:fillRect l="-192609" t="-148235" r="-283043" b="-244706"/>
                           </a:stretch>
                         </a:blipFill>
                       </a:tcPr>
@@ -21591,7 +21892,7 @@
                         <a:blipFill>
                           <a:blip r:embed="rId3"/>
                           <a:stretch>
-                            <a:fillRect l="-391928" t="-148235" r="-101794" b="-243529"/>
+                            <a:fillRect l="-391928" t="-148235" r="-101794" b="-244706"/>
                           </a:stretch>
                         </a:blipFill>
                       </a:tcPr>
@@ -21608,7 +21909,7 @@
                         <a:blipFill>
                           <a:blip r:embed="rId3"/>
                           <a:stretch>
-                            <a:fillRect l="-491928" t="-148235" r="-1794" b="-243529"/>
+                            <a:fillRect l="-491928" t="-148235" r="-1794" b="-244706"/>
                           </a:stretch>
                         </a:blipFill>
                       </a:tcPr>
@@ -21631,16 +21932,19 @@
                             </a:lnSpc>
                           </a:pPr>
                           <a:r>
-                            <a:rPr lang="de-DE" sz="1600">
+                            <a:rPr lang="de-DE" sz="1600" dirty="0">
                               <a:effectLst/>
+                              <a:latin typeface="Calibri" panose="020F0502020204030204" pitchFamily="34" charset="0"/>
+                              <a:ea typeface="Calibri" panose="020F0502020204030204" pitchFamily="34" charset="0"/>
+                              <a:cs typeface="Calibri" panose="020F0502020204030204" pitchFamily="34" charset="0"/>
                             </a:rPr>
                             <a:t>Winkelgeschwindigkeit des Oberarms </a:t>
                           </a:r>
-                          <a:endParaRPr lang="en-US" sz="1600">
+                          <a:endParaRPr lang="en-US" sz="1600" dirty="0">
                             <a:effectLst/>
                             <a:latin typeface="Calibri" panose="020F0502020204030204" pitchFamily="34" charset="0"/>
                             <a:ea typeface="Calibri" panose="020F0502020204030204" pitchFamily="34" charset="0"/>
-                            <a:cs typeface="Times New Roman" panose="02020603050405020304" pitchFamily="18" charset="0"/>
+                            <a:cs typeface="Calibri" panose="020F0502020204030204" pitchFamily="34" charset="0"/>
                           </a:endParaRPr>
                         </a:p>
                       </a:txBody>
@@ -21658,7 +21962,7 @@
                         <a:blipFill>
                           <a:blip r:embed="rId3"/>
                           <a:stretch>
-                            <a:fillRect l="-192609" t="-215306" r="-283043" b="-111224"/>
+                            <a:fillRect l="-192609" t="-215306" r="-283043" b="-112245"/>
                           </a:stretch>
                         </a:blipFill>
                       </a:tcPr>
@@ -21701,7 +22005,7 @@
                         <a:blipFill>
                           <a:blip r:embed="rId3"/>
                           <a:stretch>
-                            <a:fillRect l="-391928" t="-215306" r="-101794" b="-111224"/>
+                            <a:fillRect l="-391928" t="-215306" r="-101794" b="-112245"/>
                           </a:stretch>
                         </a:blipFill>
                       </a:tcPr>
@@ -21718,7 +22022,7 @@
                         <a:blipFill>
                           <a:blip r:embed="rId3"/>
                           <a:stretch>
-                            <a:fillRect l="-491928" t="-215306" r="-1794" b="-111224"/>
+                            <a:fillRect l="-491928" t="-215306" r="-1794" b="-112245"/>
                           </a:stretch>
                         </a:blipFill>
                       </a:tcPr>
@@ -21741,16 +22045,19 @@
                             </a:lnSpc>
                           </a:pPr>
                           <a:r>
-                            <a:rPr lang="de-DE" sz="1600">
+                            <a:rPr lang="de-DE" sz="1600" dirty="0">
                               <a:effectLst/>
+                              <a:latin typeface="Calibri" panose="020F0502020204030204" pitchFamily="34" charset="0"/>
+                              <a:ea typeface="Calibri" panose="020F0502020204030204" pitchFamily="34" charset="0"/>
+                              <a:cs typeface="Calibri" panose="020F0502020204030204" pitchFamily="34" charset="0"/>
                             </a:rPr>
                             <a:t>Winkelgeschwindigkeit des Unterarms </a:t>
                           </a:r>
-                          <a:endParaRPr lang="en-US" sz="1600">
+                          <a:endParaRPr lang="en-US" sz="1600" dirty="0">
                             <a:effectLst/>
                             <a:latin typeface="Calibri" panose="020F0502020204030204" pitchFamily="34" charset="0"/>
                             <a:ea typeface="Calibri" panose="020F0502020204030204" pitchFamily="34" charset="0"/>
-                            <a:cs typeface="Times New Roman" panose="02020603050405020304" pitchFamily="18" charset="0"/>
+                            <a:cs typeface="Calibri" panose="020F0502020204030204" pitchFamily="34" charset="0"/>
                           </a:endParaRPr>
                         </a:p>
                       </a:txBody>
@@ -21768,7 +22075,7 @@
                         <a:blipFill>
                           <a:blip r:embed="rId3"/>
                           <a:stretch>
-                            <a:fillRect l="-192609" t="-318557" r="-283043" b="-12371"/>
+                            <a:fillRect l="-192609" t="-318557" r="-283043" b="-13402"/>
                           </a:stretch>
                         </a:blipFill>
                       </a:tcPr>
@@ -21811,7 +22118,7 @@
                         <a:blipFill>
                           <a:blip r:embed="rId3"/>
                           <a:stretch>
-                            <a:fillRect l="-391928" t="-318557" r="-101794" b="-12371"/>
+                            <a:fillRect l="-391928" t="-318557" r="-101794" b="-13402"/>
                           </a:stretch>
                         </a:blipFill>
                       </a:tcPr>
@@ -21828,7 +22135,7 @@
                         <a:blipFill>
                           <a:blip r:embed="rId3"/>
                           <a:stretch>
-                            <a:fillRect l="-491928" t="-318557" r="-1794" b="-12371"/>
+                            <a:fillRect l="-491928" t="-318557" r="-1794" b="-13402"/>
                           </a:stretch>
                         </a:blipFill>
                       </a:tcPr>
@@ -21893,19 +22200,27 @@
             <a:pPr lvl="0"/>
             <a:r>
               <a:rPr lang="en-US" b="0" dirty="0"/>
-              <a:t>Aufgabe </a:t>
+              <a:t>EINGANGS-, </a:t>
             </a:r>
             <a:r>
               <a:rPr lang="en-US" b="0" dirty="0" err="1"/>
-              <a:t>zur</a:t>
+              <a:t>Zustands</a:t>
             </a:r>
             <a:r>
               <a:rPr lang="en-US" b="0" dirty="0"/>
-              <a:t> </a:t>
+              <a:t>-, </a:t>
             </a:r>
             <a:r>
               <a:rPr lang="en-US" b="0" dirty="0" err="1"/>
-              <a:t>Vorabgabe</a:t>
+              <a:t>Ausgangssignale</a:t>
+            </a:r>
+            <a:r>
+              <a:rPr lang="en-US" b="0" dirty="0"/>
+              <a:t>, Parameter und </a:t>
+            </a:r>
+            <a:r>
+              <a:rPr lang="en-US" b="0" dirty="0" err="1"/>
+              <a:t>Anfangsbedingungen</a:t>
             </a:r>
             <a:br>
               <a:rPr lang="en-US" dirty="0"/>
@@ -22069,6 +22384,3075 @@
           </a:p>
         </p:txBody>
       </p:sp>
+      <mc:AlternateContent xmlns:mc="http://schemas.openxmlformats.org/markup-compatibility/2006">
+        <mc:Choice xmlns:a14="http://schemas.microsoft.com/office/drawing/2010/main" Requires="a14">
+          <p:graphicFrame>
+            <p:nvGraphicFramePr>
+              <p:cNvPr id="4" name="Table 3">
+                <a:extLst>
+                  <a:ext uri="{FF2B5EF4-FFF2-40B4-BE49-F238E27FC236}">
+                    <a16:creationId xmlns:a16="http://schemas.microsoft.com/office/drawing/2014/main" id="{BE7E62D0-D8FB-CAC4-567C-E4F094F13F85}"/>
+                  </a:ext>
+                </a:extLst>
+              </p:cNvPr>
+              <p:cNvGraphicFramePr>
+                <a:graphicFrameLocks noGrp="1"/>
+              </p:cNvGraphicFramePr>
+              <p:nvPr>
+                <p:extLst>
+                  <p:ext uri="{D42A27DB-BD31-4B8C-83A1-F6EECF244321}">
+                    <p14:modId xmlns:p14="http://schemas.microsoft.com/office/powerpoint/2010/main" val="2339465126"/>
+                  </p:ext>
+                </p:extLst>
+              </p:nvPr>
+            </p:nvGraphicFramePr>
+            <p:xfrm>
+              <a:off x="609537" y="2351433"/>
+              <a:ext cx="8032044" cy="3086647"/>
+            </p:xfrm>
+            <a:graphic>
+              <a:graphicData uri="http://schemas.openxmlformats.org/drawingml/2006/table">
+                <a:tbl>
+                  <a:tblPr firstRow="1" firstCol="1" bandRow="1">
+                    <a:tableStyleId>{5C22544A-7EE6-4342-B048-85BDC9FD1C3A}</a:tableStyleId>
+                  </a:tblPr>
+                  <a:tblGrid>
+                    <a:gridCol w="2687011">
+                      <a:extLst>
+                        <a:ext uri="{9D8B030D-6E8A-4147-A177-3AD203B41FA5}">
+                          <a16:colId xmlns:a16="http://schemas.microsoft.com/office/drawing/2014/main" val="2711541917"/>
+                        </a:ext>
+                      </a:extLst>
+                    </a:gridCol>
+                    <a:gridCol w="1401225">
+                      <a:extLst>
+                        <a:ext uri="{9D8B030D-6E8A-4147-A177-3AD203B41FA5}">
+                          <a16:colId xmlns:a16="http://schemas.microsoft.com/office/drawing/2014/main" val="3198005469"/>
+                        </a:ext>
+                      </a:extLst>
+                    </a:gridCol>
+                    <a:gridCol w="1225406">
+                      <a:extLst>
+                        <a:ext uri="{9D8B030D-6E8A-4147-A177-3AD203B41FA5}">
+                          <a16:colId xmlns:a16="http://schemas.microsoft.com/office/drawing/2014/main" val="2259462301"/>
+                        </a:ext>
+                      </a:extLst>
+                    </a:gridCol>
+                    <a:gridCol w="1359201">
+                      <a:extLst>
+                        <a:ext uri="{9D8B030D-6E8A-4147-A177-3AD203B41FA5}">
+                          <a16:colId xmlns:a16="http://schemas.microsoft.com/office/drawing/2014/main" val="3579572261"/>
+                        </a:ext>
+                      </a:extLst>
+                    </a:gridCol>
+                    <a:gridCol w="1359201">
+                      <a:extLst>
+                        <a:ext uri="{9D8B030D-6E8A-4147-A177-3AD203B41FA5}">
+                          <a16:colId xmlns:a16="http://schemas.microsoft.com/office/drawing/2014/main" val="150849855"/>
+                        </a:ext>
+                      </a:extLst>
+                    </a:gridCol>
+                  </a:tblGrid>
+                  <a:tr h="287869">
+                    <a:tc>
+                      <a:txBody>
+                        <a:bodyPr/>
+                        <a:lstStyle/>
+                        <a:p>
+                          <a:pPr marL="347345">
+                            <a:lnSpc>
+                              <a:spcPct val="107000"/>
+                            </a:lnSpc>
+                          </a:pPr>
+                          <a:r>
+                            <a:rPr lang="de-DE" sz="1600" dirty="0">
+                              <a:effectLst/>
+                              <a:latin typeface="Calibri" panose="020F0502020204030204" pitchFamily="34" charset="0"/>
+                              <a:ea typeface="Calibri" panose="020F0502020204030204" pitchFamily="34" charset="0"/>
+                              <a:cs typeface="Calibri" panose="020F0502020204030204" pitchFamily="34" charset="0"/>
+                            </a:rPr>
+                            <a:t>Parameter </a:t>
+                          </a:r>
+                          <a:endParaRPr lang="en-US" sz="1600" dirty="0">
+                            <a:effectLst/>
+                            <a:latin typeface="Calibri" panose="020F0502020204030204" pitchFamily="34" charset="0"/>
+                            <a:ea typeface="Calibri" panose="020F0502020204030204" pitchFamily="34" charset="0"/>
+                            <a:cs typeface="Calibri" panose="020F0502020204030204" pitchFamily="34" charset="0"/>
+                          </a:endParaRPr>
+                        </a:p>
+                      </a:txBody>
+                      <a:tcPr marL="79375" marR="45085" marT="0" marB="0" anchor="ctr"/>
+                    </a:tc>
+                    <a:tc>
+                      <a:txBody>
+                        <a:bodyPr/>
+                        <a:lstStyle/>
+                        <a:p>
+                          <a:pPr marL="79375" algn="ctr">
+                            <a:lnSpc>
+                              <a:spcPct val="107000"/>
+                            </a:lnSpc>
+                          </a:pPr>
+                          <a:r>
+                            <a:rPr lang="de-DE" sz="1600" dirty="0">
+                              <a:effectLst/>
+                              <a:latin typeface="Calibri" panose="020F0502020204030204" pitchFamily="34" charset="0"/>
+                              <a:ea typeface="Calibri" panose="020F0502020204030204" pitchFamily="34" charset="0"/>
+                              <a:cs typeface="Calibri" panose="020F0502020204030204" pitchFamily="34" charset="0"/>
+                            </a:rPr>
+                            <a:t>Symbol </a:t>
+                          </a:r>
+                          <a:endParaRPr lang="en-US" sz="1600" dirty="0">
+                            <a:effectLst/>
+                            <a:latin typeface="Calibri" panose="020F0502020204030204" pitchFamily="34" charset="0"/>
+                            <a:ea typeface="Calibri" panose="020F0502020204030204" pitchFamily="34" charset="0"/>
+                            <a:cs typeface="Calibri" panose="020F0502020204030204" pitchFamily="34" charset="0"/>
+                          </a:endParaRPr>
+                        </a:p>
+                      </a:txBody>
+                      <a:tcPr marL="79375" marR="45085" marT="0" marB="0" anchor="ctr"/>
+                    </a:tc>
+                    <a:tc>
+                      <a:txBody>
+                        <a:bodyPr/>
+                        <a:lstStyle/>
+                        <a:p>
+                          <a:pPr marR="29845" algn="ctr">
+                            <a:lnSpc>
+                              <a:spcPct val="107000"/>
+                            </a:lnSpc>
+                          </a:pPr>
+                          <a:r>
+                            <a:rPr lang="de-DE" sz="1600" dirty="0">
+                              <a:effectLst/>
+                              <a:latin typeface="Calibri" panose="020F0502020204030204" pitchFamily="34" charset="0"/>
+                              <a:ea typeface="Calibri" panose="020F0502020204030204" pitchFamily="34" charset="0"/>
+                              <a:cs typeface="Calibri" panose="020F0502020204030204" pitchFamily="34" charset="0"/>
+                            </a:rPr>
+                            <a:t>Simulink </a:t>
+                          </a:r>
+                          <a:endParaRPr lang="en-US" sz="1600" dirty="0">
+                            <a:effectLst/>
+                            <a:latin typeface="Calibri" panose="020F0502020204030204" pitchFamily="34" charset="0"/>
+                            <a:ea typeface="Calibri" panose="020F0502020204030204" pitchFamily="34" charset="0"/>
+                            <a:cs typeface="Calibri" panose="020F0502020204030204" pitchFamily="34" charset="0"/>
+                          </a:endParaRPr>
+                        </a:p>
+                      </a:txBody>
+                      <a:tcPr marL="79375" marR="45085" marT="0" marB="0" anchor="ctr"/>
+                    </a:tc>
+                    <a:tc>
+                      <a:txBody>
+                        <a:bodyPr/>
+                        <a:lstStyle/>
+                        <a:p>
+                          <a:pPr marL="233045">
+                            <a:lnSpc>
+                              <a:spcPct val="107000"/>
+                            </a:lnSpc>
+                          </a:pPr>
+                          <a:r>
+                            <a:rPr lang="de-DE" sz="1600" dirty="0">
+                              <a:effectLst/>
+                              <a:latin typeface="Calibri" panose="020F0502020204030204" pitchFamily="34" charset="0"/>
+                              <a:ea typeface="Calibri" panose="020F0502020204030204" pitchFamily="34" charset="0"/>
+                              <a:cs typeface="Calibri" panose="020F0502020204030204" pitchFamily="34" charset="0"/>
+                            </a:rPr>
+                            <a:t>Einheit </a:t>
+                          </a:r>
+                          <a:endParaRPr lang="en-US" sz="1600" dirty="0">
+                            <a:effectLst/>
+                            <a:latin typeface="Calibri" panose="020F0502020204030204" pitchFamily="34" charset="0"/>
+                            <a:ea typeface="Calibri" panose="020F0502020204030204" pitchFamily="34" charset="0"/>
+                            <a:cs typeface="Calibri" panose="020F0502020204030204" pitchFamily="34" charset="0"/>
+                          </a:endParaRPr>
+                        </a:p>
+                      </a:txBody>
+                      <a:tcPr marL="79375" marR="45085" marT="0" marB="0" anchor="ctr"/>
+                    </a:tc>
+                    <a:tc>
+                      <a:txBody>
+                        <a:bodyPr/>
+                        <a:lstStyle/>
+                        <a:p>
+                          <a:pPr>
+                            <a:lnSpc>
+                              <a:spcPct val="107000"/>
+                            </a:lnSpc>
+                          </a:pPr>
+                          <a:r>
+                            <a:rPr lang="de-DE" sz="1600" dirty="0">
+                              <a:effectLst/>
+                              <a:latin typeface="Calibri" panose="020F0502020204030204" pitchFamily="34" charset="0"/>
+                              <a:ea typeface="Calibri" panose="020F0502020204030204" pitchFamily="34" charset="0"/>
+                              <a:cs typeface="Calibri" panose="020F0502020204030204" pitchFamily="34" charset="0"/>
+                            </a:rPr>
+                            <a:t>Anfangswert </a:t>
+                          </a:r>
+                          <a:endParaRPr lang="en-US" sz="1600" dirty="0">
+                            <a:effectLst/>
+                            <a:latin typeface="Calibri" panose="020F0502020204030204" pitchFamily="34" charset="0"/>
+                            <a:ea typeface="Calibri" panose="020F0502020204030204" pitchFamily="34" charset="0"/>
+                            <a:cs typeface="Calibri" panose="020F0502020204030204" pitchFamily="34" charset="0"/>
+                          </a:endParaRPr>
+                        </a:p>
+                      </a:txBody>
+                      <a:tcPr marL="79375" marR="45085" marT="0" marB="0" anchor="ctr"/>
+                    </a:tc>
+                    <a:extLst>
+                      <a:ext uri="{0D108BD9-81ED-4DB2-BD59-A6C34878D82A}">
+                        <a16:rowId xmlns:a16="http://schemas.microsoft.com/office/drawing/2014/main" val="1416753681"/>
+                      </a:ext>
+                    </a:extLst>
+                  </a:tr>
+                  <a:tr h="443194">
+                    <a:tc>
+                      <a:txBody>
+                        <a:bodyPr/>
+                        <a:lstStyle/>
+                        <a:p>
+                          <a:pPr marL="262255">
+                            <a:lnSpc>
+                              <a:spcPct val="107000"/>
+                            </a:lnSpc>
+                          </a:pPr>
+                          <a:r>
+                            <a:rPr lang="de-DE" sz="1600" dirty="0">
+                              <a:effectLst/>
+                              <a:latin typeface="Calibri" panose="020F0502020204030204" pitchFamily="34" charset="0"/>
+                              <a:ea typeface="Calibri" panose="020F0502020204030204" pitchFamily="34" charset="0"/>
+                              <a:cs typeface="Calibri" panose="020F0502020204030204" pitchFamily="34" charset="0"/>
+                            </a:rPr>
+                            <a:t>Masse des Ellenbogengelenks</a:t>
+                          </a:r>
+                        </a:p>
+                      </a:txBody>
+                      <a:tcPr marL="79375" marR="45085" marT="0" marB="0" anchor="ctr"/>
+                    </a:tc>
+                    <a:tc>
+                      <a:txBody>
+                        <a:bodyPr/>
+                        <a:lstStyle/>
+                        <a:p>
+                          <a:pPr marL="277495" algn="ctr">
+                            <a:lnSpc>
+                              <a:spcPct val="107000"/>
+                            </a:lnSpc>
+                          </a:pPr>
+                          <a14:m>
+                            <m:oMathPara xmlns:m="http://schemas.openxmlformats.org/officeDocument/2006/math">
+                              <m:oMathParaPr>
+                                <m:jc m:val="centerGroup"/>
+                              </m:oMathParaPr>
+                              <m:oMath xmlns:m="http://schemas.openxmlformats.org/officeDocument/2006/math">
+                                <m:sSub>
+                                  <m:sSubPr>
+                                    <m:ctrlPr>
+                                      <a:rPr lang="de-DE" sz="1600" b="0" i="1" smtClean="0">
+                                        <a:effectLst/>
+                                        <a:latin typeface="Cambria Math" panose="02040503050406030204" pitchFamily="18" charset="0"/>
+                                      </a:rPr>
+                                    </m:ctrlPr>
+                                  </m:sSubPr>
+                                  <m:e>
+                                    <m:r>
+                                      <a:rPr lang="de-DE" sz="1600" b="0" i="1" smtClean="0">
+                                        <a:effectLst/>
+                                        <a:latin typeface="Cambria Math" panose="02040503050406030204" pitchFamily="18" charset="0"/>
+                                      </a:rPr>
+                                      <m:t>𝑚</m:t>
+                                    </m:r>
+                                  </m:e>
+                                  <m:sub>
+                                    <m:r>
+                                      <a:rPr lang="de-DE" sz="1600" b="0" i="1" smtClean="0">
+                                        <a:effectLst/>
+                                        <a:latin typeface="Cambria Math" panose="02040503050406030204" pitchFamily="18" charset="0"/>
+                                      </a:rPr>
+                                      <m:t>1</m:t>
+                                    </m:r>
+                                  </m:sub>
+                                </m:sSub>
+                              </m:oMath>
+                            </m:oMathPara>
+                          </a14:m>
+                          <a:endParaRPr lang="en-US" sz="1600" dirty="0">
+                            <a:effectLst/>
+                            <a:latin typeface="Calibri" panose="020F0502020204030204" pitchFamily="34" charset="0"/>
+                            <a:ea typeface="Calibri" panose="020F0502020204030204" pitchFamily="34" charset="0"/>
+                            <a:cs typeface="Times New Roman" panose="02020603050405020304" pitchFamily="18" charset="0"/>
+                          </a:endParaRPr>
+                        </a:p>
+                      </a:txBody>
+                      <a:tcPr marL="79375" marR="45085" marT="0" marB="0" anchor="ctr"/>
+                    </a:tc>
+                    <a:tc>
+                      <a:txBody>
+                        <a:bodyPr/>
+                        <a:lstStyle/>
+                        <a:p>
+                          <a:pPr marR="33020" algn="ctr">
+                            <a:lnSpc>
+                              <a:spcPct val="107000"/>
+                            </a:lnSpc>
+                          </a:pPr>
+                          <a:r>
+                            <a:rPr lang="de-DE" sz="1600" dirty="0">
+                              <a:effectLst/>
+                            </a:rPr>
+                            <a:t>P_m1</a:t>
+                          </a:r>
+                          <a:endParaRPr lang="en-US" sz="1600" dirty="0">
+                            <a:effectLst/>
+                            <a:latin typeface="Calibri" panose="020F0502020204030204" pitchFamily="34" charset="0"/>
+                            <a:ea typeface="Calibri" panose="020F0502020204030204" pitchFamily="34" charset="0"/>
+                            <a:cs typeface="Times New Roman" panose="02020603050405020304" pitchFamily="18" charset="0"/>
+                          </a:endParaRPr>
+                        </a:p>
+                      </a:txBody>
+                      <a:tcPr marL="79375" marR="45085" marT="0" marB="0" anchor="ctr"/>
+                    </a:tc>
+                    <a:tc>
+                      <a:txBody>
+                        <a:bodyPr/>
+                        <a:lstStyle/>
+                        <a:p>
+                          <a:pPr marL="74295" algn="ctr">
+                            <a:lnSpc>
+                              <a:spcPct val="107000"/>
+                            </a:lnSpc>
+                          </a:pPr>
+                          <a14:m>
+                            <m:oMathPara xmlns:m="http://schemas.openxmlformats.org/officeDocument/2006/math">
+                              <m:oMathParaPr>
+                                <m:jc m:val="centerGroup"/>
+                              </m:oMathParaPr>
+                              <m:oMath xmlns:m="http://schemas.openxmlformats.org/officeDocument/2006/math">
+                                <m:r>
+                                  <a:rPr lang="de-DE" sz="1600" b="0" i="1" smtClean="0">
+                                    <a:effectLst/>
+                                    <a:latin typeface="Cambria Math" panose="02040503050406030204" pitchFamily="18" charset="0"/>
+                                  </a:rPr>
+                                  <m:t>𝑘𝑔</m:t>
+                                </m:r>
+                              </m:oMath>
+                            </m:oMathPara>
+                          </a14:m>
+                          <a:endParaRPr lang="en-US" sz="1600" i="1" dirty="0">
+                            <a:effectLst/>
+                            <a:latin typeface="Calibri" panose="020F0502020204030204" pitchFamily="34" charset="0"/>
+                            <a:ea typeface="Calibri" panose="020F0502020204030204" pitchFamily="34" charset="0"/>
+                            <a:cs typeface="Times New Roman" panose="02020603050405020304" pitchFamily="18" charset="0"/>
+                          </a:endParaRPr>
+                        </a:p>
+                      </a:txBody>
+                      <a:tcPr marL="79375" marR="45085" marT="0" marB="0" anchor="ctr"/>
+                    </a:tc>
+                    <a:tc>
+                      <a:txBody>
+                        <a:bodyPr/>
+                        <a:lstStyle/>
+                        <a:p>
+                          <a:pPr marL="78105" algn="ctr">
+                            <a:lnSpc>
+                              <a:spcPct val="107000"/>
+                            </a:lnSpc>
+                          </a:pPr>
+                          <a14:m>
+                            <m:oMathPara xmlns:m="http://schemas.openxmlformats.org/officeDocument/2006/math">
+                              <m:oMathParaPr>
+                                <m:jc m:val="centerGroup"/>
+                              </m:oMathParaPr>
+                              <m:oMath xmlns:m="http://schemas.openxmlformats.org/officeDocument/2006/math">
+                                <m:r>
+                                  <a:rPr lang="de-DE" sz="1600" b="0" i="0" smtClean="0">
+                                    <a:effectLst/>
+                                    <a:latin typeface="Cambria Math" panose="02040503050406030204" pitchFamily="18" charset="0"/>
+                                  </a:rPr>
+                                  <m:t>10</m:t>
+                                </m:r>
+                              </m:oMath>
+                            </m:oMathPara>
+                          </a14:m>
+                          <a:endParaRPr lang="en-US" sz="1600" dirty="0">
+                            <a:effectLst/>
+                            <a:latin typeface="Calibri" panose="020F0502020204030204" pitchFamily="34" charset="0"/>
+                            <a:ea typeface="Calibri" panose="020F0502020204030204" pitchFamily="34" charset="0"/>
+                            <a:cs typeface="Times New Roman" panose="02020603050405020304" pitchFamily="18" charset="0"/>
+                          </a:endParaRPr>
+                        </a:p>
+                      </a:txBody>
+                      <a:tcPr marL="79375" marR="45085" marT="0" marB="0" anchor="ctr"/>
+                    </a:tc>
+                    <a:extLst>
+                      <a:ext uri="{0D108BD9-81ED-4DB2-BD59-A6C34878D82A}">
+                        <a16:rowId xmlns:a16="http://schemas.microsoft.com/office/drawing/2014/main" val="3382936719"/>
+                      </a:ext>
+                    </a:extLst>
+                  </a:tr>
+                  <a:tr h="515300">
+                    <a:tc>
+                      <a:txBody>
+                        <a:bodyPr/>
+                        <a:lstStyle/>
+                        <a:p>
+                          <a:pPr marL="237490">
+                            <a:lnSpc>
+                              <a:spcPct val="107000"/>
+                            </a:lnSpc>
+                          </a:pPr>
+                          <a:r>
+                            <a:rPr lang="de-DE" sz="1600" dirty="0">
+                              <a:effectLst/>
+                              <a:latin typeface="Calibri" panose="020F0502020204030204" pitchFamily="34" charset="0"/>
+                              <a:ea typeface="Calibri" panose="020F0502020204030204" pitchFamily="34" charset="0"/>
+                              <a:cs typeface="Calibri" panose="020F0502020204030204" pitchFamily="34" charset="0"/>
+                            </a:rPr>
+                            <a:t>Masse des Greifers</a:t>
+                          </a:r>
+                          <a:endParaRPr lang="en-US" sz="1600" dirty="0">
+                            <a:effectLst/>
+                            <a:latin typeface="Calibri" panose="020F0502020204030204" pitchFamily="34" charset="0"/>
+                            <a:ea typeface="Calibri" panose="020F0502020204030204" pitchFamily="34" charset="0"/>
+                            <a:cs typeface="Calibri" panose="020F0502020204030204" pitchFamily="34" charset="0"/>
+                          </a:endParaRPr>
+                        </a:p>
+                      </a:txBody>
+                      <a:tcPr marL="79375" marR="45085" marT="0" marB="0" anchor="ctr"/>
+                    </a:tc>
+                    <a:tc>
+                      <a:txBody>
+                        <a:bodyPr/>
+                        <a:lstStyle/>
+                        <a:p>
+                          <a:pPr marL="277495" algn="ctr">
+                            <a:lnSpc>
+                              <a:spcPct val="107000"/>
+                            </a:lnSpc>
+                          </a:pPr>
+                          <a14:m>
+                            <m:oMathPara xmlns:m="http://schemas.openxmlformats.org/officeDocument/2006/math">
+                              <m:oMathParaPr>
+                                <m:jc m:val="centerGroup"/>
+                              </m:oMathParaPr>
+                              <m:oMath xmlns:m="http://schemas.openxmlformats.org/officeDocument/2006/math">
+                                <m:sSub>
+                                  <m:sSubPr>
+                                    <m:ctrlPr>
+                                      <a:rPr lang="de-DE" sz="1600" b="0" i="1" smtClean="0">
+                                        <a:effectLst/>
+                                        <a:latin typeface="Cambria Math" panose="02040503050406030204" pitchFamily="18" charset="0"/>
+                                      </a:rPr>
+                                    </m:ctrlPr>
+                                  </m:sSubPr>
+                                  <m:e>
+                                    <m:r>
+                                      <a:rPr lang="de-DE" sz="1600" b="0" i="1" smtClean="0">
+                                        <a:effectLst/>
+                                        <a:latin typeface="Cambria Math" panose="02040503050406030204" pitchFamily="18" charset="0"/>
+                                      </a:rPr>
+                                      <m:t>𝑚</m:t>
+                                    </m:r>
+                                  </m:e>
+                                  <m:sub>
+                                    <m:r>
+                                      <a:rPr lang="de-DE" sz="1600" b="0" i="1" smtClean="0">
+                                        <a:effectLst/>
+                                        <a:latin typeface="Cambria Math" panose="02040503050406030204" pitchFamily="18" charset="0"/>
+                                      </a:rPr>
+                                      <m:t>2</m:t>
+                                    </m:r>
+                                  </m:sub>
+                                </m:sSub>
+                              </m:oMath>
+                            </m:oMathPara>
+                          </a14:m>
+                          <a:endParaRPr lang="en-US" sz="1600" dirty="0">
+                            <a:effectLst/>
+                            <a:latin typeface="Calibri" panose="020F0502020204030204" pitchFamily="34" charset="0"/>
+                            <a:ea typeface="Calibri" panose="020F0502020204030204" pitchFamily="34" charset="0"/>
+                            <a:cs typeface="Times New Roman" panose="02020603050405020304" pitchFamily="18" charset="0"/>
+                          </a:endParaRPr>
+                        </a:p>
+                      </a:txBody>
+                      <a:tcPr marL="79375" marR="45085" marT="0" marB="0" anchor="ctr"/>
+                    </a:tc>
+                    <a:tc>
+                      <a:txBody>
+                        <a:bodyPr/>
+                        <a:lstStyle/>
+                        <a:p>
+                          <a:pPr marR="33020" algn="ctr">
+                            <a:lnSpc>
+                              <a:spcPct val="107000"/>
+                            </a:lnSpc>
+                          </a:pPr>
+                          <a:r>
+                            <a:rPr lang="de-DE" sz="1600" dirty="0">
+                              <a:effectLst/>
+                            </a:rPr>
+                            <a:t>P_m2</a:t>
+                          </a:r>
+                          <a:endParaRPr lang="en-US" sz="1600" dirty="0">
+                            <a:effectLst/>
+                            <a:latin typeface="Calibri" panose="020F0502020204030204" pitchFamily="34" charset="0"/>
+                            <a:ea typeface="Calibri" panose="020F0502020204030204" pitchFamily="34" charset="0"/>
+                            <a:cs typeface="Times New Roman" panose="02020603050405020304" pitchFamily="18" charset="0"/>
+                          </a:endParaRPr>
+                        </a:p>
+                      </a:txBody>
+                      <a:tcPr marL="79375" marR="45085" marT="0" marB="0" anchor="ctr"/>
+                    </a:tc>
+                    <a:tc>
+                      <a:txBody>
+                        <a:bodyPr/>
+                        <a:lstStyle/>
+                        <a:p>
+                          <a:pPr marL="74295" algn="ctr">
+                            <a:lnSpc>
+                              <a:spcPct val="107000"/>
+                            </a:lnSpc>
+                          </a:pPr>
+                          <a14:m>
+                            <m:oMathPara xmlns:m="http://schemas.openxmlformats.org/officeDocument/2006/math">
+                              <m:oMathParaPr>
+                                <m:jc m:val="centerGroup"/>
+                              </m:oMathParaPr>
+                              <m:oMath xmlns:m="http://schemas.openxmlformats.org/officeDocument/2006/math">
+                                <m:r>
+                                  <a:rPr lang="de-DE" sz="1600" b="0" i="1" smtClean="0">
+                                    <a:effectLst/>
+                                    <a:latin typeface="Cambria Math" panose="02040503050406030204" pitchFamily="18" charset="0"/>
+                                  </a:rPr>
+                                  <m:t>𝑘𝑔</m:t>
+                                </m:r>
+                              </m:oMath>
+                            </m:oMathPara>
+                          </a14:m>
+                          <a:endParaRPr lang="en-US" sz="1600" i="1" dirty="0">
+                            <a:effectLst/>
+                            <a:latin typeface="Calibri" panose="020F0502020204030204" pitchFamily="34" charset="0"/>
+                            <a:ea typeface="Calibri" panose="020F0502020204030204" pitchFamily="34" charset="0"/>
+                            <a:cs typeface="Times New Roman" panose="02020603050405020304" pitchFamily="18" charset="0"/>
+                          </a:endParaRPr>
+                        </a:p>
+                      </a:txBody>
+                      <a:tcPr marL="79375" marR="45085" marT="0" marB="0" anchor="ctr"/>
+                    </a:tc>
+                    <a:tc>
+                      <a:txBody>
+                        <a:bodyPr/>
+                        <a:lstStyle/>
+                        <a:p>
+                          <a:pPr marL="78105" algn="ctr">
+                            <a:lnSpc>
+                              <a:spcPct val="107000"/>
+                            </a:lnSpc>
+                          </a:pPr>
+                          <a14:m>
+                            <m:oMathPara xmlns:m="http://schemas.openxmlformats.org/officeDocument/2006/math">
+                              <m:oMathParaPr>
+                                <m:jc m:val="centerGroup"/>
+                              </m:oMathParaPr>
+                              <m:oMath xmlns:m="http://schemas.openxmlformats.org/officeDocument/2006/math">
+                                <m:r>
+                                  <a:rPr lang="de-DE" sz="1600" b="0" i="0" smtClean="0">
+                                    <a:effectLst/>
+                                    <a:latin typeface="Cambria Math" panose="02040503050406030204" pitchFamily="18" charset="0"/>
+                                  </a:rPr>
+                                  <m:t>10</m:t>
+                                </m:r>
+                              </m:oMath>
+                            </m:oMathPara>
+                          </a14:m>
+                          <a:endParaRPr lang="en-US" sz="1600" dirty="0">
+                            <a:effectLst/>
+                            <a:latin typeface="Calibri" panose="020F0502020204030204" pitchFamily="34" charset="0"/>
+                            <a:ea typeface="Calibri" panose="020F0502020204030204" pitchFamily="34" charset="0"/>
+                            <a:cs typeface="Times New Roman" panose="02020603050405020304" pitchFamily="18" charset="0"/>
+                          </a:endParaRPr>
+                        </a:p>
+                      </a:txBody>
+                      <a:tcPr marL="79375" marR="45085" marT="0" marB="0" anchor="ctr"/>
+                    </a:tc>
+                    <a:extLst>
+                      <a:ext uri="{0D108BD9-81ED-4DB2-BD59-A6C34878D82A}">
+                        <a16:rowId xmlns:a16="http://schemas.microsoft.com/office/drawing/2014/main" val="3670990872"/>
+                      </a:ext>
+                    </a:extLst>
+                  </a:tr>
+                  <a:tr h="591085">
+                    <a:tc>
+                      <a:txBody>
+                        <a:bodyPr/>
+                        <a:lstStyle/>
+                        <a:p>
+                          <a:pPr marL="102235" algn="ctr">
+                            <a:lnSpc>
+                              <a:spcPct val="107000"/>
+                            </a:lnSpc>
+                          </a:pPr>
+                          <a:r>
+                            <a:rPr lang="de-DE" sz="1600" dirty="0">
+                              <a:effectLst/>
+                              <a:latin typeface="Calibri" panose="020F0502020204030204" pitchFamily="34" charset="0"/>
+                              <a:ea typeface="Calibri" panose="020F0502020204030204" pitchFamily="34" charset="0"/>
+                              <a:cs typeface="Calibri" panose="020F0502020204030204" pitchFamily="34" charset="0"/>
+                            </a:rPr>
+                            <a:t>Länge des Oberarms</a:t>
+                          </a:r>
+                          <a:endParaRPr lang="en-US" sz="1600" dirty="0">
+                            <a:effectLst/>
+                            <a:latin typeface="Calibri" panose="020F0502020204030204" pitchFamily="34" charset="0"/>
+                            <a:ea typeface="Calibri" panose="020F0502020204030204" pitchFamily="34" charset="0"/>
+                            <a:cs typeface="Calibri" panose="020F0502020204030204" pitchFamily="34" charset="0"/>
+                          </a:endParaRPr>
+                        </a:p>
+                      </a:txBody>
+                      <a:tcPr marL="79375" marR="45085" marT="0" marB="0" anchor="ctr"/>
+                    </a:tc>
+                    <a:tc>
+                      <a:txBody>
+                        <a:bodyPr/>
+                        <a:lstStyle/>
+                        <a:p>
+                          <a:pPr marL="275590" algn="ctr">
+                            <a:lnSpc>
+                              <a:spcPct val="107000"/>
+                            </a:lnSpc>
+                          </a:pPr>
+                          <a14:m>
+                            <m:oMathPara xmlns:m="http://schemas.openxmlformats.org/officeDocument/2006/math">
+                              <m:oMathParaPr>
+                                <m:jc m:val="centerGroup"/>
+                              </m:oMathParaPr>
+                              <m:oMath xmlns:m="http://schemas.openxmlformats.org/officeDocument/2006/math">
+                                <m:sSub>
+                                  <m:sSubPr>
+                                    <m:ctrlPr>
+                                      <a:rPr lang="de-DE" sz="1600" b="0" i="1" smtClean="0">
+                                        <a:effectLst/>
+                                        <a:latin typeface="Cambria Math" panose="02040503050406030204" pitchFamily="18" charset="0"/>
+                                      </a:rPr>
+                                    </m:ctrlPr>
+                                  </m:sSubPr>
+                                  <m:e>
+                                    <m:r>
+                                      <a:rPr lang="de-DE" sz="1600" b="0" i="1" smtClean="0">
+                                        <a:effectLst/>
+                                        <a:latin typeface="Cambria Math" panose="02040503050406030204" pitchFamily="18" charset="0"/>
+                                      </a:rPr>
+                                      <m:t>𝑙</m:t>
+                                    </m:r>
+                                  </m:e>
+                                  <m:sub>
+                                    <m:r>
+                                      <a:rPr lang="de-DE" sz="1600" b="0" i="1" smtClean="0">
+                                        <a:effectLst/>
+                                        <a:latin typeface="Cambria Math" panose="02040503050406030204" pitchFamily="18" charset="0"/>
+                                      </a:rPr>
+                                      <m:t>1</m:t>
+                                    </m:r>
+                                  </m:sub>
+                                </m:sSub>
+                              </m:oMath>
+                            </m:oMathPara>
+                          </a14:m>
+                          <a:endParaRPr lang="en-US" sz="1600" dirty="0">
+                            <a:effectLst/>
+                            <a:latin typeface="Calibri" panose="020F0502020204030204" pitchFamily="34" charset="0"/>
+                            <a:ea typeface="Calibri" panose="020F0502020204030204" pitchFamily="34" charset="0"/>
+                            <a:cs typeface="Times New Roman" panose="02020603050405020304" pitchFamily="18" charset="0"/>
+                          </a:endParaRPr>
+                        </a:p>
+                      </a:txBody>
+                      <a:tcPr marL="79375" marR="45085" marT="0" marB="0" anchor="ctr"/>
+                    </a:tc>
+                    <a:tc>
+                      <a:txBody>
+                        <a:bodyPr/>
+                        <a:lstStyle/>
+                        <a:p>
+                          <a:pPr marR="33020" algn="ctr">
+                            <a:lnSpc>
+                              <a:spcPct val="107000"/>
+                            </a:lnSpc>
+                          </a:pPr>
+                          <a:r>
+                            <a:rPr lang="de-DE" sz="1600" dirty="0">
+                              <a:effectLst/>
+                            </a:rPr>
+                            <a:t>P_l1</a:t>
+                          </a:r>
+                          <a:endParaRPr lang="en-US" sz="1600" dirty="0">
+                            <a:effectLst/>
+                            <a:latin typeface="Calibri" panose="020F0502020204030204" pitchFamily="34" charset="0"/>
+                            <a:ea typeface="Calibri" panose="020F0502020204030204" pitchFamily="34" charset="0"/>
+                            <a:cs typeface="Times New Roman" panose="02020603050405020304" pitchFamily="18" charset="0"/>
+                          </a:endParaRPr>
+                        </a:p>
+                      </a:txBody>
+                      <a:tcPr marL="79375" marR="45085" marT="0" marB="0" anchor="ctr"/>
+                    </a:tc>
+                    <a:tc>
+                      <a:txBody>
+                        <a:bodyPr/>
+                        <a:lstStyle/>
+                        <a:p>
+                          <a:pPr marL="74930" algn="ctr">
+                            <a:lnSpc>
+                              <a:spcPct val="107000"/>
+                            </a:lnSpc>
+                          </a:pPr>
+                          <a14:m>
+                            <m:oMathPara xmlns:m="http://schemas.openxmlformats.org/officeDocument/2006/math">
+                              <m:oMathParaPr>
+                                <m:jc m:val="centerGroup"/>
+                              </m:oMathParaPr>
+                              <m:oMath xmlns:m="http://schemas.openxmlformats.org/officeDocument/2006/math">
+                                <m:r>
+                                  <a:rPr lang="de-DE" sz="1600" b="0" i="1" smtClean="0">
+                                    <a:effectLst/>
+                                    <a:latin typeface="Cambria Math" panose="02040503050406030204" pitchFamily="18" charset="0"/>
+                                  </a:rPr>
+                                  <m:t>𝑚</m:t>
+                                </m:r>
+                              </m:oMath>
+                            </m:oMathPara>
+                          </a14:m>
+                          <a:endParaRPr lang="en-US" sz="1600" dirty="0">
+                            <a:effectLst/>
+                            <a:latin typeface="Calibri" panose="020F0502020204030204" pitchFamily="34" charset="0"/>
+                            <a:ea typeface="Calibri" panose="020F0502020204030204" pitchFamily="34" charset="0"/>
+                            <a:cs typeface="Times New Roman" panose="02020603050405020304" pitchFamily="18" charset="0"/>
+                          </a:endParaRPr>
+                        </a:p>
+                      </a:txBody>
+                      <a:tcPr marL="79375" marR="45085" marT="0" marB="0" anchor="ctr"/>
+                    </a:tc>
+                    <a:tc>
+                      <a:txBody>
+                        <a:bodyPr/>
+                        <a:lstStyle/>
+                        <a:p>
+                          <a:pPr marL="178435" algn="ctr">
+                            <a:lnSpc>
+                              <a:spcPct val="107000"/>
+                            </a:lnSpc>
+                          </a:pPr>
+                          <a14:m>
+                            <m:oMathPara xmlns:m="http://schemas.openxmlformats.org/officeDocument/2006/math">
+                              <m:oMathParaPr>
+                                <m:jc m:val="centerGroup"/>
+                              </m:oMathParaPr>
+                              <m:oMath xmlns:m="http://schemas.openxmlformats.org/officeDocument/2006/math">
+                                <m:r>
+                                  <a:rPr lang="de-DE" sz="1600" b="0" i="1" smtClean="0">
+                                    <a:effectLst/>
+                                    <a:latin typeface="Cambria Math" panose="02040503050406030204" pitchFamily="18" charset="0"/>
+                                  </a:rPr>
+                                  <m:t>0.8</m:t>
+                                </m:r>
+                              </m:oMath>
+                            </m:oMathPara>
+                          </a14:m>
+                          <a:endParaRPr lang="en-US" sz="1600" dirty="0">
+                            <a:effectLst/>
+                            <a:latin typeface="Calibri" panose="020F0502020204030204" pitchFamily="34" charset="0"/>
+                            <a:ea typeface="Calibri" panose="020F0502020204030204" pitchFamily="34" charset="0"/>
+                            <a:cs typeface="Times New Roman" panose="02020603050405020304" pitchFamily="18" charset="0"/>
+                          </a:endParaRPr>
+                        </a:p>
+                      </a:txBody>
+                      <a:tcPr marL="79375" marR="45085" marT="0" marB="0" anchor="ctr"/>
+                    </a:tc>
+                    <a:extLst>
+                      <a:ext uri="{0D108BD9-81ED-4DB2-BD59-A6C34878D82A}">
+                        <a16:rowId xmlns:a16="http://schemas.microsoft.com/office/drawing/2014/main" val="1189193625"/>
+                      </a:ext>
+                    </a:extLst>
+                  </a:tr>
+                  <a:tr h="591085">
+                    <a:tc>
+                      <a:txBody>
+                        <a:bodyPr/>
+                        <a:lstStyle/>
+                        <a:p>
+                          <a:pPr marL="102235" algn="ctr">
+                            <a:lnSpc>
+                              <a:spcPct val="107000"/>
+                            </a:lnSpc>
+                          </a:pPr>
+                          <a:r>
+                            <a:rPr lang="de-DE" sz="1600" dirty="0">
+                              <a:effectLst/>
+                              <a:latin typeface="Calibri" panose="020F0502020204030204" pitchFamily="34" charset="0"/>
+                              <a:ea typeface="Calibri" panose="020F0502020204030204" pitchFamily="34" charset="0"/>
+                              <a:cs typeface="Calibri" panose="020F0502020204030204" pitchFamily="34" charset="0"/>
+                            </a:rPr>
+                            <a:t>Länge des Unterarms</a:t>
+                          </a:r>
+                          <a:endParaRPr lang="en-US" sz="1600" dirty="0">
+                            <a:effectLst/>
+                            <a:latin typeface="Calibri" panose="020F0502020204030204" pitchFamily="34" charset="0"/>
+                            <a:ea typeface="Calibri" panose="020F0502020204030204" pitchFamily="34" charset="0"/>
+                            <a:cs typeface="Calibri" panose="020F0502020204030204" pitchFamily="34" charset="0"/>
+                          </a:endParaRPr>
+                        </a:p>
+                      </a:txBody>
+                      <a:tcPr marL="79375" marR="45085" marT="0" marB="0" anchor="ctr"/>
+                    </a:tc>
+                    <a:tc>
+                      <a:txBody>
+                        <a:bodyPr/>
+                        <a:lstStyle/>
+                        <a:p>
+                          <a:pPr marL="275590" algn="ctr">
+                            <a:lnSpc>
+                              <a:spcPct val="107000"/>
+                            </a:lnSpc>
+                          </a:pPr>
+                          <a14:m>
+                            <m:oMathPara xmlns:m="http://schemas.openxmlformats.org/officeDocument/2006/math">
+                              <m:oMathParaPr>
+                                <m:jc m:val="centerGroup"/>
+                              </m:oMathParaPr>
+                              <m:oMath xmlns:m="http://schemas.openxmlformats.org/officeDocument/2006/math">
+                                <m:sSub>
+                                  <m:sSubPr>
+                                    <m:ctrlPr>
+                                      <a:rPr lang="de-DE" sz="1600" b="0" i="1" smtClean="0">
+                                        <a:effectLst/>
+                                        <a:latin typeface="Cambria Math" panose="02040503050406030204" pitchFamily="18" charset="0"/>
+                                      </a:rPr>
+                                    </m:ctrlPr>
+                                  </m:sSubPr>
+                                  <m:e>
+                                    <m:r>
+                                      <a:rPr lang="de-DE" sz="1600" b="0" i="1" smtClean="0">
+                                        <a:effectLst/>
+                                        <a:latin typeface="Cambria Math" panose="02040503050406030204" pitchFamily="18" charset="0"/>
+                                      </a:rPr>
+                                      <m:t>𝑙</m:t>
+                                    </m:r>
+                                  </m:e>
+                                  <m:sub>
+                                    <m:r>
+                                      <a:rPr lang="de-DE" sz="1600" b="0" i="1" smtClean="0">
+                                        <a:effectLst/>
+                                        <a:latin typeface="Cambria Math" panose="02040503050406030204" pitchFamily="18" charset="0"/>
+                                      </a:rPr>
+                                      <m:t>2</m:t>
+                                    </m:r>
+                                  </m:sub>
+                                </m:sSub>
+                              </m:oMath>
+                            </m:oMathPara>
+                          </a14:m>
+                          <a:endParaRPr lang="en-US" sz="1600" dirty="0">
+                            <a:effectLst/>
+                            <a:latin typeface="Calibri" panose="020F0502020204030204" pitchFamily="34" charset="0"/>
+                            <a:ea typeface="Calibri" panose="020F0502020204030204" pitchFamily="34" charset="0"/>
+                            <a:cs typeface="Times New Roman" panose="02020603050405020304" pitchFamily="18" charset="0"/>
+                          </a:endParaRPr>
+                        </a:p>
+                      </a:txBody>
+                      <a:tcPr marL="79375" marR="45085" marT="0" marB="0" anchor="ctr"/>
+                    </a:tc>
+                    <a:tc>
+                      <a:txBody>
+                        <a:bodyPr/>
+                        <a:lstStyle/>
+                        <a:p>
+                          <a:pPr marR="33020" algn="ctr">
+                            <a:lnSpc>
+                              <a:spcPct val="107000"/>
+                            </a:lnSpc>
+                          </a:pPr>
+                          <a:r>
+                            <a:rPr lang="de-DE" sz="1600" dirty="0">
+                              <a:effectLst/>
+                            </a:rPr>
+                            <a:t>P_l2</a:t>
+                          </a:r>
+                          <a:endParaRPr lang="en-US" sz="1600" dirty="0">
+                            <a:effectLst/>
+                            <a:latin typeface="Calibri" panose="020F0502020204030204" pitchFamily="34" charset="0"/>
+                            <a:ea typeface="Calibri" panose="020F0502020204030204" pitchFamily="34" charset="0"/>
+                            <a:cs typeface="Times New Roman" panose="02020603050405020304" pitchFamily="18" charset="0"/>
+                          </a:endParaRPr>
+                        </a:p>
+                      </a:txBody>
+                      <a:tcPr marL="79375" marR="45085" marT="0" marB="0" anchor="ctr"/>
+                    </a:tc>
+                    <a:tc>
+                      <a:txBody>
+                        <a:bodyPr/>
+                        <a:lstStyle/>
+                        <a:p>
+                          <a:pPr marL="74930" algn="ctr">
+                            <a:lnSpc>
+                              <a:spcPct val="107000"/>
+                            </a:lnSpc>
+                          </a:pPr>
+                          <a14:m>
+                            <m:oMathPara xmlns:m="http://schemas.openxmlformats.org/officeDocument/2006/math">
+                              <m:oMathParaPr>
+                                <m:jc m:val="centerGroup"/>
+                              </m:oMathParaPr>
+                              <m:oMath xmlns:m="http://schemas.openxmlformats.org/officeDocument/2006/math">
+                                <m:r>
+                                  <a:rPr lang="de-DE" sz="1600" b="0" i="1" smtClean="0">
+                                    <a:effectLst/>
+                                    <a:latin typeface="Cambria Math" panose="02040503050406030204" pitchFamily="18" charset="0"/>
+                                  </a:rPr>
+                                  <m:t>𝑚</m:t>
+                                </m:r>
+                              </m:oMath>
+                            </m:oMathPara>
+                          </a14:m>
+                          <a:endParaRPr lang="en-US" sz="1600" dirty="0">
+                            <a:effectLst/>
+                            <a:latin typeface="Calibri" panose="020F0502020204030204" pitchFamily="34" charset="0"/>
+                            <a:ea typeface="Calibri" panose="020F0502020204030204" pitchFamily="34" charset="0"/>
+                            <a:cs typeface="Times New Roman" panose="02020603050405020304" pitchFamily="18" charset="0"/>
+                          </a:endParaRPr>
+                        </a:p>
+                      </a:txBody>
+                      <a:tcPr marL="79375" marR="45085" marT="0" marB="0" anchor="ctr"/>
+                    </a:tc>
+                    <a:tc>
+                      <a:txBody>
+                        <a:bodyPr/>
+                        <a:lstStyle/>
+                        <a:p>
+                          <a:pPr marL="178435" algn="ctr">
+                            <a:lnSpc>
+                              <a:spcPct val="107000"/>
+                            </a:lnSpc>
+                          </a:pPr>
+                          <a14:m>
+                            <m:oMathPara xmlns:m="http://schemas.openxmlformats.org/officeDocument/2006/math">
+                              <m:oMathParaPr>
+                                <m:jc m:val="centerGroup"/>
+                              </m:oMathParaPr>
+                              <m:oMath xmlns:m="http://schemas.openxmlformats.org/officeDocument/2006/math">
+                                <m:r>
+                                  <a:rPr lang="de-DE" sz="1600" b="0" i="1" smtClean="0">
+                                    <a:effectLst/>
+                                    <a:latin typeface="Cambria Math" panose="02040503050406030204" pitchFamily="18" charset="0"/>
+                                  </a:rPr>
+                                  <m:t>0.7</m:t>
+                                </m:r>
+                              </m:oMath>
+                            </m:oMathPara>
+                          </a14:m>
+                          <a:endParaRPr lang="en-US" sz="1600" dirty="0">
+                            <a:effectLst/>
+                            <a:latin typeface="Calibri" panose="020F0502020204030204" pitchFamily="34" charset="0"/>
+                            <a:ea typeface="Calibri" panose="020F0502020204030204" pitchFamily="34" charset="0"/>
+                            <a:cs typeface="Times New Roman" panose="02020603050405020304" pitchFamily="18" charset="0"/>
+                          </a:endParaRPr>
+                        </a:p>
+                      </a:txBody>
+                      <a:tcPr marL="79375" marR="45085" marT="0" marB="0" anchor="ctr"/>
+                    </a:tc>
+                    <a:extLst>
+                      <a:ext uri="{0D108BD9-81ED-4DB2-BD59-A6C34878D82A}">
+                        <a16:rowId xmlns:a16="http://schemas.microsoft.com/office/drawing/2014/main" val="3110768392"/>
+                      </a:ext>
+                    </a:extLst>
+                  </a:tr>
+                  <a:tr h="591085">
+                    <a:tc>
+                      <a:txBody>
+                        <a:bodyPr/>
+                        <a:lstStyle/>
+                        <a:p>
+                          <a:pPr marL="102235" algn="ctr">
+                            <a:lnSpc>
+                              <a:spcPct val="107000"/>
+                            </a:lnSpc>
+                          </a:pPr>
+                          <a:r>
+                            <a:rPr lang="de-DE" sz="1600" dirty="0">
+                              <a:effectLst/>
+                              <a:latin typeface="Calibri" panose="020F0502020204030204" pitchFamily="34" charset="0"/>
+                              <a:ea typeface="Calibri" panose="020F0502020204030204" pitchFamily="34" charset="0"/>
+                              <a:cs typeface="Times New Roman" panose="02020603050405020304" pitchFamily="18" charset="0"/>
+                            </a:rPr>
+                            <a:t>Schwerkraft</a:t>
+                          </a:r>
+                          <a:endParaRPr lang="en-US" sz="1600" dirty="0">
+                            <a:effectLst/>
+                            <a:latin typeface="Calibri" panose="020F0502020204030204" pitchFamily="34" charset="0"/>
+                            <a:ea typeface="Calibri" panose="020F0502020204030204" pitchFamily="34" charset="0"/>
+                            <a:cs typeface="Times New Roman" panose="02020603050405020304" pitchFamily="18" charset="0"/>
+                          </a:endParaRPr>
+                        </a:p>
+                      </a:txBody>
+                      <a:tcPr marL="79375" marR="45085" marT="0" marB="0" anchor="ctr"/>
+                    </a:tc>
+                    <a:tc>
+                      <a:txBody>
+                        <a:bodyPr/>
+                        <a:lstStyle/>
+                        <a:p>
+                          <a:pPr marL="275590" algn="ctr">
+                            <a:lnSpc>
+                              <a:spcPct val="107000"/>
+                            </a:lnSpc>
+                          </a:pPr>
+                          <a14:m>
+                            <m:oMathPara xmlns:m="http://schemas.openxmlformats.org/officeDocument/2006/math">
+                              <m:oMathParaPr>
+                                <m:jc m:val="centerGroup"/>
+                              </m:oMathParaPr>
+                              <m:oMath xmlns:m="http://schemas.openxmlformats.org/officeDocument/2006/math">
+                                <m:r>
+                                  <a:rPr lang="de-DE" sz="1600" b="0" i="1" smtClean="0">
+                                    <a:effectLst/>
+                                    <a:latin typeface="Cambria Math" panose="02040503050406030204" pitchFamily="18" charset="0"/>
+                                  </a:rPr>
+                                  <m:t>𝑔</m:t>
+                                </m:r>
+                              </m:oMath>
+                            </m:oMathPara>
+                          </a14:m>
+                          <a:endParaRPr lang="en-US" sz="1600" i="1" dirty="0">
+                            <a:effectLst/>
+                            <a:latin typeface="Cambria Math" panose="02040503050406030204" pitchFamily="18" charset="0"/>
+                            <a:ea typeface="Cambria Math" panose="02040503050406030204" pitchFamily="18" charset="0"/>
+                            <a:cs typeface="Times New Roman" panose="02020603050405020304" pitchFamily="18" charset="0"/>
+                          </a:endParaRPr>
+                        </a:p>
+                      </a:txBody>
+                      <a:tcPr marL="79375" marR="45085" marT="0" marB="0" anchor="ctr"/>
+                    </a:tc>
+                    <a:tc>
+                      <a:txBody>
+                        <a:bodyPr/>
+                        <a:lstStyle/>
+                        <a:p>
+                          <a:pPr marR="33020" algn="ctr">
+                            <a:lnSpc>
+                              <a:spcPct val="107000"/>
+                            </a:lnSpc>
+                          </a:pPr>
+                          <a:r>
+                            <a:rPr lang="de-DE" sz="1600" dirty="0" err="1">
+                              <a:effectLst/>
+                            </a:rPr>
+                            <a:t>P_g</a:t>
+                          </a:r>
+                          <a:endParaRPr lang="en-US" sz="1600" dirty="0">
+                            <a:effectLst/>
+                            <a:latin typeface="Calibri" panose="020F0502020204030204" pitchFamily="34" charset="0"/>
+                            <a:ea typeface="Calibri" panose="020F0502020204030204" pitchFamily="34" charset="0"/>
+                            <a:cs typeface="Times New Roman" panose="02020603050405020304" pitchFamily="18" charset="0"/>
+                          </a:endParaRPr>
+                        </a:p>
+                      </a:txBody>
+                      <a:tcPr marL="79375" marR="45085" marT="0" marB="0" anchor="ctr"/>
+                    </a:tc>
+                    <a:tc>
+                      <a:txBody>
+                        <a:bodyPr/>
+                        <a:lstStyle/>
+                        <a:p>
+                          <a:pPr marL="74930" algn="ctr">
+                            <a:lnSpc>
+                              <a:spcPct val="107000"/>
+                            </a:lnSpc>
+                          </a:pPr>
+                          <a14:m>
+                            <m:oMathPara xmlns:m="http://schemas.openxmlformats.org/officeDocument/2006/math">
+                              <m:oMathParaPr>
+                                <m:jc m:val="centerGroup"/>
+                              </m:oMathParaPr>
+                              <m:oMath xmlns:m="http://schemas.openxmlformats.org/officeDocument/2006/math">
+                                <m:f>
+                                  <m:fPr>
+                                    <m:ctrlPr>
+                                      <a:rPr lang="de-DE" sz="1600" b="0" i="1" smtClean="0">
+                                        <a:effectLst/>
+                                        <a:latin typeface="Cambria Math" panose="02040503050406030204" pitchFamily="18" charset="0"/>
+                                        <a:ea typeface="Calibri" panose="020F0502020204030204" pitchFamily="34" charset="0"/>
+                                        <a:cs typeface="Times New Roman" panose="02020603050405020304" pitchFamily="18" charset="0"/>
+                                      </a:rPr>
+                                    </m:ctrlPr>
+                                  </m:fPr>
+                                  <m:num>
+                                    <m:r>
+                                      <a:rPr lang="de-DE" sz="1600" b="0" i="1" smtClean="0">
+                                        <a:effectLst/>
+                                        <a:latin typeface="Cambria Math" panose="02040503050406030204" pitchFamily="18" charset="0"/>
+                                        <a:ea typeface="Calibri" panose="020F0502020204030204" pitchFamily="34" charset="0"/>
+                                        <a:cs typeface="Times New Roman" panose="02020603050405020304" pitchFamily="18" charset="0"/>
+                                      </a:rPr>
+                                      <m:t>𝑚</m:t>
+                                    </m:r>
+                                  </m:num>
+                                  <m:den>
+                                    <m:sSup>
+                                      <m:sSupPr>
+                                        <m:ctrlPr>
+                                          <a:rPr lang="de-DE" sz="1600" b="0" i="1" smtClean="0">
+                                            <a:effectLst/>
+                                            <a:latin typeface="Cambria Math" panose="02040503050406030204" pitchFamily="18" charset="0"/>
+                                            <a:ea typeface="Calibri" panose="020F0502020204030204" pitchFamily="34" charset="0"/>
+                                            <a:cs typeface="Times New Roman" panose="02020603050405020304" pitchFamily="18" charset="0"/>
+                                          </a:rPr>
+                                        </m:ctrlPr>
+                                      </m:sSupPr>
+                                      <m:e>
+                                        <m:r>
+                                          <a:rPr lang="de-DE" sz="1600" b="0" i="1" smtClean="0">
+                                            <a:effectLst/>
+                                            <a:latin typeface="Cambria Math" panose="02040503050406030204" pitchFamily="18" charset="0"/>
+                                            <a:ea typeface="Calibri" panose="020F0502020204030204" pitchFamily="34" charset="0"/>
+                                            <a:cs typeface="Times New Roman" panose="02020603050405020304" pitchFamily="18" charset="0"/>
+                                          </a:rPr>
+                                          <m:t>𝑠</m:t>
+                                        </m:r>
+                                      </m:e>
+                                      <m:sup>
+                                        <m:r>
+                                          <a:rPr lang="de-DE" sz="1600" b="0" i="1" smtClean="0">
+                                            <a:effectLst/>
+                                            <a:latin typeface="Cambria Math" panose="02040503050406030204" pitchFamily="18" charset="0"/>
+                                            <a:ea typeface="Calibri" panose="020F0502020204030204" pitchFamily="34" charset="0"/>
+                                            <a:cs typeface="Times New Roman" panose="02020603050405020304" pitchFamily="18" charset="0"/>
+                                          </a:rPr>
+                                          <m:t>2</m:t>
+                                        </m:r>
+                                      </m:sup>
+                                    </m:sSup>
+                                  </m:den>
+                                </m:f>
+                              </m:oMath>
+                            </m:oMathPara>
+                          </a14:m>
+                          <a:endParaRPr lang="en-US" sz="1600" dirty="0">
+                            <a:effectLst/>
+                            <a:latin typeface="Calibri" panose="020F0502020204030204" pitchFamily="34" charset="0"/>
+                            <a:ea typeface="Calibri" panose="020F0502020204030204" pitchFamily="34" charset="0"/>
+                            <a:cs typeface="Times New Roman" panose="02020603050405020304" pitchFamily="18" charset="0"/>
+                          </a:endParaRPr>
+                        </a:p>
+                      </a:txBody>
+                      <a:tcPr marL="79375" marR="45085" marT="0" marB="0" anchor="ctr"/>
+                    </a:tc>
+                    <a:tc>
+                      <a:txBody>
+                        <a:bodyPr/>
+                        <a:lstStyle/>
+                        <a:p>
+                          <a:pPr marL="178435" algn="ctr">
+                            <a:lnSpc>
+                              <a:spcPct val="107000"/>
+                            </a:lnSpc>
+                          </a:pPr>
+                          <a14:m>
+                            <m:oMathPara xmlns:m="http://schemas.openxmlformats.org/officeDocument/2006/math">
+                              <m:oMathParaPr>
+                                <m:jc m:val="centerGroup"/>
+                              </m:oMathParaPr>
+                              <m:oMath xmlns:m="http://schemas.openxmlformats.org/officeDocument/2006/math">
+                                <m:r>
+                                  <a:rPr lang="de-DE" sz="1600" b="0" i="1" smtClean="0">
+                                    <a:effectLst/>
+                                    <a:latin typeface="Cambria Math" panose="02040503050406030204" pitchFamily="18" charset="0"/>
+                                  </a:rPr>
+                                  <m:t>9.81</m:t>
+                                </m:r>
+                              </m:oMath>
+                            </m:oMathPara>
+                          </a14:m>
+                          <a:endParaRPr lang="en-US" sz="1600" dirty="0">
+                            <a:effectLst/>
+                            <a:latin typeface="Calibri" panose="020F0502020204030204" pitchFamily="34" charset="0"/>
+                            <a:ea typeface="Calibri" panose="020F0502020204030204" pitchFamily="34" charset="0"/>
+                            <a:cs typeface="Times New Roman" panose="02020603050405020304" pitchFamily="18" charset="0"/>
+                          </a:endParaRPr>
+                        </a:p>
+                      </a:txBody>
+                      <a:tcPr marL="79375" marR="45085" marT="0" marB="0" anchor="ctr"/>
+                    </a:tc>
+                    <a:extLst>
+                      <a:ext uri="{0D108BD9-81ED-4DB2-BD59-A6C34878D82A}">
+                        <a16:rowId xmlns:a16="http://schemas.microsoft.com/office/drawing/2014/main" val="636127388"/>
+                      </a:ext>
+                    </a:extLst>
+                  </a:tr>
+                </a:tbl>
+              </a:graphicData>
+            </a:graphic>
+          </p:graphicFrame>
+        </mc:Choice>
+        <mc:Fallback>
+          <p:graphicFrame>
+            <p:nvGraphicFramePr>
+              <p:cNvPr id="4" name="Table 3">
+                <a:extLst>
+                  <a:ext uri="{FF2B5EF4-FFF2-40B4-BE49-F238E27FC236}">
+                    <a16:creationId xmlns:a16="http://schemas.microsoft.com/office/drawing/2014/main" id="{BE7E62D0-D8FB-CAC4-567C-E4F094F13F85}"/>
+                  </a:ext>
+                </a:extLst>
+              </p:cNvPr>
+              <p:cNvGraphicFramePr>
+                <a:graphicFrameLocks noGrp="1"/>
+              </p:cNvGraphicFramePr>
+              <p:nvPr>
+                <p:extLst>
+                  <p:ext uri="{D42A27DB-BD31-4B8C-83A1-F6EECF244321}">
+                    <p14:modId xmlns:p14="http://schemas.microsoft.com/office/powerpoint/2010/main" val="2339465126"/>
+                  </p:ext>
+                </p:extLst>
+              </p:nvPr>
+            </p:nvGraphicFramePr>
+            <p:xfrm>
+              <a:off x="609537" y="2351433"/>
+              <a:ext cx="8032044" cy="3086647"/>
+            </p:xfrm>
+            <a:graphic>
+              <a:graphicData uri="http://schemas.openxmlformats.org/drawingml/2006/table">
+                <a:tbl>
+                  <a:tblPr firstRow="1" firstCol="1" bandRow="1">
+                    <a:tableStyleId>{5C22544A-7EE6-4342-B048-85BDC9FD1C3A}</a:tableStyleId>
+                  </a:tblPr>
+                  <a:tblGrid>
+                    <a:gridCol w="2687011">
+                      <a:extLst>
+                        <a:ext uri="{9D8B030D-6E8A-4147-A177-3AD203B41FA5}">
+                          <a16:colId xmlns:a16="http://schemas.microsoft.com/office/drawing/2014/main" val="2711541917"/>
+                        </a:ext>
+                      </a:extLst>
+                    </a:gridCol>
+                    <a:gridCol w="1401225">
+                      <a:extLst>
+                        <a:ext uri="{9D8B030D-6E8A-4147-A177-3AD203B41FA5}">
+                          <a16:colId xmlns:a16="http://schemas.microsoft.com/office/drawing/2014/main" val="3198005469"/>
+                        </a:ext>
+                      </a:extLst>
+                    </a:gridCol>
+                    <a:gridCol w="1225406">
+                      <a:extLst>
+                        <a:ext uri="{9D8B030D-6E8A-4147-A177-3AD203B41FA5}">
+                          <a16:colId xmlns:a16="http://schemas.microsoft.com/office/drawing/2014/main" val="2259462301"/>
+                        </a:ext>
+                      </a:extLst>
+                    </a:gridCol>
+                    <a:gridCol w="1359201">
+                      <a:extLst>
+                        <a:ext uri="{9D8B030D-6E8A-4147-A177-3AD203B41FA5}">
+                          <a16:colId xmlns:a16="http://schemas.microsoft.com/office/drawing/2014/main" val="3579572261"/>
+                        </a:ext>
+                      </a:extLst>
+                    </a:gridCol>
+                    <a:gridCol w="1359201">
+                      <a:extLst>
+                        <a:ext uri="{9D8B030D-6E8A-4147-A177-3AD203B41FA5}">
+                          <a16:colId xmlns:a16="http://schemas.microsoft.com/office/drawing/2014/main" val="150849855"/>
+                        </a:ext>
+                      </a:extLst>
+                    </a:gridCol>
+                  </a:tblGrid>
+                  <a:tr h="287869">
+                    <a:tc>
+                      <a:txBody>
+                        <a:bodyPr/>
+                        <a:lstStyle/>
+                        <a:p>
+                          <a:pPr marL="347345">
+                            <a:lnSpc>
+                              <a:spcPct val="107000"/>
+                            </a:lnSpc>
+                          </a:pPr>
+                          <a:r>
+                            <a:rPr lang="de-DE" sz="1600" dirty="0">
+                              <a:effectLst/>
+                              <a:latin typeface="Calibri" panose="020F0502020204030204" pitchFamily="34" charset="0"/>
+                              <a:ea typeface="Calibri" panose="020F0502020204030204" pitchFamily="34" charset="0"/>
+                              <a:cs typeface="Calibri" panose="020F0502020204030204" pitchFamily="34" charset="0"/>
+                            </a:rPr>
+                            <a:t>Parameter </a:t>
+                          </a:r>
+                          <a:endParaRPr lang="en-US" sz="1600" dirty="0">
+                            <a:effectLst/>
+                            <a:latin typeface="Calibri" panose="020F0502020204030204" pitchFamily="34" charset="0"/>
+                            <a:ea typeface="Calibri" panose="020F0502020204030204" pitchFamily="34" charset="0"/>
+                            <a:cs typeface="Calibri" panose="020F0502020204030204" pitchFamily="34" charset="0"/>
+                          </a:endParaRPr>
+                        </a:p>
+                      </a:txBody>
+                      <a:tcPr marL="79375" marR="45085" marT="0" marB="0" anchor="ctr"/>
+                    </a:tc>
+                    <a:tc>
+                      <a:txBody>
+                        <a:bodyPr/>
+                        <a:lstStyle/>
+                        <a:p>
+                          <a:pPr marL="79375" algn="ctr">
+                            <a:lnSpc>
+                              <a:spcPct val="107000"/>
+                            </a:lnSpc>
+                          </a:pPr>
+                          <a:r>
+                            <a:rPr lang="de-DE" sz="1600" dirty="0">
+                              <a:effectLst/>
+                              <a:latin typeface="Calibri" panose="020F0502020204030204" pitchFamily="34" charset="0"/>
+                              <a:ea typeface="Calibri" panose="020F0502020204030204" pitchFamily="34" charset="0"/>
+                              <a:cs typeface="Calibri" panose="020F0502020204030204" pitchFamily="34" charset="0"/>
+                            </a:rPr>
+                            <a:t>Symbol </a:t>
+                          </a:r>
+                          <a:endParaRPr lang="en-US" sz="1600" dirty="0">
+                            <a:effectLst/>
+                            <a:latin typeface="Calibri" panose="020F0502020204030204" pitchFamily="34" charset="0"/>
+                            <a:ea typeface="Calibri" panose="020F0502020204030204" pitchFamily="34" charset="0"/>
+                            <a:cs typeface="Calibri" panose="020F0502020204030204" pitchFamily="34" charset="0"/>
+                          </a:endParaRPr>
+                        </a:p>
+                      </a:txBody>
+                      <a:tcPr marL="79375" marR="45085" marT="0" marB="0" anchor="ctr"/>
+                    </a:tc>
+                    <a:tc>
+                      <a:txBody>
+                        <a:bodyPr/>
+                        <a:lstStyle/>
+                        <a:p>
+                          <a:pPr marR="29845" algn="ctr">
+                            <a:lnSpc>
+                              <a:spcPct val="107000"/>
+                            </a:lnSpc>
+                          </a:pPr>
+                          <a:r>
+                            <a:rPr lang="de-DE" sz="1600" dirty="0">
+                              <a:effectLst/>
+                              <a:latin typeface="Calibri" panose="020F0502020204030204" pitchFamily="34" charset="0"/>
+                              <a:ea typeface="Calibri" panose="020F0502020204030204" pitchFamily="34" charset="0"/>
+                              <a:cs typeface="Calibri" panose="020F0502020204030204" pitchFamily="34" charset="0"/>
+                            </a:rPr>
+                            <a:t>Simulink </a:t>
+                          </a:r>
+                          <a:endParaRPr lang="en-US" sz="1600" dirty="0">
+                            <a:effectLst/>
+                            <a:latin typeface="Calibri" panose="020F0502020204030204" pitchFamily="34" charset="0"/>
+                            <a:ea typeface="Calibri" panose="020F0502020204030204" pitchFamily="34" charset="0"/>
+                            <a:cs typeface="Calibri" panose="020F0502020204030204" pitchFamily="34" charset="0"/>
+                          </a:endParaRPr>
+                        </a:p>
+                      </a:txBody>
+                      <a:tcPr marL="79375" marR="45085" marT="0" marB="0" anchor="ctr"/>
+                    </a:tc>
+                    <a:tc>
+                      <a:txBody>
+                        <a:bodyPr/>
+                        <a:lstStyle/>
+                        <a:p>
+                          <a:pPr marL="233045">
+                            <a:lnSpc>
+                              <a:spcPct val="107000"/>
+                            </a:lnSpc>
+                          </a:pPr>
+                          <a:r>
+                            <a:rPr lang="de-DE" sz="1600" dirty="0">
+                              <a:effectLst/>
+                              <a:latin typeface="Calibri" panose="020F0502020204030204" pitchFamily="34" charset="0"/>
+                              <a:ea typeface="Calibri" panose="020F0502020204030204" pitchFamily="34" charset="0"/>
+                              <a:cs typeface="Calibri" panose="020F0502020204030204" pitchFamily="34" charset="0"/>
+                            </a:rPr>
+                            <a:t>Einheit </a:t>
+                          </a:r>
+                          <a:endParaRPr lang="en-US" sz="1600" dirty="0">
+                            <a:effectLst/>
+                            <a:latin typeface="Calibri" panose="020F0502020204030204" pitchFamily="34" charset="0"/>
+                            <a:ea typeface="Calibri" panose="020F0502020204030204" pitchFamily="34" charset="0"/>
+                            <a:cs typeface="Calibri" panose="020F0502020204030204" pitchFamily="34" charset="0"/>
+                          </a:endParaRPr>
+                        </a:p>
+                      </a:txBody>
+                      <a:tcPr marL="79375" marR="45085" marT="0" marB="0" anchor="ctr"/>
+                    </a:tc>
+                    <a:tc>
+                      <a:txBody>
+                        <a:bodyPr/>
+                        <a:lstStyle/>
+                        <a:p>
+                          <a:pPr>
+                            <a:lnSpc>
+                              <a:spcPct val="107000"/>
+                            </a:lnSpc>
+                          </a:pPr>
+                          <a:r>
+                            <a:rPr lang="de-DE" sz="1600" dirty="0">
+                              <a:effectLst/>
+                              <a:latin typeface="Calibri" panose="020F0502020204030204" pitchFamily="34" charset="0"/>
+                              <a:ea typeface="Calibri" panose="020F0502020204030204" pitchFamily="34" charset="0"/>
+                              <a:cs typeface="Calibri" panose="020F0502020204030204" pitchFamily="34" charset="0"/>
+                            </a:rPr>
+                            <a:t>Anfangswert </a:t>
+                          </a:r>
+                          <a:endParaRPr lang="en-US" sz="1600" dirty="0">
+                            <a:effectLst/>
+                            <a:latin typeface="Calibri" panose="020F0502020204030204" pitchFamily="34" charset="0"/>
+                            <a:ea typeface="Calibri" panose="020F0502020204030204" pitchFamily="34" charset="0"/>
+                            <a:cs typeface="Calibri" panose="020F0502020204030204" pitchFamily="34" charset="0"/>
+                          </a:endParaRPr>
+                        </a:p>
+                      </a:txBody>
+                      <a:tcPr marL="79375" marR="45085" marT="0" marB="0" anchor="ctr"/>
+                    </a:tc>
+                    <a:extLst>
+                      <a:ext uri="{0D108BD9-81ED-4DB2-BD59-A6C34878D82A}">
+                        <a16:rowId xmlns:a16="http://schemas.microsoft.com/office/drawing/2014/main" val="1416753681"/>
+                      </a:ext>
+                    </a:extLst>
+                  </a:tr>
+                  <a:tr h="510223">
+                    <a:tc>
+                      <a:txBody>
+                        <a:bodyPr/>
+                        <a:lstStyle/>
+                        <a:p>
+                          <a:pPr marL="262255">
+                            <a:lnSpc>
+                              <a:spcPct val="107000"/>
+                            </a:lnSpc>
+                          </a:pPr>
+                          <a:r>
+                            <a:rPr lang="de-DE" sz="1600" dirty="0">
+                              <a:effectLst/>
+                              <a:latin typeface="Calibri" panose="020F0502020204030204" pitchFamily="34" charset="0"/>
+                              <a:ea typeface="Calibri" panose="020F0502020204030204" pitchFamily="34" charset="0"/>
+                              <a:cs typeface="Calibri" panose="020F0502020204030204" pitchFamily="34" charset="0"/>
+                            </a:rPr>
+                            <a:t>Masse des Ellenbogengelenks</a:t>
+                          </a:r>
+                        </a:p>
+                      </a:txBody>
+                      <a:tcPr marL="79375" marR="45085" marT="0" marB="0" anchor="ctr"/>
+                    </a:tc>
+                    <a:tc>
+                      <a:txBody>
+                        <a:bodyPr/>
+                        <a:lstStyle/>
+                        <a:p>
+                          <a:endParaRPr lang="en-US"/>
+                        </a:p>
+                      </a:txBody>
+                      <a:tcPr marL="79375" marR="45085" marT="0" marB="0" anchor="ctr">
+                        <a:blipFill>
+                          <a:blip r:embed="rId2"/>
+                          <a:stretch>
+                            <a:fillRect l="-192174" t="-63095" r="-283478" b="-451190"/>
+                          </a:stretch>
+                        </a:blipFill>
+                      </a:tcPr>
+                    </a:tc>
+                    <a:tc>
+                      <a:txBody>
+                        <a:bodyPr/>
+                        <a:lstStyle/>
+                        <a:p>
+                          <a:pPr marR="33020" algn="ctr">
+                            <a:lnSpc>
+                              <a:spcPct val="107000"/>
+                            </a:lnSpc>
+                          </a:pPr>
+                          <a:r>
+                            <a:rPr lang="de-DE" sz="1600" dirty="0">
+                              <a:effectLst/>
+                            </a:rPr>
+                            <a:t>P_m1</a:t>
+                          </a:r>
+                          <a:endParaRPr lang="en-US" sz="1600" dirty="0">
+                            <a:effectLst/>
+                            <a:latin typeface="Calibri" panose="020F0502020204030204" pitchFamily="34" charset="0"/>
+                            <a:ea typeface="Calibri" panose="020F0502020204030204" pitchFamily="34" charset="0"/>
+                            <a:cs typeface="Times New Roman" panose="02020603050405020304" pitchFamily="18" charset="0"/>
+                          </a:endParaRPr>
+                        </a:p>
+                      </a:txBody>
+                      <a:tcPr marL="79375" marR="45085" marT="0" marB="0" anchor="ctr"/>
+                    </a:tc>
+                    <a:tc>
+                      <a:txBody>
+                        <a:bodyPr/>
+                        <a:lstStyle/>
+                        <a:p>
+                          <a:endParaRPr lang="en-US"/>
+                        </a:p>
+                      </a:txBody>
+                      <a:tcPr marL="79375" marR="45085" marT="0" marB="0" anchor="ctr">
+                        <a:blipFill>
+                          <a:blip r:embed="rId2"/>
+                          <a:stretch>
+                            <a:fillRect l="-391928" t="-63095" r="-101794" b="-451190"/>
+                          </a:stretch>
+                        </a:blipFill>
+                      </a:tcPr>
+                    </a:tc>
+                    <a:tc>
+                      <a:txBody>
+                        <a:bodyPr/>
+                        <a:lstStyle/>
+                        <a:p>
+                          <a:endParaRPr lang="en-US"/>
+                        </a:p>
+                      </a:txBody>
+                      <a:tcPr marL="79375" marR="45085" marT="0" marB="0" anchor="ctr">
+                        <a:blipFill>
+                          <a:blip r:embed="rId2"/>
+                          <a:stretch>
+                            <a:fillRect l="-491928" t="-63095" r="-1794" b="-451190"/>
+                          </a:stretch>
+                        </a:blipFill>
+                      </a:tcPr>
+                    </a:tc>
+                    <a:extLst>
+                      <a:ext uri="{0D108BD9-81ED-4DB2-BD59-A6C34878D82A}">
+                        <a16:rowId xmlns:a16="http://schemas.microsoft.com/office/drawing/2014/main" val="3382936719"/>
+                      </a:ext>
+                    </a:extLst>
+                  </a:tr>
+                  <a:tr h="515300">
+                    <a:tc>
+                      <a:txBody>
+                        <a:bodyPr/>
+                        <a:lstStyle/>
+                        <a:p>
+                          <a:pPr marL="237490">
+                            <a:lnSpc>
+                              <a:spcPct val="107000"/>
+                            </a:lnSpc>
+                          </a:pPr>
+                          <a:r>
+                            <a:rPr lang="de-DE" sz="1600" dirty="0">
+                              <a:effectLst/>
+                              <a:latin typeface="Calibri" panose="020F0502020204030204" pitchFamily="34" charset="0"/>
+                              <a:ea typeface="Calibri" panose="020F0502020204030204" pitchFamily="34" charset="0"/>
+                              <a:cs typeface="Calibri" panose="020F0502020204030204" pitchFamily="34" charset="0"/>
+                            </a:rPr>
+                            <a:t>Masse des Greifers</a:t>
+                          </a:r>
+                          <a:endParaRPr lang="en-US" sz="1600" dirty="0">
+                            <a:effectLst/>
+                            <a:latin typeface="Calibri" panose="020F0502020204030204" pitchFamily="34" charset="0"/>
+                            <a:ea typeface="Calibri" panose="020F0502020204030204" pitchFamily="34" charset="0"/>
+                            <a:cs typeface="Calibri" panose="020F0502020204030204" pitchFamily="34" charset="0"/>
+                          </a:endParaRPr>
+                        </a:p>
+                      </a:txBody>
+                      <a:tcPr marL="79375" marR="45085" marT="0" marB="0" anchor="ctr"/>
+                    </a:tc>
+                    <a:tc>
+                      <a:txBody>
+                        <a:bodyPr/>
+                        <a:lstStyle/>
+                        <a:p>
+                          <a:endParaRPr lang="en-US"/>
+                        </a:p>
+                      </a:txBody>
+                      <a:tcPr marL="79375" marR="45085" marT="0" marB="0" anchor="ctr">
+                        <a:blipFill>
+                          <a:blip r:embed="rId2"/>
+                          <a:stretch>
+                            <a:fillRect l="-192174" t="-161176" r="-283478" b="-345882"/>
+                          </a:stretch>
+                        </a:blipFill>
+                      </a:tcPr>
+                    </a:tc>
+                    <a:tc>
+                      <a:txBody>
+                        <a:bodyPr/>
+                        <a:lstStyle/>
+                        <a:p>
+                          <a:pPr marR="33020" algn="ctr">
+                            <a:lnSpc>
+                              <a:spcPct val="107000"/>
+                            </a:lnSpc>
+                          </a:pPr>
+                          <a:r>
+                            <a:rPr lang="de-DE" sz="1600" dirty="0">
+                              <a:effectLst/>
+                            </a:rPr>
+                            <a:t>P_m2</a:t>
+                          </a:r>
+                          <a:endParaRPr lang="en-US" sz="1600" dirty="0">
+                            <a:effectLst/>
+                            <a:latin typeface="Calibri" panose="020F0502020204030204" pitchFamily="34" charset="0"/>
+                            <a:ea typeface="Calibri" panose="020F0502020204030204" pitchFamily="34" charset="0"/>
+                            <a:cs typeface="Times New Roman" panose="02020603050405020304" pitchFamily="18" charset="0"/>
+                          </a:endParaRPr>
+                        </a:p>
+                      </a:txBody>
+                      <a:tcPr marL="79375" marR="45085" marT="0" marB="0" anchor="ctr"/>
+                    </a:tc>
+                    <a:tc>
+                      <a:txBody>
+                        <a:bodyPr/>
+                        <a:lstStyle/>
+                        <a:p>
+                          <a:endParaRPr lang="en-US"/>
+                        </a:p>
+                      </a:txBody>
+                      <a:tcPr marL="79375" marR="45085" marT="0" marB="0" anchor="ctr">
+                        <a:blipFill>
+                          <a:blip r:embed="rId2"/>
+                          <a:stretch>
+                            <a:fillRect l="-391928" t="-161176" r="-101794" b="-345882"/>
+                          </a:stretch>
+                        </a:blipFill>
+                      </a:tcPr>
+                    </a:tc>
+                    <a:tc>
+                      <a:txBody>
+                        <a:bodyPr/>
+                        <a:lstStyle/>
+                        <a:p>
+                          <a:endParaRPr lang="en-US"/>
+                        </a:p>
+                      </a:txBody>
+                      <a:tcPr marL="79375" marR="45085" marT="0" marB="0" anchor="ctr">
+                        <a:blipFill>
+                          <a:blip r:embed="rId2"/>
+                          <a:stretch>
+                            <a:fillRect l="-491928" t="-161176" r="-1794" b="-345882"/>
+                          </a:stretch>
+                        </a:blipFill>
+                      </a:tcPr>
+                    </a:tc>
+                    <a:extLst>
+                      <a:ext uri="{0D108BD9-81ED-4DB2-BD59-A6C34878D82A}">
+                        <a16:rowId xmlns:a16="http://schemas.microsoft.com/office/drawing/2014/main" val="3670990872"/>
+                      </a:ext>
+                    </a:extLst>
+                  </a:tr>
+                  <a:tr h="591085">
+                    <a:tc>
+                      <a:txBody>
+                        <a:bodyPr/>
+                        <a:lstStyle/>
+                        <a:p>
+                          <a:pPr marL="102235" algn="ctr">
+                            <a:lnSpc>
+                              <a:spcPct val="107000"/>
+                            </a:lnSpc>
+                          </a:pPr>
+                          <a:r>
+                            <a:rPr lang="de-DE" sz="1600" dirty="0">
+                              <a:effectLst/>
+                              <a:latin typeface="Calibri" panose="020F0502020204030204" pitchFamily="34" charset="0"/>
+                              <a:ea typeface="Calibri" panose="020F0502020204030204" pitchFamily="34" charset="0"/>
+                              <a:cs typeface="Calibri" panose="020F0502020204030204" pitchFamily="34" charset="0"/>
+                            </a:rPr>
+                            <a:t>Länge des Oberarms</a:t>
+                          </a:r>
+                          <a:endParaRPr lang="en-US" sz="1600" dirty="0">
+                            <a:effectLst/>
+                            <a:latin typeface="Calibri" panose="020F0502020204030204" pitchFamily="34" charset="0"/>
+                            <a:ea typeface="Calibri" panose="020F0502020204030204" pitchFamily="34" charset="0"/>
+                            <a:cs typeface="Calibri" panose="020F0502020204030204" pitchFamily="34" charset="0"/>
+                          </a:endParaRPr>
+                        </a:p>
+                      </a:txBody>
+                      <a:tcPr marL="79375" marR="45085" marT="0" marB="0" anchor="ctr"/>
+                    </a:tc>
+                    <a:tc>
+                      <a:txBody>
+                        <a:bodyPr/>
+                        <a:lstStyle/>
+                        <a:p>
+                          <a:endParaRPr lang="en-US"/>
+                        </a:p>
+                      </a:txBody>
+                      <a:tcPr marL="79375" marR="45085" marT="0" marB="0" anchor="ctr">
+                        <a:blipFill>
+                          <a:blip r:embed="rId2"/>
+                          <a:stretch>
+                            <a:fillRect l="-192174" t="-228866" r="-283478" b="-203093"/>
+                          </a:stretch>
+                        </a:blipFill>
+                      </a:tcPr>
+                    </a:tc>
+                    <a:tc>
+                      <a:txBody>
+                        <a:bodyPr/>
+                        <a:lstStyle/>
+                        <a:p>
+                          <a:pPr marR="33020" algn="ctr">
+                            <a:lnSpc>
+                              <a:spcPct val="107000"/>
+                            </a:lnSpc>
+                          </a:pPr>
+                          <a:r>
+                            <a:rPr lang="de-DE" sz="1600" dirty="0">
+                              <a:effectLst/>
+                            </a:rPr>
+                            <a:t>P_l1</a:t>
+                          </a:r>
+                          <a:endParaRPr lang="en-US" sz="1600" dirty="0">
+                            <a:effectLst/>
+                            <a:latin typeface="Calibri" panose="020F0502020204030204" pitchFamily="34" charset="0"/>
+                            <a:ea typeface="Calibri" panose="020F0502020204030204" pitchFamily="34" charset="0"/>
+                            <a:cs typeface="Times New Roman" panose="02020603050405020304" pitchFamily="18" charset="0"/>
+                          </a:endParaRPr>
+                        </a:p>
+                      </a:txBody>
+                      <a:tcPr marL="79375" marR="45085" marT="0" marB="0" anchor="ctr"/>
+                    </a:tc>
+                    <a:tc>
+                      <a:txBody>
+                        <a:bodyPr/>
+                        <a:lstStyle/>
+                        <a:p>
+                          <a:endParaRPr lang="en-US"/>
+                        </a:p>
+                      </a:txBody>
+                      <a:tcPr marL="79375" marR="45085" marT="0" marB="0" anchor="ctr">
+                        <a:blipFill>
+                          <a:blip r:embed="rId2"/>
+                          <a:stretch>
+                            <a:fillRect l="-391928" t="-228866" r="-101794" b="-203093"/>
+                          </a:stretch>
+                        </a:blipFill>
+                      </a:tcPr>
+                    </a:tc>
+                    <a:tc>
+                      <a:txBody>
+                        <a:bodyPr/>
+                        <a:lstStyle/>
+                        <a:p>
+                          <a:endParaRPr lang="en-US"/>
+                        </a:p>
+                      </a:txBody>
+                      <a:tcPr marL="79375" marR="45085" marT="0" marB="0" anchor="ctr">
+                        <a:blipFill>
+                          <a:blip r:embed="rId2"/>
+                          <a:stretch>
+                            <a:fillRect l="-491928" t="-228866" r="-1794" b="-203093"/>
+                          </a:stretch>
+                        </a:blipFill>
+                      </a:tcPr>
+                    </a:tc>
+                    <a:extLst>
+                      <a:ext uri="{0D108BD9-81ED-4DB2-BD59-A6C34878D82A}">
+                        <a16:rowId xmlns:a16="http://schemas.microsoft.com/office/drawing/2014/main" val="1189193625"/>
+                      </a:ext>
+                    </a:extLst>
+                  </a:tr>
+                  <a:tr h="591085">
+                    <a:tc>
+                      <a:txBody>
+                        <a:bodyPr/>
+                        <a:lstStyle/>
+                        <a:p>
+                          <a:pPr marL="102235" algn="ctr">
+                            <a:lnSpc>
+                              <a:spcPct val="107000"/>
+                            </a:lnSpc>
+                          </a:pPr>
+                          <a:r>
+                            <a:rPr lang="de-DE" sz="1600" dirty="0">
+                              <a:effectLst/>
+                              <a:latin typeface="Calibri" panose="020F0502020204030204" pitchFamily="34" charset="0"/>
+                              <a:ea typeface="Calibri" panose="020F0502020204030204" pitchFamily="34" charset="0"/>
+                              <a:cs typeface="Calibri" panose="020F0502020204030204" pitchFamily="34" charset="0"/>
+                            </a:rPr>
+                            <a:t>Länge des Unterarms</a:t>
+                          </a:r>
+                          <a:endParaRPr lang="en-US" sz="1600" dirty="0">
+                            <a:effectLst/>
+                            <a:latin typeface="Calibri" panose="020F0502020204030204" pitchFamily="34" charset="0"/>
+                            <a:ea typeface="Calibri" panose="020F0502020204030204" pitchFamily="34" charset="0"/>
+                            <a:cs typeface="Calibri" panose="020F0502020204030204" pitchFamily="34" charset="0"/>
+                          </a:endParaRPr>
+                        </a:p>
+                      </a:txBody>
+                      <a:tcPr marL="79375" marR="45085" marT="0" marB="0" anchor="ctr"/>
+                    </a:tc>
+                    <a:tc>
+                      <a:txBody>
+                        <a:bodyPr/>
+                        <a:lstStyle/>
+                        <a:p>
+                          <a:endParaRPr lang="en-US"/>
+                        </a:p>
+                      </a:txBody>
+                      <a:tcPr marL="79375" marR="45085" marT="0" marB="0" anchor="ctr">
+                        <a:blipFill>
+                          <a:blip r:embed="rId2"/>
+                          <a:stretch>
+                            <a:fillRect l="-192174" t="-325510" r="-283478" b="-101020"/>
+                          </a:stretch>
+                        </a:blipFill>
+                      </a:tcPr>
+                    </a:tc>
+                    <a:tc>
+                      <a:txBody>
+                        <a:bodyPr/>
+                        <a:lstStyle/>
+                        <a:p>
+                          <a:pPr marR="33020" algn="ctr">
+                            <a:lnSpc>
+                              <a:spcPct val="107000"/>
+                            </a:lnSpc>
+                          </a:pPr>
+                          <a:r>
+                            <a:rPr lang="de-DE" sz="1600" dirty="0">
+                              <a:effectLst/>
+                            </a:rPr>
+                            <a:t>P_l2</a:t>
+                          </a:r>
+                          <a:endParaRPr lang="en-US" sz="1600" dirty="0">
+                            <a:effectLst/>
+                            <a:latin typeface="Calibri" panose="020F0502020204030204" pitchFamily="34" charset="0"/>
+                            <a:ea typeface="Calibri" panose="020F0502020204030204" pitchFamily="34" charset="0"/>
+                            <a:cs typeface="Times New Roman" panose="02020603050405020304" pitchFamily="18" charset="0"/>
+                          </a:endParaRPr>
+                        </a:p>
+                      </a:txBody>
+                      <a:tcPr marL="79375" marR="45085" marT="0" marB="0" anchor="ctr"/>
+                    </a:tc>
+                    <a:tc>
+                      <a:txBody>
+                        <a:bodyPr/>
+                        <a:lstStyle/>
+                        <a:p>
+                          <a:endParaRPr lang="en-US"/>
+                        </a:p>
+                      </a:txBody>
+                      <a:tcPr marL="79375" marR="45085" marT="0" marB="0" anchor="ctr">
+                        <a:blipFill>
+                          <a:blip r:embed="rId2"/>
+                          <a:stretch>
+                            <a:fillRect l="-391928" t="-325510" r="-101794" b="-101020"/>
+                          </a:stretch>
+                        </a:blipFill>
+                      </a:tcPr>
+                    </a:tc>
+                    <a:tc>
+                      <a:txBody>
+                        <a:bodyPr/>
+                        <a:lstStyle/>
+                        <a:p>
+                          <a:endParaRPr lang="en-US"/>
+                        </a:p>
+                      </a:txBody>
+                      <a:tcPr marL="79375" marR="45085" marT="0" marB="0" anchor="ctr">
+                        <a:blipFill>
+                          <a:blip r:embed="rId2"/>
+                          <a:stretch>
+                            <a:fillRect l="-491928" t="-325510" r="-1794" b="-101020"/>
+                          </a:stretch>
+                        </a:blipFill>
+                      </a:tcPr>
+                    </a:tc>
+                    <a:extLst>
+                      <a:ext uri="{0D108BD9-81ED-4DB2-BD59-A6C34878D82A}">
+                        <a16:rowId xmlns:a16="http://schemas.microsoft.com/office/drawing/2014/main" val="3110768392"/>
+                      </a:ext>
+                    </a:extLst>
+                  </a:tr>
+                  <a:tr h="591085">
+                    <a:tc>
+                      <a:txBody>
+                        <a:bodyPr/>
+                        <a:lstStyle/>
+                        <a:p>
+                          <a:pPr marL="102235" algn="ctr">
+                            <a:lnSpc>
+                              <a:spcPct val="107000"/>
+                            </a:lnSpc>
+                          </a:pPr>
+                          <a:r>
+                            <a:rPr lang="de-DE" sz="1600" dirty="0">
+                              <a:effectLst/>
+                              <a:latin typeface="Calibri" panose="020F0502020204030204" pitchFamily="34" charset="0"/>
+                              <a:ea typeface="Calibri" panose="020F0502020204030204" pitchFamily="34" charset="0"/>
+                              <a:cs typeface="Times New Roman" panose="02020603050405020304" pitchFamily="18" charset="0"/>
+                            </a:rPr>
+                            <a:t>Schwerkraft</a:t>
+                          </a:r>
+                          <a:endParaRPr lang="en-US" sz="1600" dirty="0">
+                            <a:effectLst/>
+                            <a:latin typeface="Calibri" panose="020F0502020204030204" pitchFamily="34" charset="0"/>
+                            <a:ea typeface="Calibri" panose="020F0502020204030204" pitchFamily="34" charset="0"/>
+                            <a:cs typeface="Times New Roman" panose="02020603050405020304" pitchFamily="18" charset="0"/>
+                          </a:endParaRPr>
+                        </a:p>
+                      </a:txBody>
+                      <a:tcPr marL="79375" marR="45085" marT="0" marB="0" anchor="ctr"/>
+                    </a:tc>
+                    <a:tc>
+                      <a:txBody>
+                        <a:bodyPr/>
+                        <a:lstStyle/>
+                        <a:p>
+                          <a:endParaRPr lang="en-US"/>
+                        </a:p>
+                      </a:txBody>
+                      <a:tcPr marL="79375" marR="45085" marT="0" marB="0" anchor="ctr">
+                        <a:blipFill>
+                          <a:blip r:embed="rId2"/>
+                          <a:stretch>
+                            <a:fillRect l="-192174" t="-429897" r="-283478" b="-2062"/>
+                          </a:stretch>
+                        </a:blipFill>
+                      </a:tcPr>
+                    </a:tc>
+                    <a:tc>
+                      <a:txBody>
+                        <a:bodyPr/>
+                        <a:lstStyle/>
+                        <a:p>
+                          <a:pPr marR="33020" algn="ctr">
+                            <a:lnSpc>
+                              <a:spcPct val="107000"/>
+                            </a:lnSpc>
+                          </a:pPr>
+                          <a:r>
+                            <a:rPr lang="de-DE" sz="1600" dirty="0" err="1">
+                              <a:effectLst/>
+                            </a:rPr>
+                            <a:t>P_g</a:t>
+                          </a:r>
+                          <a:endParaRPr lang="en-US" sz="1600" dirty="0">
+                            <a:effectLst/>
+                            <a:latin typeface="Calibri" panose="020F0502020204030204" pitchFamily="34" charset="0"/>
+                            <a:ea typeface="Calibri" panose="020F0502020204030204" pitchFamily="34" charset="0"/>
+                            <a:cs typeface="Times New Roman" panose="02020603050405020304" pitchFamily="18" charset="0"/>
+                          </a:endParaRPr>
+                        </a:p>
+                      </a:txBody>
+                      <a:tcPr marL="79375" marR="45085" marT="0" marB="0" anchor="ctr"/>
+                    </a:tc>
+                    <a:tc>
+                      <a:txBody>
+                        <a:bodyPr/>
+                        <a:lstStyle/>
+                        <a:p>
+                          <a:endParaRPr lang="en-US"/>
+                        </a:p>
+                      </a:txBody>
+                      <a:tcPr marL="79375" marR="45085" marT="0" marB="0" anchor="ctr">
+                        <a:blipFill>
+                          <a:blip r:embed="rId2"/>
+                          <a:stretch>
+                            <a:fillRect l="-391928" t="-429897" r="-101794" b="-2062"/>
+                          </a:stretch>
+                        </a:blipFill>
+                      </a:tcPr>
+                    </a:tc>
+                    <a:tc>
+                      <a:txBody>
+                        <a:bodyPr/>
+                        <a:lstStyle/>
+                        <a:p>
+                          <a:endParaRPr lang="en-US"/>
+                        </a:p>
+                      </a:txBody>
+                      <a:tcPr marL="79375" marR="45085" marT="0" marB="0" anchor="ctr">
+                        <a:blipFill>
+                          <a:blip r:embed="rId2"/>
+                          <a:stretch>
+                            <a:fillRect l="-491928" t="-429897" r="-1794" b="-2062"/>
+                          </a:stretch>
+                        </a:blipFill>
+                      </a:tcPr>
+                    </a:tc>
+                    <a:extLst>
+                      <a:ext uri="{0D108BD9-81ED-4DB2-BD59-A6C34878D82A}">
+                        <a16:rowId xmlns:a16="http://schemas.microsoft.com/office/drawing/2014/main" val="636127388"/>
+                      </a:ext>
+                    </a:extLst>
+                  </a:tr>
+                </a:tbl>
+              </a:graphicData>
+            </a:graphic>
+          </p:graphicFrame>
+        </mc:Fallback>
+      </mc:AlternateContent>
+    </p:spTree>
+    <p:extLst>
+      <p:ext uri="{BB962C8B-B14F-4D97-AF65-F5344CB8AC3E}">
+        <p14:creationId xmlns:p14="http://schemas.microsoft.com/office/powerpoint/2010/main" val="4143251481"/>
+      </p:ext>
+    </p:extLst>
+  </p:cSld>
+  <p:clrMapOvr>
+    <a:masterClrMapping/>
+  </p:clrMapOvr>
+</p:sld>
+</file>
+
+<file path=ppt/slides/slide6.xml><?xml version="1.0" encoding="utf-8"?>
+<p:sld xmlns:a="http://schemas.openxmlformats.org/drawingml/2006/main" xmlns:r="http://schemas.openxmlformats.org/officeDocument/2006/relationships" xmlns:p="http://schemas.openxmlformats.org/presentationml/2006/main">
+  <p:cSld>
+    <p:spTree>
+      <p:nvGrpSpPr>
+        <p:cNvPr id="1" name=""/>
+        <p:cNvGrpSpPr/>
+        <p:nvPr/>
+      </p:nvGrpSpPr>
+      <p:grpSpPr>
+        <a:xfrm>
+          <a:off x="0" y="0"/>
+          <a:ext cx="0" cy="0"/>
+          <a:chOff x="0" y="0"/>
+          <a:chExt cx="0" cy="0"/>
+        </a:xfrm>
+      </p:grpSpPr>
+      <p:sp>
+        <p:nvSpPr>
+          <p:cNvPr id="5" name="Titel 4"/>
+          <p:cNvSpPr>
+            <a:spLocks noGrp="1"/>
+          </p:cNvSpPr>
+          <p:nvPr>
+            <p:ph type="title"/>
+          </p:nvPr>
+        </p:nvSpPr>
+        <p:spPr/>
+        <p:txBody>
+          <a:bodyPr/>
+          <a:lstStyle/>
+          <a:p>
+            <a:pPr lvl="0"/>
+            <a:r>
+              <a:rPr lang="en-US" b="0" dirty="0" err="1"/>
+              <a:t>Physikalisches</a:t>
+            </a:r>
+            <a:r>
+              <a:rPr lang="en-US" b="0" dirty="0"/>
+              <a:t> </a:t>
+            </a:r>
+            <a:r>
+              <a:rPr lang="en-US" b="0" dirty="0" err="1"/>
+              <a:t>Ersatzschaltbild</a:t>
+            </a:r>
+            <a:br>
+              <a:rPr lang="en-US" dirty="0"/>
+            </a:br>
+            <a:endParaRPr lang="en-US" dirty="0"/>
+          </a:p>
+        </p:txBody>
+      </p:sp>
+      <p:sp>
+        <p:nvSpPr>
+          <p:cNvPr id="6" name="Inhaltsplatzhalter 5"/>
+          <p:cNvSpPr>
+            <a:spLocks noGrp="1"/>
+          </p:cNvSpPr>
+          <p:nvPr>
+            <p:ph idx="13"/>
+          </p:nvPr>
+        </p:nvSpPr>
+        <p:spPr>
+          <a:xfrm>
+            <a:off x="114300" y="2160589"/>
+            <a:ext cx="11887199" cy="4083052"/>
+          </a:xfrm>
+        </p:spPr>
+        <p:txBody>
+          <a:bodyPr/>
+          <a:lstStyle/>
+          <a:p>
+            <a:pPr lvl="2" indent="-288003"/>
+            <a:endParaRPr lang="en-US" dirty="0">
+              <a:solidFill>
+                <a:srgbClr val="DC3769"/>
+              </a:solidFill>
+            </a:endParaRPr>
+          </a:p>
+          <a:p>
+            <a:pPr marL="287655" lvl="1" indent="-287655"/>
+            <a:endParaRPr lang="en-US" dirty="0">
+              <a:solidFill>
+                <a:srgbClr val="DC3769"/>
+              </a:solidFill>
+            </a:endParaRPr>
+          </a:p>
+        </p:txBody>
+      </p:sp>
+      <p:sp>
+        <p:nvSpPr>
+          <p:cNvPr id="12" name="Datumsplatzhalter 11">
+            <a:extLst>
+              <a:ext uri="{FF2B5EF4-FFF2-40B4-BE49-F238E27FC236}">
+                <a16:creationId xmlns:a16="http://schemas.microsoft.com/office/drawing/2014/main" id="{80DD9277-7B03-46BA-A1AA-E0A86CA0FCF8}"/>
+              </a:ext>
+            </a:extLst>
+          </p:cNvPr>
+          <p:cNvSpPr>
+            <a:spLocks noGrp="1"/>
+          </p:cNvSpPr>
+          <p:nvPr>
+            <p:ph type="dt" sz="half" idx="10"/>
+          </p:nvPr>
+        </p:nvSpPr>
+        <p:spPr/>
+        <p:txBody>
+          <a:bodyPr/>
+          <a:lstStyle/>
+          <a:p>
+            <a:r>
+              <a:rPr lang="de-DE"/>
+              <a:t>Campus Sontheim</a:t>
+            </a:r>
+            <a:endParaRPr lang="en-US"/>
+          </a:p>
+        </p:txBody>
+      </p:sp>
+      <p:sp>
+        <p:nvSpPr>
+          <p:cNvPr id="13" name="Fußzeilenplatzhalter 12">
+            <a:extLst>
+              <a:ext uri="{FF2B5EF4-FFF2-40B4-BE49-F238E27FC236}">
+                <a16:creationId xmlns:a16="http://schemas.microsoft.com/office/drawing/2014/main" id="{D5DEE2ED-DBC3-4D9A-AFA9-3BDED5578C13}"/>
+              </a:ext>
+            </a:extLst>
+          </p:cNvPr>
+          <p:cNvSpPr>
+            <a:spLocks noGrp="1"/>
+          </p:cNvSpPr>
+          <p:nvPr>
+            <p:ph type="ftr" sz="quarter" idx="11"/>
+          </p:nvPr>
+        </p:nvSpPr>
+        <p:spPr/>
+        <p:txBody>
+          <a:bodyPr/>
+          <a:lstStyle/>
+          <a:p>
+            <a:r>
+              <a:rPr lang="en-US" dirty="0"/>
+              <a:t>Zwei-</a:t>
+            </a:r>
+            <a:r>
+              <a:rPr lang="en-US" dirty="0" err="1"/>
+              <a:t>Gelenk</a:t>
+            </a:r>
+            <a:r>
+              <a:rPr lang="en-US" dirty="0"/>
+              <a:t>-</a:t>
+            </a:r>
+            <a:r>
+              <a:rPr lang="en-US" dirty="0" err="1"/>
+              <a:t>Roboter</a:t>
+            </a:r>
+            <a:r>
+              <a:rPr lang="en-US" dirty="0"/>
+              <a:t> | Marc Grosse, Moritz </a:t>
+            </a:r>
+            <a:r>
+              <a:rPr lang="en-US" dirty="0" err="1"/>
+              <a:t>Höhnel</a:t>
+            </a:r>
+            <a:r>
+              <a:rPr lang="en-US" dirty="0"/>
+              <a:t> und Mattis Ritter / T1 / ASE | WS22/23</a:t>
+            </a:r>
+          </a:p>
+          <a:p>
+            <a:endParaRPr lang="en-US" dirty="0"/>
+          </a:p>
+        </p:txBody>
+      </p:sp>
+      <p:sp>
+        <p:nvSpPr>
+          <p:cNvPr id="14" name="Foliennummernplatzhalter 13">
+            <a:extLst>
+              <a:ext uri="{FF2B5EF4-FFF2-40B4-BE49-F238E27FC236}">
+                <a16:creationId xmlns:a16="http://schemas.microsoft.com/office/drawing/2014/main" id="{48BBC2E6-60FE-4027-B3AE-1C7F349E9526}"/>
+              </a:ext>
+            </a:extLst>
+          </p:cNvPr>
+          <p:cNvSpPr>
+            <a:spLocks noGrp="1"/>
+          </p:cNvSpPr>
+          <p:nvPr>
+            <p:ph type="sldNum" sz="quarter" idx="12"/>
+          </p:nvPr>
+        </p:nvSpPr>
+        <p:spPr/>
+        <p:txBody>
+          <a:bodyPr/>
+          <a:lstStyle/>
+          <a:p>
+            <a:r>
+              <a:rPr lang="en-US"/>
+              <a:t>|  </a:t>
+            </a:r>
+            <a:fld id="{E6B5151A-17C4-4431-8407-112C0160A8B6}" type="slidenum">
+              <a:rPr lang="en-US" smtClean="0"/>
+              <a:pPr/>
+              <a:t>6</a:t>
+            </a:fld>
+            <a:endParaRPr lang="en-US"/>
+          </a:p>
+        </p:txBody>
+      </p:sp>
+      <p:pic>
+        <p:nvPicPr>
+          <p:cNvPr id="2" name="Grafik 1">
+            <a:extLst>
+              <a:ext uri="{FF2B5EF4-FFF2-40B4-BE49-F238E27FC236}">
+                <a16:creationId xmlns:a16="http://schemas.microsoft.com/office/drawing/2014/main" id="{CFEC9E79-EB30-0916-145C-C11CEB635F6D}"/>
+              </a:ext>
+            </a:extLst>
+          </p:cNvPr>
+          <p:cNvPicPr>
+            <a:picLocks noChangeAspect="1"/>
+          </p:cNvPicPr>
+          <p:nvPr/>
+        </p:nvPicPr>
+        <p:blipFill>
+          <a:blip r:embed="rId2" cstate="print">
+            <a:extLst>
+              <a:ext uri="{28A0092B-C50C-407E-A947-70E740481C1C}">
+                <a14:useLocalDpi xmlns:a14="http://schemas.microsoft.com/office/drawing/2010/main" val="0"/>
+              </a:ext>
+            </a:extLst>
+          </a:blip>
+          <a:stretch>
+            <a:fillRect/>
+          </a:stretch>
+        </p:blipFill>
+        <p:spPr>
+          <a:xfrm>
+            <a:off x="7173289" y="2160589"/>
+            <a:ext cx="4235961" cy="4083052"/>
+          </a:xfrm>
+          <a:prstGeom prst="rect">
+            <a:avLst/>
+          </a:prstGeom>
+        </p:spPr>
+      </p:pic>
+    </p:spTree>
+    <p:extLst>
+      <p:ext uri="{BB962C8B-B14F-4D97-AF65-F5344CB8AC3E}">
+        <p14:creationId xmlns:p14="http://schemas.microsoft.com/office/powerpoint/2010/main" val="1759122223"/>
+      </p:ext>
+    </p:extLst>
+  </p:cSld>
+  <p:clrMapOvr>
+    <a:masterClrMapping/>
+  </p:clrMapOvr>
+</p:sld>
+</file>
+
+<file path=ppt/slides/slide7.xml><?xml version="1.0" encoding="utf-8"?>
+<p:sld xmlns:a="http://schemas.openxmlformats.org/drawingml/2006/main" xmlns:r="http://schemas.openxmlformats.org/officeDocument/2006/relationships" xmlns:p="http://schemas.openxmlformats.org/presentationml/2006/main">
+  <p:cSld>
+    <p:spTree>
+      <p:nvGrpSpPr>
+        <p:cNvPr id="1" name=""/>
+        <p:cNvGrpSpPr/>
+        <p:nvPr/>
+      </p:nvGrpSpPr>
+      <p:grpSpPr>
+        <a:xfrm>
+          <a:off x="0" y="0"/>
+          <a:ext cx="0" cy="0"/>
+          <a:chOff x="0" y="0"/>
+          <a:chExt cx="0" cy="0"/>
+        </a:xfrm>
+      </p:grpSpPr>
+      <p:sp>
+        <p:nvSpPr>
+          <p:cNvPr id="5" name="Titel 4"/>
+          <p:cNvSpPr>
+            <a:spLocks noGrp="1"/>
+          </p:cNvSpPr>
+          <p:nvPr>
+            <p:ph type="title"/>
+          </p:nvPr>
+        </p:nvSpPr>
+        <p:spPr/>
+        <p:txBody>
+          <a:bodyPr/>
+          <a:lstStyle/>
+          <a:p>
+            <a:pPr lvl="0"/>
+            <a:r>
+              <a:rPr lang="en-US" b="0" dirty="0"/>
+              <a:t>Aufgabe </a:t>
+            </a:r>
+            <a:r>
+              <a:rPr lang="en-US" b="0" dirty="0" err="1"/>
+              <a:t>zur</a:t>
+            </a:r>
+            <a:r>
+              <a:rPr lang="en-US" b="0" dirty="0"/>
+              <a:t> </a:t>
+            </a:r>
+            <a:r>
+              <a:rPr lang="en-US" b="0" dirty="0" err="1"/>
+              <a:t>Vorabgabe</a:t>
+            </a:r>
+            <a:br>
+              <a:rPr lang="en-US" dirty="0"/>
+            </a:br>
+            <a:endParaRPr lang="en-US" dirty="0"/>
+          </a:p>
+        </p:txBody>
+      </p:sp>
+      <mc:AlternateContent xmlns:mc="http://schemas.openxmlformats.org/markup-compatibility/2006">
+        <mc:Choice xmlns:a14="http://schemas.microsoft.com/office/drawing/2010/main" Requires="a14">
+          <p:sp>
+            <p:nvSpPr>
+              <p:cNvPr id="6" name="Inhaltsplatzhalter 5"/>
+              <p:cNvSpPr>
+                <a:spLocks noGrp="1"/>
+              </p:cNvSpPr>
+              <p:nvPr>
+                <p:ph idx="13"/>
+              </p:nvPr>
+            </p:nvSpPr>
+            <p:spPr>
+              <a:xfrm>
+                <a:off x="114300" y="2160589"/>
+                <a:ext cx="11887199" cy="4083052"/>
+              </a:xfrm>
+            </p:spPr>
+            <p:txBody>
+              <a:bodyPr/>
+              <a:lstStyle/>
+              <a:p>
+                <a:pPr marL="287655" lvl="1" indent="-287655"/>
+                <a:r>
+                  <a:rPr lang="de-DE" sz="1800" u="none" strike="noStrike" dirty="0">
+                    <a:effectLst/>
+                    <a:uFill>
+                      <a:solidFill>
+                        <a:srgbClr val="000000"/>
+                      </a:solidFill>
+                    </a:uFill>
+                    <a:latin typeface="Arial" panose="020B0604020202020204" pitchFamily="34" charset="0"/>
+                    <a:ea typeface="Arial" panose="020B0604020202020204" pitchFamily="34" charset="0"/>
+                    <a:cs typeface="Arial" panose="020B0604020202020204" pitchFamily="34" charset="0"/>
+                  </a:rPr>
+                  <a:t>Für eine erfolgreiche Modellierung in Simulink muss die Massenmatrix invertierbar sein. Zeigen Sie, dass die Massenmatrix unabhängig von den Zustandsgrößen oder der Parameter Festlegung invertierbar ist. </a:t>
+                </a:r>
+                <a:endParaRPr lang="en-US" sz="1800" u="none" strike="noStrike" dirty="0">
+                  <a:effectLst/>
+                  <a:uFill>
+                    <a:solidFill>
+                      <a:srgbClr val="000000"/>
+                    </a:solidFill>
+                  </a:uFill>
+                  <a:latin typeface="Arial" panose="020B0604020202020204" pitchFamily="34" charset="0"/>
+                  <a:ea typeface="Arial" panose="020B0604020202020204" pitchFamily="34" charset="0"/>
+                  <a:cs typeface="Arial" panose="020B0604020202020204" pitchFamily="34" charset="0"/>
+                </a:endParaRPr>
+              </a:p>
+              <a:p>
+                <a:pPr marL="287655" lvl="1" indent="-287655"/>
+                <a:r>
+                  <a:rPr lang="de-DE" sz="1800" u="none" strike="noStrike" dirty="0">
+                    <a:effectLst/>
+                    <a:uFill>
+                      <a:solidFill>
+                        <a:srgbClr val="000000"/>
+                      </a:solidFill>
+                    </a:uFill>
+                    <a:latin typeface="Arial" panose="020B0604020202020204" pitchFamily="34" charset="0"/>
+                    <a:ea typeface="Arial" panose="020B0604020202020204" pitchFamily="34" charset="0"/>
+                    <a:cs typeface="Arial" panose="020B0604020202020204" pitchFamily="34" charset="0"/>
+                  </a:rPr>
+                  <a:t>Bestimmen Sie allgemein die stationären Gleichungen des Systems. </a:t>
+                </a:r>
+                <a:endParaRPr lang="en-US" sz="1800" u="none" strike="noStrike" dirty="0">
+                  <a:effectLst/>
+                  <a:uFill>
+                    <a:solidFill>
+                      <a:srgbClr val="000000"/>
+                    </a:solidFill>
+                  </a:uFill>
+                  <a:latin typeface="Arial" panose="020B0604020202020204" pitchFamily="34" charset="0"/>
+                  <a:ea typeface="Arial" panose="020B0604020202020204" pitchFamily="34" charset="0"/>
+                  <a:cs typeface="Arial" panose="020B0604020202020204" pitchFamily="34" charset="0"/>
+                </a:endParaRPr>
+              </a:p>
+              <a:p>
+                <a:pPr marL="287655" lvl="1" indent="-287655"/>
+                <a:r>
+                  <a:rPr lang="de-DE" sz="1800" u="none" strike="noStrike" dirty="0">
+                    <a:effectLst/>
+                    <a:uFill>
+                      <a:solidFill>
+                        <a:srgbClr val="000000"/>
+                      </a:solidFill>
+                    </a:uFill>
+                    <a:latin typeface="Arial" panose="020B0604020202020204" pitchFamily="34" charset="0"/>
+                    <a:ea typeface="Arial" panose="020B0604020202020204" pitchFamily="34" charset="0"/>
+                    <a:cs typeface="Arial" panose="020B0604020202020204" pitchFamily="34" charset="0"/>
+                  </a:rPr>
+                  <a:t>Zur späteren Regelung und Bahnplanung des Roboterarms wird folgende stationäre Gleichung </a:t>
+                </a:r>
+                <a14:m>
+                  <m:oMath xmlns:m="http://schemas.openxmlformats.org/officeDocument/2006/math">
+                    <m:sSub>
+                      <m:sSubPr>
+                        <m:ctrlPr>
+                          <a:rPr lang="en-US" sz="1800" i="1" u="none" strike="noStrike">
+                            <a:effectLst/>
+                            <a:uFill>
+                              <a:solidFill>
+                                <a:srgbClr val="000000"/>
+                              </a:solidFill>
+                            </a:uFill>
+                            <a:latin typeface="Cambria Math" panose="02040503050406030204" pitchFamily="18" charset="0"/>
+                            <a:ea typeface="Cambria Math" panose="02040503050406030204" pitchFamily="18" charset="0"/>
+                            <a:cs typeface="Cambria Math" panose="02040503050406030204" pitchFamily="18" charset="0"/>
+                          </a:rPr>
+                        </m:ctrlPr>
+                      </m:sSubPr>
+                      <m:e>
+                        <m:acc>
+                          <m:accPr>
+                            <m:chr m:val="̅"/>
+                            <m:ctrlPr>
+                              <a:rPr lang="en-US" sz="1800" i="1" u="none" strike="noStrike">
+                                <a:effectLst/>
+                                <a:uFill>
+                                  <a:solidFill>
+                                    <a:srgbClr val="000000"/>
+                                  </a:solidFill>
+                                </a:uFill>
+                                <a:latin typeface="Cambria Math" panose="02040503050406030204" pitchFamily="18" charset="0"/>
+                                <a:ea typeface="Cambria Math" panose="02040503050406030204" pitchFamily="18" charset="0"/>
+                                <a:cs typeface="Cambria Math" panose="02040503050406030204" pitchFamily="18" charset="0"/>
+                              </a:rPr>
+                            </m:ctrlPr>
+                          </m:accPr>
+                          <m:e>
+                            <m:r>
+                              <a:rPr lang="de-DE" sz="1800" i="1" u="none" strike="noStrike">
+                                <a:effectLst/>
+                                <a:uFill>
+                                  <a:solidFill>
+                                    <a:srgbClr val="000000"/>
+                                  </a:solidFill>
+                                </a:uFill>
+                                <a:latin typeface="Cambria Math" panose="02040503050406030204" pitchFamily="18" charset="0"/>
+                                <a:ea typeface="Cambria Math" panose="02040503050406030204" pitchFamily="18" charset="0"/>
+                                <a:cs typeface="Cambria Math" panose="02040503050406030204" pitchFamily="18" charset="0"/>
+                              </a:rPr>
+                              <m:t>𝜑</m:t>
+                            </m:r>
+                          </m:e>
+                        </m:acc>
+                      </m:e>
+                      <m:sub>
+                        <m:r>
+                          <a:rPr lang="de-DE" sz="1800" i="1" u="none" strike="noStrike" baseline="-25000">
+                            <a:effectLst/>
+                            <a:uFill>
+                              <a:solidFill>
+                                <a:srgbClr val="000000"/>
+                              </a:solidFill>
+                            </a:uFill>
+                            <a:latin typeface="Cambria Math" panose="02040503050406030204" pitchFamily="18" charset="0"/>
+                            <a:ea typeface="Cambria Math" panose="02040503050406030204" pitchFamily="18" charset="0"/>
+                            <a:cs typeface="Cambria Math" panose="02040503050406030204" pitchFamily="18" charset="0"/>
+                          </a:rPr>
+                          <m:t>1</m:t>
+                        </m:r>
+                      </m:sub>
+                    </m:sSub>
+                    <m:r>
+                      <a:rPr lang="de-DE" sz="1800" i="1" u="none" strike="noStrike" baseline="-25000">
+                        <a:effectLst/>
+                        <a:uFill>
+                          <a:solidFill>
+                            <a:srgbClr val="000000"/>
+                          </a:solidFill>
+                        </a:uFill>
+                        <a:latin typeface="Cambria Math" panose="02040503050406030204" pitchFamily="18" charset="0"/>
+                        <a:ea typeface="Cambria Math" panose="02040503050406030204" pitchFamily="18" charset="0"/>
+                        <a:cs typeface="Cambria Math" panose="02040503050406030204" pitchFamily="18" charset="0"/>
+                      </a:rPr>
+                      <m:t> </m:t>
+                    </m:r>
+                    <m:r>
+                      <a:rPr lang="de-DE" sz="1800" i="1" u="none" strike="noStrike">
+                        <a:effectLst/>
+                        <a:uFill>
+                          <a:solidFill>
+                            <a:srgbClr val="000000"/>
+                          </a:solidFill>
+                        </a:uFill>
+                        <a:latin typeface="Cambria Math" panose="02040503050406030204" pitchFamily="18" charset="0"/>
+                        <a:ea typeface="Cambria Math" panose="02040503050406030204" pitchFamily="18" charset="0"/>
+                        <a:cs typeface="Cambria Math" panose="02040503050406030204" pitchFamily="18" charset="0"/>
+                      </a:rPr>
+                      <m:t>= </m:t>
+                    </m:r>
+                    <m:sSub>
+                      <m:sSubPr>
+                        <m:ctrlPr>
+                          <a:rPr lang="en-US" sz="1800" i="1" u="none" strike="noStrike">
+                            <a:effectLst/>
+                            <a:uFill>
+                              <a:solidFill>
+                                <a:srgbClr val="000000"/>
+                              </a:solidFill>
+                            </a:uFill>
+                            <a:latin typeface="Cambria Math" panose="02040503050406030204" pitchFamily="18" charset="0"/>
+                            <a:ea typeface="Cambria Math" panose="02040503050406030204" pitchFamily="18" charset="0"/>
+                            <a:cs typeface="Cambria Math" panose="02040503050406030204" pitchFamily="18" charset="0"/>
+                          </a:rPr>
+                        </m:ctrlPr>
+                      </m:sSubPr>
+                      <m:e>
+                        <m:r>
+                          <a:rPr lang="de-DE" sz="1800" i="1" u="none" strike="noStrike">
+                            <a:effectLst/>
+                            <a:uFill>
+                              <a:solidFill>
+                                <a:srgbClr val="000000"/>
+                              </a:solidFill>
+                            </a:uFill>
+                            <a:latin typeface="Cambria Math" panose="02040503050406030204" pitchFamily="18" charset="0"/>
+                            <a:ea typeface="Cambria Math" panose="02040503050406030204" pitchFamily="18" charset="0"/>
+                            <a:cs typeface="Cambria Math" panose="02040503050406030204" pitchFamily="18" charset="0"/>
+                          </a:rPr>
+                          <m:t>𝑓</m:t>
+                        </m:r>
+                      </m:e>
+                      <m:sub>
+                        <m:r>
+                          <a:rPr lang="de-DE" sz="1800" i="1" u="none" strike="noStrike" baseline="-25000">
+                            <a:effectLst/>
+                            <a:uFill>
+                              <a:solidFill>
+                                <a:srgbClr val="000000"/>
+                              </a:solidFill>
+                            </a:uFill>
+                            <a:latin typeface="Cambria Math" panose="02040503050406030204" pitchFamily="18" charset="0"/>
+                            <a:ea typeface="Cambria Math" panose="02040503050406030204" pitchFamily="18" charset="0"/>
+                            <a:cs typeface="Cambria Math" panose="02040503050406030204" pitchFamily="18" charset="0"/>
+                          </a:rPr>
+                          <m:t>𝑠</m:t>
+                        </m:r>
+                      </m:sub>
+                    </m:sSub>
+                    <m:r>
+                      <a:rPr lang="de-DE" sz="1800" i="1" u="none" strike="noStrike">
+                        <a:effectLst/>
+                        <a:uFill>
+                          <a:solidFill>
+                            <a:srgbClr val="000000"/>
+                          </a:solidFill>
+                        </a:uFill>
+                        <a:latin typeface="Cambria Math" panose="02040503050406030204" pitchFamily="18" charset="0"/>
+                        <a:ea typeface="Cambria Math" panose="02040503050406030204" pitchFamily="18" charset="0"/>
+                        <a:cs typeface="Cambria Math" panose="02040503050406030204" pitchFamily="18" charset="0"/>
+                      </a:rPr>
+                      <m:t>(</m:t>
+                    </m:r>
+                    <m:sSub>
+                      <m:sSubPr>
+                        <m:ctrlPr>
+                          <a:rPr lang="en-US" sz="1800" i="1" u="none" strike="noStrike">
+                            <a:effectLst/>
+                            <a:uFill>
+                              <a:solidFill>
+                                <a:srgbClr val="000000"/>
+                              </a:solidFill>
+                            </a:uFill>
+                            <a:latin typeface="Cambria Math" panose="02040503050406030204" pitchFamily="18" charset="0"/>
+                            <a:ea typeface="Cambria Math" panose="02040503050406030204" pitchFamily="18" charset="0"/>
+                            <a:cs typeface="Cambria Math" panose="02040503050406030204" pitchFamily="18" charset="0"/>
+                          </a:rPr>
+                        </m:ctrlPr>
+                      </m:sSubPr>
+                      <m:e>
+                        <m:acc>
+                          <m:accPr>
+                            <m:chr m:val="̅"/>
+                            <m:ctrlPr>
+                              <a:rPr lang="en-US" sz="1800" i="1" u="none" strike="noStrike">
+                                <a:effectLst/>
+                                <a:uFill>
+                                  <a:solidFill>
+                                    <a:srgbClr val="000000"/>
+                                  </a:solidFill>
+                                </a:uFill>
+                                <a:latin typeface="Cambria Math" panose="02040503050406030204" pitchFamily="18" charset="0"/>
+                                <a:ea typeface="Cambria Math" panose="02040503050406030204" pitchFamily="18" charset="0"/>
+                                <a:cs typeface="Cambria Math" panose="02040503050406030204" pitchFamily="18" charset="0"/>
+                              </a:rPr>
+                            </m:ctrlPr>
+                          </m:accPr>
+                          <m:e>
+                            <m:r>
+                              <a:rPr lang="de-DE" sz="1800" i="1" u="none" strike="noStrike">
+                                <a:effectLst/>
+                                <a:uFill>
+                                  <a:solidFill>
+                                    <a:srgbClr val="000000"/>
+                                  </a:solidFill>
+                                </a:uFill>
+                                <a:latin typeface="Cambria Math" panose="02040503050406030204" pitchFamily="18" charset="0"/>
+                                <a:ea typeface="Cambria Math" panose="02040503050406030204" pitchFamily="18" charset="0"/>
+                                <a:cs typeface="Cambria Math" panose="02040503050406030204" pitchFamily="18" charset="0"/>
+                              </a:rPr>
+                              <m:t>𝜑</m:t>
+                            </m:r>
+                          </m:e>
+                        </m:acc>
+                      </m:e>
+                      <m:sub>
+                        <m:r>
+                          <a:rPr lang="de-DE" sz="1800" i="1" u="none" strike="noStrike" baseline="-25000">
+                            <a:effectLst/>
+                            <a:uFill>
+                              <a:solidFill>
+                                <a:srgbClr val="000000"/>
+                              </a:solidFill>
+                            </a:uFill>
+                            <a:latin typeface="Cambria Math" panose="02040503050406030204" pitchFamily="18" charset="0"/>
+                            <a:ea typeface="Cambria Math" panose="02040503050406030204" pitchFamily="18" charset="0"/>
+                            <a:cs typeface="Cambria Math" panose="02040503050406030204" pitchFamily="18" charset="0"/>
+                          </a:rPr>
+                          <m:t>2</m:t>
+                        </m:r>
+                      </m:sub>
+                    </m:sSub>
+                    <m:r>
+                      <a:rPr lang="de-DE" sz="1800" i="1" u="none" strike="noStrike">
+                        <a:effectLst/>
+                        <a:uFill>
+                          <a:solidFill>
+                            <a:srgbClr val="000000"/>
+                          </a:solidFill>
+                        </a:uFill>
+                        <a:latin typeface="Cambria Math" panose="02040503050406030204" pitchFamily="18" charset="0"/>
+                        <a:ea typeface="Cambria Math" panose="02040503050406030204" pitchFamily="18" charset="0"/>
+                        <a:cs typeface="Cambria Math" panose="02040503050406030204" pitchFamily="18" charset="0"/>
+                      </a:rPr>
+                      <m:t>)</m:t>
+                    </m:r>
+                  </m:oMath>
+                </a14:m>
+                <a:r>
+                  <a:rPr lang="de-DE" sz="1800" u="none" strike="noStrike" dirty="0">
+                    <a:effectLst/>
+                    <a:uFill>
+                      <a:solidFill>
+                        <a:srgbClr val="000000"/>
+                      </a:solidFill>
+                    </a:uFill>
+                    <a:latin typeface="Arial" panose="020B0604020202020204" pitchFamily="34" charset="0"/>
+                    <a:ea typeface="Arial" panose="020B0604020202020204" pitchFamily="34" charset="0"/>
+                    <a:cs typeface="Arial" panose="020B0604020202020204" pitchFamily="34" charset="0"/>
+                  </a:rPr>
+                  <a:t>  mit der Vorgabe </a:t>
+                </a:r>
+                <a14:m>
+                  <m:oMath xmlns:m="http://schemas.openxmlformats.org/officeDocument/2006/math">
+                    <m:sSub>
+                      <m:sSubPr>
+                        <m:ctrlPr>
+                          <a:rPr lang="en-US" sz="1800" i="1" u="none" strike="noStrike">
+                            <a:effectLst/>
+                            <a:uFill>
+                              <a:solidFill>
+                                <a:srgbClr val="000000"/>
+                              </a:solidFill>
+                            </a:uFill>
+                            <a:latin typeface="Cambria Math" panose="02040503050406030204" pitchFamily="18" charset="0"/>
+                            <a:ea typeface="Cambria Math" panose="02040503050406030204" pitchFamily="18" charset="0"/>
+                            <a:cs typeface="Cambria Math" panose="02040503050406030204" pitchFamily="18" charset="0"/>
+                          </a:rPr>
+                        </m:ctrlPr>
+                      </m:sSubPr>
+                      <m:e>
+                        <m:acc>
+                          <m:accPr>
+                            <m:chr m:val="̅"/>
+                            <m:ctrlPr>
+                              <a:rPr lang="en-US" sz="1800" i="1" u="none" strike="noStrike">
+                                <a:effectLst/>
+                                <a:uFill>
+                                  <a:solidFill>
+                                    <a:srgbClr val="000000"/>
+                                  </a:solidFill>
+                                </a:uFill>
+                                <a:latin typeface="Cambria Math" panose="02040503050406030204" pitchFamily="18" charset="0"/>
+                                <a:ea typeface="Cambria Math" panose="02040503050406030204" pitchFamily="18" charset="0"/>
+                                <a:cs typeface="Cambria Math" panose="02040503050406030204" pitchFamily="18" charset="0"/>
+                              </a:rPr>
+                            </m:ctrlPr>
+                          </m:accPr>
+                          <m:e>
+                            <m:r>
+                              <a:rPr lang="de-DE" sz="1800" i="1" u="none" strike="noStrike">
+                                <a:effectLst/>
+                                <a:uFill>
+                                  <a:solidFill>
+                                    <a:srgbClr val="000000"/>
+                                  </a:solidFill>
+                                </a:uFill>
+                                <a:latin typeface="Cambria Math" panose="02040503050406030204" pitchFamily="18" charset="0"/>
+                                <a:ea typeface="Cambria Math" panose="02040503050406030204" pitchFamily="18" charset="0"/>
+                                <a:cs typeface="Cambria Math" panose="02040503050406030204" pitchFamily="18" charset="0"/>
+                              </a:rPr>
+                              <m:t>𝑢</m:t>
+                            </m:r>
+                          </m:e>
+                        </m:acc>
+                      </m:e>
+                      <m:sub>
+                        <m:r>
+                          <a:rPr lang="de-DE" sz="1800" i="1" u="none" strike="noStrike" baseline="-25000">
+                            <a:effectLst/>
+                            <a:uFill>
+                              <a:solidFill>
+                                <a:srgbClr val="000000"/>
+                              </a:solidFill>
+                            </a:uFill>
+                            <a:latin typeface="Cambria Math" panose="02040503050406030204" pitchFamily="18" charset="0"/>
+                            <a:ea typeface="Cambria Math" panose="02040503050406030204" pitchFamily="18" charset="0"/>
+                            <a:cs typeface="Cambria Math" panose="02040503050406030204" pitchFamily="18" charset="0"/>
+                          </a:rPr>
+                          <m:t>2</m:t>
+                        </m:r>
+                      </m:sub>
+                    </m:sSub>
+                    <m:r>
+                      <a:rPr lang="de-DE" sz="1800" i="1" u="none" strike="noStrike" baseline="-25000">
+                        <a:effectLst/>
+                        <a:uFill>
+                          <a:solidFill>
+                            <a:srgbClr val="000000"/>
+                          </a:solidFill>
+                        </a:uFill>
+                        <a:latin typeface="Cambria Math" panose="02040503050406030204" pitchFamily="18" charset="0"/>
+                        <a:ea typeface="Cambria Math" panose="02040503050406030204" pitchFamily="18" charset="0"/>
+                        <a:cs typeface="Cambria Math" panose="02040503050406030204" pitchFamily="18" charset="0"/>
+                      </a:rPr>
+                      <m:t> </m:t>
+                    </m:r>
+                    <m:r>
+                      <a:rPr lang="de-DE" sz="1800" i="1" u="none" strike="noStrike">
+                        <a:effectLst/>
+                        <a:uFill>
+                          <a:solidFill>
+                            <a:srgbClr val="000000"/>
+                          </a:solidFill>
+                        </a:uFill>
+                        <a:latin typeface="Cambria Math" panose="02040503050406030204" pitchFamily="18" charset="0"/>
+                        <a:ea typeface="Cambria Math" panose="02040503050406030204" pitchFamily="18" charset="0"/>
+                        <a:cs typeface="Cambria Math" panose="02040503050406030204" pitchFamily="18" charset="0"/>
+                      </a:rPr>
+                      <m:t>= </m:t>
+                    </m:r>
+                    <m:r>
+                      <a:rPr lang="de-DE" sz="1800" i="1" u="none" strike="noStrike">
+                        <a:effectLst/>
+                        <a:uFill>
+                          <a:solidFill>
+                            <a:srgbClr val="000000"/>
+                          </a:solidFill>
+                        </a:uFill>
+                        <a:latin typeface="Cambria Math" panose="02040503050406030204" pitchFamily="18" charset="0"/>
+                        <a:ea typeface="Cambria Math" panose="02040503050406030204" pitchFamily="18" charset="0"/>
+                        <a:cs typeface="Cambria Math" panose="02040503050406030204" pitchFamily="18" charset="0"/>
+                      </a:rPr>
+                      <m:t>𝛽</m:t>
+                    </m:r>
+                    <m:sSub>
+                      <m:sSubPr>
+                        <m:ctrlPr>
+                          <a:rPr lang="en-US" sz="1800" i="1" u="none" strike="noStrike">
+                            <a:effectLst/>
+                            <a:uFill>
+                              <a:solidFill>
+                                <a:srgbClr val="000000"/>
+                              </a:solidFill>
+                            </a:uFill>
+                            <a:latin typeface="Cambria Math" panose="02040503050406030204" pitchFamily="18" charset="0"/>
+                            <a:ea typeface="Cambria Math" panose="02040503050406030204" pitchFamily="18" charset="0"/>
+                            <a:cs typeface="Cambria Math" panose="02040503050406030204" pitchFamily="18" charset="0"/>
+                          </a:rPr>
+                        </m:ctrlPr>
+                      </m:sSubPr>
+                      <m:e>
+                        <m:acc>
+                          <m:accPr>
+                            <m:chr m:val="̅"/>
+                            <m:ctrlPr>
+                              <a:rPr lang="en-US" sz="1800" i="1" u="none" strike="noStrike">
+                                <a:effectLst/>
+                                <a:uFill>
+                                  <a:solidFill>
+                                    <a:srgbClr val="000000"/>
+                                  </a:solidFill>
+                                </a:uFill>
+                                <a:latin typeface="Cambria Math" panose="02040503050406030204" pitchFamily="18" charset="0"/>
+                                <a:ea typeface="Cambria Math" panose="02040503050406030204" pitchFamily="18" charset="0"/>
+                                <a:cs typeface="Cambria Math" panose="02040503050406030204" pitchFamily="18" charset="0"/>
+                              </a:rPr>
+                            </m:ctrlPr>
+                          </m:accPr>
+                          <m:e>
+                            <m:r>
+                              <a:rPr lang="de-DE" sz="1800" i="1" u="none" strike="noStrike">
+                                <a:effectLst/>
+                                <a:uFill>
+                                  <a:solidFill>
+                                    <a:srgbClr val="000000"/>
+                                  </a:solidFill>
+                                </a:uFill>
+                                <a:latin typeface="Cambria Math" panose="02040503050406030204" pitchFamily="18" charset="0"/>
+                                <a:ea typeface="Cambria Math" panose="02040503050406030204" pitchFamily="18" charset="0"/>
+                                <a:cs typeface="Cambria Math" panose="02040503050406030204" pitchFamily="18" charset="0"/>
+                              </a:rPr>
+                              <m:t>𝑢</m:t>
+                            </m:r>
+                          </m:e>
+                        </m:acc>
+                      </m:e>
+                      <m:sub>
+                        <m:r>
+                          <a:rPr lang="de-DE" sz="1800" i="1" u="none" strike="noStrike" baseline="-25000">
+                            <a:effectLst/>
+                            <a:uFill>
+                              <a:solidFill>
+                                <a:srgbClr val="000000"/>
+                              </a:solidFill>
+                            </a:uFill>
+                            <a:latin typeface="Cambria Math" panose="02040503050406030204" pitchFamily="18" charset="0"/>
+                            <a:ea typeface="Cambria Math" panose="02040503050406030204" pitchFamily="18" charset="0"/>
+                            <a:cs typeface="Cambria Math" panose="02040503050406030204" pitchFamily="18" charset="0"/>
+                          </a:rPr>
+                          <m:t>1</m:t>
+                        </m:r>
+                      </m:sub>
+                    </m:sSub>
+                    <m:r>
+                      <a:rPr lang="de-DE" sz="1800" i="1" u="none" strike="noStrike" baseline="-25000">
+                        <a:effectLst/>
+                        <a:uFill>
+                          <a:solidFill>
+                            <a:srgbClr val="000000"/>
+                          </a:solidFill>
+                        </a:uFill>
+                        <a:latin typeface="Cambria Math" panose="02040503050406030204" pitchFamily="18" charset="0"/>
+                        <a:ea typeface="Cambria Math" panose="02040503050406030204" pitchFamily="18" charset="0"/>
+                        <a:cs typeface="Cambria Math" panose="02040503050406030204" pitchFamily="18" charset="0"/>
+                      </a:rPr>
+                      <m:t> </m:t>
+                    </m:r>
+                  </m:oMath>
+                </a14:m>
+                <a:r>
+                  <a:rPr lang="de-DE" sz="1800" u="none" strike="noStrike" dirty="0">
+                    <a:effectLst/>
+                    <a:uFill>
+                      <a:solidFill>
+                        <a:srgbClr val="000000"/>
+                      </a:solidFill>
+                    </a:uFill>
+                    <a:latin typeface="Arial" panose="020B0604020202020204" pitchFamily="34" charset="0"/>
+                    <a:ea typeface="Arial" panose="020B0604020202020204" pitchFamily="34" charset="0"/>
+                    <a:cs typeface="Arial" panose="020B0604020202020204" pitchFamily="34" charset="0"/>
+                  </a:rPr>
+                  <a:t> benötigt. Bestimmen Sie diese aus den stationären Gleichungen. </a:t>
+                </a:r>
+                <a:endParaRPr lang="en-US" sz="1800" u="none" strike="noStrike" dirty="0">
+                  <a:effectLst/>
+                  <a:uFill>
+                    <a:solidFill>
+                      <a:srgbClr val="000000"/>
+                    </a:solidFill>
+                  </a:uFill>
+                  <a:latin typeface="Arial" panose="020B0604020202020204" pitchFamily="34" charset="0"/>
+                  <a:ea typeface="Arial" panose="020B0604020202020204" pitchFamily="34" charset="0"/>
+                  <a:cs typeface="Arial" panose="020B0604020202020204" pitchFamily="34" charset="0"/>
+                </a:endParaRPr>
+              </a:p>
+              <a:p>
+                <a:pPr marL="287655" lvl="1" indent="-287655"/>
+                <a:endParaRPr lang="en-US" dirty="0">
+                  <a:solidFill>
+                    <a:srgbClr val="DC3769"/>
+                  </a:solidFill>
+                </a:endParaRPr>
+              </a:p>
+              <a:p>
+                <a:pPr marL="287655" lvl="1" indent="-287655"/>
+                <a:endParaRPr lang="en-US" dirty="0">
+                  <a:solidFill>
+                    <a:srgbClr val="DC3769"/>
+                  </a:solidFill>
+                </a:endParaRPr>
+              </a:p>
+            </p:txBody>
+          </p:sp>
+        </mc:Choice>
+        <mc:Fallback>
+          <p:sp>
+            <p:nvSpPr>
+              <p:cNvPr id="6" name="Inhaltsplatzhalter 5"/>
+              <p:cNvSpPr>
+                <a:spLocks noGrp="1" noRot="1" noChangeAspect="1" noMove="1" noResize="1" noEditPoints="1" noAdjustHandles="1" noChangeArrowheads="1" noChangeShapeType="1" noTextEdit="1"/>
+              </p:cNvSpPr>
+              <p:nvPr>
+                <p:ph idx="13"/>
+              </p:nvPr>
+            </p:nvSpPr>
+            <p:spPr>
+              <a:xfrm>
+                <a:off x="114300" y="2160589"/>
+                <a:ext cx="11887199" cy="4083052"/>
+              </a:xfrm>
+              <a:blipFill>
+                <a:blip r:embed="rId2"/>
+                <a:stretch>
+                  <a:fillRect l="-1128" t="-2090"/>
+                </a:stretch>
+              </a:blipFill>
+            </p:spPr>
+            <p:txBody>
+              <a:bodyPr/>
+              <a:lstStyle/>
+              <a:p>
+                <a:r>
+                  <a:rPr lang="en-US">
+                    <a:noFill/>
+                  </a:rPr>
+                  <a:t> </a:t>
+                </a:r>
+              </a:p>
+            </p:txBody>
+          </p:sp>
+        </mc:Fallback>
+      </mc:AlternateContent>
+      <p:sp>
+        <p:nvSpPr>
+          <p:cNvPr id="12" name="Datumsplatzhalter 11">
+            <a:extLst>
+              <a:ext uri="{FF2B5EF4-FFF2-40B4-BE49-F238E27FC236}">
+                <a16:creationId xmlns:a16="http://schemas.microsoft.com/office/drawing/2014/main" id="{80DD9277-7B03-46BA-A1AA-E0A86CA0FCF8}"/>
+              </a:ext>
+            </a:extLst>
+          </p:cNvPr>
+          <p:cNvSpPr>
+            <a:spLocks noGrp="1"/>
+          </p:cNvSpPr>
+          <p:nvPr>
+            <p:ph type="dt" sz="half" idx="10"/>
+          </p:nvPr>
+        </p:nvSpPr>
+        <p:spPr/>
+        <p:txBody>
+          <a:bodyPr/>
+          <a:lstStyle/>
+          <a:p>
+            <a:r>
+              <a:rPr lang="de-DE"/>
+              <a:t>Campus Sontheim</a:t>
+            </a:r>
+            <a:endParaRPr lang="en-US"/>
+          </a:p>
+        </p:txBody>
+      </p:sp>
+      <p:sp>
+        <p:nvSpPr>
+          <p:cNvPr id="13" name="Fußzeilenplatzhalter 12">
+            <a:extLst>
+              <a:ext uri="{FF2B5EF4-FFF2-40B4-BE49-F238E27FC236}">
+                <a16:creationId xmlns:a16="http://schemas.microsoft.com/office/drawing/2014/main" id="{D5DEE2ED-DBC3-4D9A-AFA9-3BDED5578C13}"/>
+              </a:ext>
+            </a:extLst>
+          </p:cNvPr>
+          <p:cNvSpPr>
+            <a:spLocks noGrp="1"/>
+          </p:cNvSpPr>
+          <p:nvPr>
+            <p:ph type="ftr" sz="quarter" idx="11"/>
+          </p:nvPr>
+        </p:nvSpPr>
+        <p:spPr/>
+        <p:txBody>
+          <a:bodyPr/>
+          <a:lstStyle/>
+          <a:p>
+            <a:r>
+              <a:rPr lang="en-US" dirty="0"/>
+              <a:t>Zwei-</a:t>
+            </a:r>
+            <a:r>
+              <a:rPr lang="en-US" dirty="0" err="1"/>
+              <a:t>Gelenk</a:t>
+            </a:r>
+            <a:r>
+              <a:rPr lang="en-US" dirty="0"/>
+              <a:t>-</a:t>
+            </a:r>
+            <a:r>
+              <a:rPr lang="en-US" dirty="0" err="1"/>
+              <a:t>Roboter</a:t>
+            </a:r>
+            <a:r>
+              <a:rPr lang="en-US" dirty="0"/>
+              <a:t> | Marc Grosse, Moritz </a:t>
+            </a:r>
+            <a:r>
+              <a:rPr lang="en-US" dirty="0" err="1"/>
+              <a:t>Höhnel</a:t>
+            </a:r>
+            <a:r>
+              <a:rPr lang="en-US" dirty="0"/>
+              <a:t> und Mattis Ritter / T1 / ASE | WS22/23</a:t>
+            </a:r>
+          </a:p>
+          <a:p>
+            <a:endParaRPr lang="en-US" dirty="0"/>
+          </a:p>
+        </p:txBody>
+      </p:sp>
+      <p:sp>
+        <p:nvSpPr>
+          <p:cNvPr id="14" name="Foliennummernplatzhalter 13">
+            <a:extLst>
+              <a:ext uri="{FF2B5EF4-FFF2-40B4-BE49-F238E27FC236}">
+                <a16:creationId xmlns:a16="http://schemas.microsoft.com/office/drawing/2014/main" id="{48BBC2E6-60FE-4027-B3AE-1C7F349E9526}"/>
+              </a:ext>
+            </a:extLst>
+          </p:cNvPr>
+          <p:cNvSpPr>
+            <a:spLocks noGrp="1"/>
+          </p:cNvSpPr>
+          <p:nvPr>
+            <p:ph type="sldNum" sz="quarter" idx="12"/>
+          </p:nvPr>
+        </p:nvSpPr>
+        <p:spPr/>
+        <p:txBody>
+          <a:bodyPr/>
+          <a:lstStyle/>
+          <a:p>
+            <a:r>
+              <a:rPr lang="en-US"/>
+              <a:t>|  </a:t>
+            </a:r>
+            <a:fld id="{E6B5151A-17C4-4431-8407-112C0160A8B6}" type="slidenum">
+              <a:rPr lang="en-US" smtClean="0"/>
+              <a:pPr/>
+              <a:t>7</a:t>
+            </a:fld>
+            <a:endParaRPr lang="en-US"/>
+          </a:p>
+        </p:txBody>
+      </p:sp>
     </p:spTree>
     <p:extLst>
       <p:ext uri="{BB962C8B-B14F-4D97-AF65-F5344CB8AC3E}">
@@ -22082,7 +25466,7 @@
 </p:sld>
 </file>
 
-<file path=ppt/slides/slide6.xml><?xml version="1.0" encoding="utf-8"?>
+<file path=ppt/slides/slide8.xml><?xml version="1.0" encoding="utf-8"?>
 <p:sld xmlns:a="http://schemas.openxmlformats.org/drawingml/2006/main" xmlns:r="http://schemas.openxmlformats.org/officeDocument/2006/relationships" xmlns:p="http://schemas.openxmlformats.org/presentationml/2006/main">
   <p:cSld>
     <p:spTree>
@@ -22208,7 +25592,7 @@
             <a:fld id="{E6B5151A-17C4-4431-8407-112C0160A8B6}" type="slidenum">
               <a:rPr lang="en-US" smtClean="0"/>
               <a:pPr/>
-              <a:t>6</a:t>
+              <a:t>8</a:t>
             </a:fld>
             <a:endParaRPr lang="en-US"/>
           </a:p>
@@ -23472,6 +26856,15 @@
 </file>
 
 <file path=customXml/item2.xml><?xml version="1.0" encoding="utf-8"?>
+<?mso-contentType ?>
+<FormTemplates xmlns="http://schemas.microsoft.com/sharepoint/v3/contenttype/forms">
+  <Display>DocumentLibraryForm</Display>
+  <Edit>DocumentLibraryForm</Edit>
+  <New>DocumentLibraryForm</New>
+</FormTemplates>
+</file>
+
+<file path=customXml/item3.xml><?xml version="1.0" encoding="utf-8"?>
 <ct:contentTypeSchema xmlns:ct="http://schemas.microsoft.com/office/2006/metadata/contentType" xmlns:ma="http://schemas.microsoft.com/office/2006/metadata/properties/metaAttributes" ct:_="" ma:_="" ma:contentTypeName="Document" ma:contentTypeID="0x01010071315C8266D65147BEEF21714B380DFC" ma:contentTypeVersion="12" ma:contentTypeDescription="Create a new document." ma:contentTypeScope="" ma:versionID="ae14c92c52cedeef1460d511b82b4719">
   <xsd:schema xmlns:xsd="http://www.w3.org/2001/XMLSchema" xmlns:xs="http://www.w3.org/2001/XMLSchema" xmlns:p="http://schemas.microsoft.com/office/2006/metadata/properties" xmlns:ns2="e1a4e9d1-002c-44d1-a7df-d1d440f2d89c" xmlns:ns3="396d3ce1-f135-45f1-a004-8da1c81eaf02" targetNamespace="http://schemas.microsoft.com/office/2006/metadata/properties" ma:root="true" ma:fieldsID="30ae492b1ebb9fd38c43b4ed6abfe70d" ns2:_="" ns3:_="">
     <xsd:import namespace="e1a4e9d1-002c-44d1-a7df-d1d440f2d89c"/>
@@ -23690,15 +27083,6 @@
 </ct:contentTypeSchema>
 </file>
 
-<file path=customXml/item3.xml><?xml version="1.0" encoding="utf-8"?>
-<?mso-contentType ?>
-<FormTemplates xmlns="http://schemas.microsoft.com/sharepoint/v3/contenttype/forms">
-  <Display>DocumentLibraryForm</Display>
-  <Edit>DocumentLibraryForm</Edit>
-  <New>DocumentLibraryForm</New>
-</FormTemplates>
-</file>
-
 <file path=customXml/itemProps1.xml><?xml version="1.0" encoding="utf-8"?>
 <ds:datastoreItem xmlns:ds="http://schemas.openxmlformats.org/officeDocument/2006/customXml" ds:itemID="{41303304-D675-4AEC-B056-9DF2E7E157C6}">
   <ds:schemaRefs>
@@ -23713,6 +27097,14 @@
 </file>
 
 <file path=customXml/itemProps2.xml><?xml version="1.0" encoding="utf-8"?>
+<ds:datastoreItem xmlns:ds="http://schemas.openxmlformats.org/officeDocument/2006/customXml" ds:itemID="{E554B1BE-D081-4D49-A9A8-02DBC419D9B4}">
+  <ds:schemaRefs>
+    <ds:schemaRef ds:uri="http://schemas.microsoft.com/sharepoint/v3/contenttype/forms"/>
+  </ds:schemaRefs>
+</ds:datastoreItem>
+</file>
+
+<file path=customXml/itemProps3.xml><?xml version="1.0" encoding="utf-8"?>
 <ds:datastoreItem xmlns:ds="http://schemas.openxmlformats.org/officeDocument/2006/customXml" ds:itemID="{33061106-0B7E-4C54-909B-385CA0897467}">
   <ds:schemaRefs>
     <ds:schemaRef ds:uri="http://schemas.microsoft.com/office/2006/metadata/contentType"/>
@@ -23729,12 +27121,4 @@
     <ds:schemaRef ds:uri="http://schemas.microsoft.com/internal/obd"/>
   </ds:schemaRefs>
 </ds:datastoreItem>
-</file>
-
-<file path=customXml/itemProps3.xml><?xml version="1.0" encoding="utf-8"?>
-<ds:datastoreItem xmlns:ds="http://schemas.openxmlformats.org/officeDocument/2006/customXml" ds:itemID="{E554B1BE-D081-4D49-A9A8-02DBC419D9B4}">
-  <ds:schemaRefs>
-    <ds:schemaRef ds:uri="http://schemas.microsoft.com/sharepoint/v3/contenttype/forms"/>
-  </ds:schemaRefs>
-</ds:datastoreItem>
 </file>